--- a/Presentation/presentation_v2.pptx
+++ b/Presentation/presentation_v2.pptx
@@ -109,8 +109,9 @@
             <a:noAutofit/>
           </a:bodyPr>
           <a:p>
-            <a:r>
-              <a:rPr b="0" lang="en-GB" sz="1400" spc="-1" strike="noStrike">
+            <a:pPr algn="ctr"/>
+            <a:r>
+              <a:rPr b="0" lang="en-GB" sz="4400" spc="-1" strike="noStrike">
                 <a:solidFill>
                   <a:srgbClr val="000000"/>
                 </a:solidFill>
@@ -118,7 +119,7 @@
               </a:rPr>
               <a:t>Click to move the slide</a:t>
             </a:r>
-            <a:endParaRPr b="0" lang="en-GB" sz="1400" spc="-1" strike="noStrike">
+            <a:endParaRPr b="0" lang="en-GB" sz="4400" spc="-1" strike="noStrike">
               <a:solidFill>
                 <a:srgbClr val="000000"/>
               </a:solidFill>
@@ -165,268 +166,7 @@
                 </a:solidFill>
                 <a:latin typeface="Arial"/>
               </a:rPr>
-              <a:t>C</a:t>
-            </a:r>
-            <a:r>
-              <a:rPr b="0" lang="en-GB" sz="2000" spc="-1" strike="noStrike">
-                <a:solidFill>
-                  <a:srgbClr val="000000"/>
-                </a:solidFill>
-                <a:latin typeface="Arial"/>
-              </a:rPr>
-              <a:t>l</a:t>
-            </a:r>
-            <a:r>
-              <a:rPr b="0" lang="en-GB" sz="2000" spc="-1" strike="noStrike">
-                <a:solidFill>
-                  <a:srgbClr val="000000"/>
-                </a:solidFill>
-                <a:latin typeface="Arial"/>
-              </a:rPr>
-              <a:t>i</a:t>
-            </a:r>
-            <a:r>
-              <a:rPr b="0" lang="en-GB" sz="2000" spc="-1" strike="noStrike">
-                <a:solidFill>
-                  <a:srgbClr val="000000"/>
-                </a:solidFill>
-                <a:latin typeface="Arial"/>
-              </a:rPr>
-              <a:t>c</a:t>
-            </a:r>
-            <a:r>
-              <a:rPr b="0" lang="en-GB" sz="2000" spc="-1" strike="noStrike">
-                <a:solidFill>
-                  <a:srgbClr val="000000"/>
-                </a:solidFill>
-                <a:latin typeface="Arial"/>
-              </a:rPr>
-              <a:t>k</a:t>
-            </a:r>
-            <a:r>
-              <a:rPr b="0" lang="en-GB" sz="2000" spc="-1" strike="noStrike">
-                <a:solidFill>
-                  <a:srgbClr val="000000"/>
-                </a:solidFill>
-                <a:latin typeface="Arial"/>
-              </a:rPr>
-              <a:t> </a:t>
-            </a:r>
-            <a:r>
-              <a:rPr b="0" lang="en-GB" sz="2000" spc="-1" strike="noStrike">
-                <a:solidFill>
-                  <a:srgbClr val="000000"/>
-                </a:solidFill>
-                <a:latin typeface="Arial"/>
-              </a:rPr>
-              <a:t>t</a:t>
-            </a:r>
-            <a:r>
-              <a:rPr b="0" lang="en-GB" sz="2000" spc="-1" strike="noStrike">
-                <a:solidFill>
-                  <a:srgbClr val="000000"/>
-                </a:solidFill>
-                <a:latin typeface="Arial"/>
-              </a:rPr>
-              <a:t>o</a:t>
-            </a:r>
-            <a:r>
-              <a:rPr b="0" lang="en-GB" sz="2000" spc="-1" strike="noStrike">
-                <a:solidFill>
-                  <a:srgbClr val="000000"/>
-                </a:solidFill>
-                <a:latin typeface="Arial"/>
-              </a:rPr>
-              <a:t> </a:t>
-            </a:r>
-            <a:r>
-              <a:rPr b="0" lang="en-GB" sz="2000" spc="-1" strike="noStrike">
-                <a:solidFill>
-                  <a:srgbClr val="000000"/>
-                </a:solidFill>
-                <a:latin typeface="Arial"/>
-              </a:rPr>
-              <a:t>e</a:t>
-            </a:r>
-            <a:r>
-              <a:rPr b="0" lang="en-GB" sz="2000" spc="-1" strike="noStrike">
-                <a:solidFill>
-                  <a:srgbClr val="000000"/>
-                </a:solidFill>
-                <a:latin typeface="Arial"/>
-              </a:rPr>
-              <a:t>d</a:t>
-            </a:r>
-            <a:r>
-              <a:rPr b="0" lang="en-GB" sz="2000" spc="-1" strike="noStrike">
-                <a:solidFill>
-                  <a:srgbClr val="000000"/>
-                </a:solidFill>
-                <a:latin typeface="Arial"/>
-              </a:rPr>
-              <a:t>i</a:t>
-            </a:r>
-            <a:r>
-              <a:rPr b="0" lang="en-GB" sz="2000" spc="-1" strike="noStrike">
-                <a:solidFill>
-                  <a:srgbClr val="000000"/>
-                </a:solidFill>
-                <a:latin typeface="Arial"/>
-              </a:rPr>
-              <a:t>t</a:t>
-            </a:r>
-            <a:r>
-              <a:rPr b="0" lang="en-GB" sz="2000" spc="-1" strike="noStrike">
-                <a:solidFill>
-                  <a:srgbClr val="000000"/>
-                </a:solidFill>
-                <a:latin typeface="Arial"/>
-              </a:rPr>
-              <a:t> </a:t>
-            </a:r>
-            <a:r>
-              <a:rPr b="0" lang="en-GB" sz="2000" spc="-1" strike="noStrike">
-                <a:solidFill>
-                  <a:srgbClr val="000000"/>
-                </a:solidFill>
-                <a:latin typeface="Arial"/>
-              </a:rPr>
-              <a:t>t</a:t>
-            </a:r>
-            <a:r>
-              <a:rPr b="0" lang="en-GB" sz="2000" spc="-1" strike="noStrike">
-                <a:solidFill>
-                  <a:srgbClr val="000000"/>
-                </a:solidFill>
-                <a:latin typeface="Arial"/>
-              </a:rPr>
-              <a:t>h</a:t>
-            </a:r>
-            <a:r>
-              <a:rPr b="0" lang="en-GB" sz="2000" spc="-1" strike="noStrike">
-                <a:solidFill>
-                  <a:srgbClr val="000000"/>
-                </a:solidFill>
-                <a:latin typeface="Arial"/>
-              </a:rPr>
-              <a:t>e</a:t>
-            </a:r>
-            <a:r>
-              <a:rPr b="0" lang="en-GB" sz="2000" spc="-1" strike="noStrike">
-                <a:solidFill>
-                  <a:srgbClr val="000000"/>
-                </a:solidFill>
-                <a:latin typeface="Arial"/>
-              </a:rPr>
-              <a:t> </a:t>
-            </a:r>
-            <a:r>
-              <a:rPr b="0" lang="en-GB" sz="2000" spc="-1" strike="noStrike">
-                <a:solidFill>
-                  <a:srgbClr val="000000"/>
-                </a:solidFill>
-                <a:latin typeface="Arial"/>
-              </a:rPr>
-              <a:t>n</a:t>
-            </a:r>
-            <a:r>
-              <a:rPr b="0" lang="en-GB" sz="2000" spc="-1" strike="noStrike">
-                <a:solidFill>
-                  <a:srgbClr val="000000"/>
-                </a:solidFill>
-                <a:latin typeface="Arial"/>
-              </a:rPr>
-              <a:t>o</a:t>
-            </a:r>
-            <a:r>
-              <a:rPr b="0" lang="en-GB" sz="2000" spc="-1" strike="noStrike">
-                <a:solidFill>
-                  <a:srgbClr val="000000"/>
-                </a:solidFill>
-                <a:latin typeface="Arial"/>
-              </a:rPr>
-              <a:t>t</a:t>
-            </a:r>
-            <a:r>
-              <a:rPr b="0" lang="en-GB" sz="2000" spc="-1" strike="noStrike">
-                <a:solidFill>
-                  <a:srgbClr val="000000"/>
-                </a:solidFill>
-                <a:latin typeface="Arial"/>
-              </a:rPr>
-              <a:t>e</a:t>
-            </a:r>
-            <a:r>
-              <a:rPr b="0" lang="en-GB" sz="2000" spc="-1" strike="noStrike">
-                <a:solidFill>
-                  <a:srgbClr val="000000"/>
-                </a:solidFill>
-                <a:latin typeface="Arial"/>
-              </a:rPr>
-              <a:t>s</a:t>
-            </a:r>
-            <a:r>
-              <a:rPr b="0" lang="en-GB" sz="2000" spc="-1" strike="noStrike">
-                <a:solidFill>
-                  <a:srgbClr val="000000"/>
-                </a:solidFill>
-                <a:latin typeface="Arial"/>
-              </a:rPr>
-              <a:t> </a:t>
-            </a:r>
-            <a:r>
-              <a:rPr b="0" lang="en-GB" sz="2000" spc="-1" strike="noStrike">
-                <a:solidFill>
-                  <a:srgbClr val="000000"/>
-                </a:solidFill>
-                <a:latin typeface="Arial"/>
-              </a:rPr>
-              <a:t>f</a:t>
-            </a:r>
-            <a:r>
-              <a:rPr b="0" lang="en-GB" sz="2000" spc="-1" strike="noStrike">
-                <a:solidFill>
-                  <a:srgbClr val="000000"/>
-                </a:solidFill>
-                <a:latin typeface="Arial"/>
-              </a:rPr>
-              <a:t>o</a:t>
-            </a:r>
-            <a:r>
-              <a:rPr b="0" lang="en-GB" sz="2000" spc="-1" strike="noStrike">
-                <a:solidFill>
-                  <a:srgbClr val="000000"/>
-                </a:solidFill>
-                <a:latin typeface="Arial"/>
-              </a:rPr>
-              <a:t>r</a:t>
-            </a:r>
-            <a:r>
-              <a:rPr b="0" lang="en-GB" sz="2000" spc="-1" strike="noStrike">
-                <a:solidFill>
-                  <a:srgbClr val="000000"/>
-                </a:solidFill>
-                <a:latin typeface="Arial"/>
-              </a:rPr>
-              <a:t>m</a:t>
-            </a:r>
-            <a:r>
-              <a:rPr b="0" lang="en-GB" sz="2000" spc="-1" strike="noStrike">
-                <a:solidFill>
-                  <a:srgbClr val="000000"/>
-                </a:solidFill>
-                <a:latin typeface="Arial"/>
-              </a:rPr>
-              <a:t>a</a:t>
-            </a:r>
-            <a:r>
-              <a:rPr b="0" lang="en-GB" sz="2000" spc="-1" strike="noStrike">
-                <a:solidFill>
-                  <a:srgbClr val="000000"/>
-                </a:solidFill>
-                <a:latin typeface="Arial"/>
-              </a:rPr>
-              <a:t>t</a:t>
+              <a:t>Click to edit the notes format</a:t>
             </a:r>
             <a:endParaRPr b="0" lang="en-GB" sz="2000" spc="-1" strike="noStrike">
               <a:solidFill>
@@ -648,7 +388,7 @@
             <a:pPr indent="0" algn="r">
               <a:buNone/>
             </a:pPr>
-            <a:fld id="{92F33A16-4AFA-41D1-9B04-75DECF4196D9}" type="slidenum">
+            <a:fld id="{9D558090-D610-43C0-872F-5622AE0832DB}" type="slidenum">
               <a:rPr b="0" lang="en-GB" sz="1400" spc="-1" strike="noStrike">
                 <a:solidFill>
                   <a:srgbClr val="000000"/>
@@ -702,7 +442,7 @@
         <p:spPr>
           <a:xfrm>
             <a:off x="1371600" y="1143000"/>
-            <a:ext cx="4113720" cy="3085200"/>
+            <a:ext cx="4113360" cy="3084840"/>
           </a:xfrm>
           <a:prstGeom prst="rect">
             <a:avLst/>
@@ -725,7 +465,7 @@
         <p:spPr>
           <a:xfrm>
             <a:off x="685800" y="4400640"/>
-            <a:ext cx="5485320" cy="3599280"/>
+            <a:ext cx="5484960" cy="3598920"/>
           </a:xfrm>
           <a:prstGeom prst="rect">
             <a:avLst/>
@@ -765,7 +505,7 @@
         <p:spPr>
           <a:xfrm>
             <a:off x="3884760" y="8685360"/>
-            <a:ext cx="2970720" cy="457560"/>
+            <a:ext cx="2970360" cy="457200"/>
           </a:xfrm>
           <a:prstGeom prst="rect">
             <a:avLst/>
@@ -807,7 +547,7 @@
                 <a:tab algn="l" pos="0"/>
               </a:tabLst>
             </a:pPr>
-            <a:fld id="{AACC4C75-67A9-4DFF-AA7C-159B5DD30163}" type="slidenum">
+            <a:fld id="{0AB0E62D-0D5E-4C7D-98A7-262CA8C65159}" type="slidenum">
               <a:rPr b="0" lang="en-US" sz="1200" spc="-1" strike="noStrike">
                 <a:solidFill>
                   <a:srgbClr val="000000"/>
@@ -861,7 +601,7 @@
         <p:spPr>
           <a:xfrm>
             <a:off x="777240" y="4777560"/>
-            <a:ext cx="6217200" cy="4525560"/>
+            <a:ext cx="6216840" cy="4525200"/>
           </a:xfrm>
           <a:prstGeom prst="rect">
             <a:avLst/>
@@ -876,7 +616,7 @@
             <a:noAutofit/>
           </a:bodyPr>
           <a:p>
-            <a:pPr indent="0">
+            <a:pPr marL="216000" indent="0">
               <a:lnSpc>
                 <a:spcPct val="115000"/>
               </a:lnSpc>
@@ -923,7 +663,7 @@
             </a:endParaRPr>
           </a:p>
           <a:p>
-            <a:pPr indent="0">
+            <a:pPr marL="216000" indent="0">
               <a:lnSpc>
                 <a:spcPct val="115000"/>
               </a:lnSpc>
@@ -943,7 +683,7 @@
             </a:endParaRPr>
           </a:p>
           <a:p>
-            <a:pPr indent="0">
+            <a:pPr marL="216000" indent="0">
               <a:lnSpc>
                 <a:spcPct val="100000"/>
               </a:lnSpc>
@@ -977,7 +717,7 @@
         <p:spPr>
           <a:xfrm>
             <a:off x="1371600" y="764280"/>
-            <a:ext cx="5028120" cy="3771000"/>
+            <a:ext cx="5027760" cy="3770640"/>
           </a:xfrm>
           <a:prstGeom prst="rect">
             <a:avLst/>
@@ -1043,7 +783,7 @@
         <p:txBody>
           <a:bodyPr/>
           <a:p>
-            <a:fld id="{C292C724-B60C-415E-AEE6-E39BBEA9DDB5}" type="slidenum">
+            <a:fld id="{788D10EC-0036-4F91-B629-9DC68729EDDD}" type="slidenum">
               <a:t>&lt;#&gt;</a:t>
             </a:fld>
           </a:p>
@@ -1120,10 +860,10 @@
             <a:noAutofit/>
           </a:bodyPr>
           <a:p>
-            <a:pPr indent="0">
-              <a:buNone/>
-            </a:pPr>
-            <a:endParaRPr b="0" lang="en-GB" sz="1400" spc="-1" strike="noStrike">
+            <a:pPr indent="0" algn="ctr">
+              <a:buNone/>
+            </a:pPr>
+            <a:endParaRPr b="0" lang="en-GB" sz="4400" spc="-1" strike="noStrike">
               <a:solidFill>
                 <a:srgbClr val="000000"/>
               </a:solidFill>
@@ -1166,7 +906,7 @@
               </a:spcBef>
               <a:buNone/>
             </a:pPr>
-            <a:endParaRPr b="0" lang="en-GB" sz="1400" spc="-1" strike="noStrike">
+            <a:endParaRPr b="0" lang="en-GB" sz="3200" spc="-1" strike="noStrike">
               <a:solidFill>
                 <a:srgbClr val="000000"/>
               </a:solidFill>
@@ -1209,7 +949,7 @@
               </a:spcBef>
               <a:buNone/>
             </a:pPr>
-            <a:endParaRPr b="0" lang="en-GB" sz="1400" spc="-1" strike="noStrike">
+            <a:endParaRPr b="0" lang="en-GB" sz="3200" spc="-1" strike="noStrike">
               <a:solidFill>
                 <a:srgbClr val="000000"/>
               </a:solidFill>
@@ -1252,7 +992,7 @@
         <p:txBody>
           <a:bodyPr/>
           <a:p>
-            <a:fld id="{175B6F32-F6F9-4339-AED3-3FF2407E95F3}" type="slidenum">
+            <a:fld id="{A662EB83-03C1-4717-A506-13E703665B24}" type="slidenum">
               <a:t>&lt;#&gt;</a:t>
             </a:fld>
           </a:p>
@@ -1329,10 +1069,10 @@
             <a:noAutofit/>
           </a:bodyPr>
           <a:p>
-            <a:pPr indent="0">
-              <a:buNone/>
-            </a:pPr>
-            <a:endParaRPr b="0" lang="en-GB" sz="1400" spc="-1" strike="noStrike">
+            <a:pPr indent="0" algn="ctr">
+              <a:buNone/>
+            </a:pPr>
+            <a:endParaRPr b="0" lang="en-GB" sz="4400" spc="-1" strike="noStrike">
               <a:solidFill>
                 <a:srgbClr val="000000"/>
               </a:solidFill>
@@ -1375,7 +1115,7 @@
               </a:spcBef>
               <a:buNone/>
             </a:pPr>
-            <a:endParaRPr b="0" lang="en-GB" sz="1400" spc="-1" strike="noStrike">
+            <a:endParaRPr b="0" lang="en-GB" sz="3200" spc="-1" strike="noStrike">
               <a:solidFill>
                 <a:srgbClr val="000000"/>
               </a:solidFill>
@@ -1418,7 +1158,7 @@
               </a:spcBef>
               <a:buNone/>
             </a:pPr>
-            <a:endParaRPr b="0" lang="en-GB" sz="1400" spc="-1" strike="noStrike">
+            <a:endParaRPr b="0" lang="en-GB" sz="3200" spc="-1" strike="noStrike">
               <a:solidFill>
                 <a:srgbClr val="000000"/>
               </a:solidFill>
@@ -1461,7 +1201,7 @@
               </a:spcBef>
               <a:buNone/>
             </a:pPr>
-            <a:endParaRPr b="0" lang="en-GB" sz="1400" spc="-1" strike="noStrike">
+            <a:endParaRPr b="0" lang="en-GB" sz="3200" spc="-1" strike="noStrike">
               <a:solidFill>
                 <a:srgbClr val="000000"/>
               </a:solidFill>
@@ -1504,7 +1244,7 @@
               </a:spcBef>
               <a:buNone/>
             </a:pPr>
-            <a:endParaRPr b="0" lang="en-GB" sz="1400" spc="-1" strike="noStrike">
+            <a:endParaRPr b="0" lang="en-GB" sz="3200" spc="-1" strike="noStrike">
               <a:solidFill>
                 <a:srgbClr val="000000"/>
               </a:solidFill>
@@ -1547,7 +1287,7 @@
         <p:txBody>
           <a:bodyPr/>
           <a:p>
-            <a:fld id="{9647EE5A-84D6-49C4-B7C5-909A5A705870}" type="slidenum">
+            <a:fld id="{5C953C2D-7C5C-43DB-8228-8DBC1310001F}" type="slidenum">
               <a:t>&lt;#&gt;</a:t>
             </a:fld>
           </a:p>
@@ -1624,10 +1364,10 @@
             <a:noAutofit/>
           </a:bodyPr>
           <a:p>
-            <a:pPr indent="0">
-              <a:buNone/>
-            </a:pPr>
-            <a:endParaRPr b="0" lang="en-GB" sz="1400" spc="-1" strike="noStrike">
+            <a:pPr indent="0" algn="ctr">
+              <a:buNone/>
+            </a:pPr>
+            <a:endParaRPr b="0" lang="en-GB" sz="4400" spc="-1" strike="noStrike">
               <a:solidFill>
                 <a:srgbClr val="000000"/>
               </a:solidFill>
@@ -1670,7 +1410,7 @@
               </a:spcBef>
               <a:buNone/>
             </a:pPr>
-            <a:endParaRPr b="0" lang="en-GB" sz="1400" spc="-1" strike="noStrike">
+            <a:endParaRPr b="0" lang="en-GB" sz="3200" spc="-1" strike="noStrike">
               <a:solidFill>
                 <a:srgbClr val="000000"/>
               </a:solidFill>
@@ -1713,7 +1453,7 @@
               </a:spcBef>
               <a:buNone/>
             </a:pPr>
-            <a:endParaRPr b="0" lang="en-GB" sz="1400" spc="-1" strike="noStrike">
+            <a:endParaRPr b="0" lang="en-GB" sz="3200" spc="-1" strike="noStrike">
               <a:solidFill>
                 <a:srgbClr val="000000"/>
               </a:solidFill>
@@ -1756,7 +1496,7 @@
               </a:spcBef>
               <a:buNone/>
             </a:pPr>
-            <a:endParaRPr b="0" lang="en-GB" sz="1400" spc="-1" strike="noStrike">
+            <a:endParaRPr b="0" lang="en-GB" sz="3200" spc="-1" strike="noStrike">
               <a:solidFill>
                 <a:srgbClr val="000000"/>
               </a:solidFill>
@@ -1799,7 +1539,7 @@
               </a:spcBef>
               <a:buNone/>
             </a:pPr>
-            <a:endParaRPr b="0" lang="en-GB" sz="1400" spc="-1" strike="noStrike">
+            <a:endParaRPr b="0" lang="en-GB" sz="3200" spc="-1" strike="noStrike">
               <a:solidFill>
                 <a:srgbClr val="000000"/>
               </a:solidFill>
@@ -1842,7 +1582,7 @@
               </a:spcBef>
               <a:buNone/>
             </a:pPr>
-            <a:endParaRPr b="0" lang="en-GB" sz="1400" spc="-1" strike="noStrike">
+            <a:endParaRPr b="0" lang="en-GB" sz="3200" spc="-1" strike="noStrike">
               <a:solidFill>
                 <a:srgbClr val="000000"/>
               </a:solidFill>
@@ -1885,7 +1625,7 @@
               </a:spcBef>
               <a:buNone/>
             </a:pPr>
-            <a:endParaRPr b="0" lang="en-GB" sz="1400" spc="-1" strike="noStrike">
+            <a:endParaRPr b="0" lang="en-GB" sz="3200" spc="-1" strike="noStrike">
               <a:solidFill>
                 <a:srgbClr val="000000"/>
               </a:solidFill>
@@ -1928,7 +1668,7 @@
         <p:txBody>
           <a:bodyPr/>
           <a:p>
-            <a:fld id="{3F241837-666A-4923-8D00-13A2097B7077}" type="slidenum">
+            <a:fld id="{38FD1D3E-1A63-420A-8802-8D620CB3E965}" type="slidenum">
               <a:t>&lt;#&gt;</a:t>
             </a:fld>
           </a:p>
@@ -2011,7 +1751,7 @@
         <p:txBody>
           <a:bodyPr/>
           <a:p>
-            <a:fld id="{63080EF9-BF58-4577-BDB4-FA615B03E51B}" type="slidenum">
+            <a:fld id="{7F2FB1CE-CE38-4C52-B564-4A1C547DC40B}" type="slidenum">
               <a:t>&lt;#&gt;</a:t>
             </a:fld>
           </a:p>
@@ -2088,10 +1828,10 @@
             <a:noAutofit/>
           </a:bodyPr>
           <a:p>
-            <a:pPr indent="0">
-              <a:buNone/>
-            </a:pPr>
-            <a:endParaRPr b="0" lang="en-GB" sz="1400" spc="-1" strike="noStrike">
+            <a:pPr indent="0" algn="ctr">
+              <a:buNone/>
+            </a:pPr>
+            <a:endParaRPr b="0" lang="en-GB" sz="4400" spc="-1" strike="noStrike">
               <a:solidFill>
                 <a:srgbClr val="000000"/>
               </a:solidFill>
@@ -2174,7 +1914,7 @@
         <p:txBody>
           <a:bodyPr/>
           <a:p>
-            <a:fld id="{88798568-20E6-47EA-B765-985AF973BE3B}" type="slidenum">
+            <a:fld id="{3B8CDC32-A723-47D7-8F20-1338320055E1}" type="slidenum">
               <a:t>&lt;#&gt;</a:t>
             </a:fld>
           </a:p>
@@ -2251,10 +1991,10 @@
             <a:noAutofit/>
           </a:bodyPr>
           <a:p>
-            <a:pPr indent="0">
-              <a:buNone/>
-            </a:pPr>
-            <a:endParaRPr b="0" lang="en-GB" sz="1400" spc="-1" strike="noStrike">
+            <a:pPr indent="0" algn="ctr">
+              <a:buNone/>
+            </a:pPr>
+            <a:endParaRPr b="0" lang="en-GB" sz="4400" spc="-1" strike="noStrike">
               <a:solidFill>
                 <a:srgbClr val="000000"/>
               </a:solidFill>
@@ -2297,7 +2037,7 @@
               </a:spcBef>
               <a:buNone/>
             </a:pPr>
-            <a:endParaRPr b="0" lang="en-GB" sz="1400" spc="-1" strike="noStrike">
+            <a:endParaRPr b="0" lang="en-GB" sz="3200" spc="-1" strike="noStrike">
               <a:solidFill>
                 <a:srgbClr val="000000"/>
               </a:solidFill>
@@ -2340,7 +2080,7 @@
         <p:txBody>
           <a:bodyPr/>
           <a:p>
-            <a:fld id="{4660D11B-B219-4659-A6A0-3D3D5D9EC82E}" type="slidenum">
+            <a:fld id="{E6AA1310-62B9-4552-ADE6-DB3CF824BDA3}" type="slidenum">
               <a:t>&lt;#&gt;</a:t>
             </a:fld>
           </a:p>
@@ -2417,10 +2157,10 @@
             <a:noAutofit/>
           </a:bodyPr>
           <a:p>
-            <a:pPr indent="0">
-              <a:buNone/>
-            </a:pPr>
-            <a:endParaRPr b="0" lang="en-GB" sz="1400" spc="-1" strike="noStrike">
+            <a:pPr indent="0" algn="ctr">
+              <a:buNone/>
+            </a:pPr>
+            <a:endParaRPr b="0" lang="en-GB" sz="4400" spc="-1" strike="noStrike">
               <a:solidFill>
                 <a:srgbClr val="000000"/>
               </a:solidFill>
@@ -2463,7 +2203,7 @@
               </a:spcBef>
               <a:buNone/>
             </a:pPr>
-            <a:endParaRPr b="0" lang="en-GB" sz="1400" spc="-1" strike="noStrike">
+            <a:endParaRPr b="0" lang="en-GB" sz="3200" spc="-1" strike="noStrike">
               <a:solidFill>
                 <a:srgbClr val="000000"/>
               </a:solidFill>
@@ -2506,7 +2246,7 @@
               </a:spcBef>
               <a:buNone/>
             </a:pPr>
-            <a:endParaRPr b="0" lang="en-GB" sz="1400" spc="-1" strike="noStrike">
+            <a:endParaRPr b="0" lang="en-GB" sz="3200" spc="-1" strike="noStrike">
               <a:solidFill>
                 <a:srgbClr val="000000"/>
               </a:solidFill>
@@ -2549,7 +2289,7 @@
         <p:txBody>
           <a:bodyPr/>
           <a:p>
-            <a:fld id="{193CAB36-CCA2-434C-BF35-D57BBC3E3509}" type="slidenum">
+            <a:fld id="{52C945C3-F949-43F6-970D-771A68C6A9C1}" type="slidenum">
               <a:t>&lt;#&gt;</a:t>
             </a:fld>
           </a:p>
@@ -2626,10 +2366,10 @@
             <a:noAutofit/>
           </a:bodyPr>
           <a:p>
-            <a:pPr indent="0">
-              <a:buNone/>
-            </a:pPr>
-            <a:endParaRPr b="0" lang="en-GB" sz="1400" spc="-1" strike="noStrike">
+            <a:pPr indent="0" algn="ctr">
+              <a:buNone/>
+            </a:pPr>
+            <a:endParaRPr b="0" lang="en-GB" sz="4400" spc="-1" strike="noStrike">
               <a:solidFill>
                 <a:srgbClr val="000000"/>
               </a:solidFill>
@@ -2672,7 +2412,7 @@
         <p:txBody>
           <a:bodyPr/>
           <a:p>
-            <a:fld id="{910B4637-05D0-4300-9E61-4FFEBF468832}" type="slidenum">
+            <a:fld id="{0707DB6A-524C-4BA4-B5A6-CC81B5587155}" type="slidenum">
               <a:t>&lt;#&gt;</a:t>
             </a:fld>
           </a:p>
@@ -2793,7 +2533,7 @@
         <p:txBody>
           <a:bodyPr/>
           <a:p>
-            <a:fld id="{A3627415-9A37-4AFC-8C6A-1A2BD4A70AC1}" type="slidenum">
+            <a:fld id="{B2340D27-4D09-4055-94B9-0B6380F93DCD}" type="slidenum">
               <a:t>&lt;#&gt;</a:t>
             </a:fld>
           </a:p>
@@ -2870,10 +2610,10 @@
             <a:noAutofit/>
           </a:bodyPr>
           <a:p>
-            <a:pPr indent="0">
-              <a:buNone/>
-            </a:pPr>
-            <a:endParaRPr b="0" lang="en-GB" sz="1400" spc="-1" strike="noStrike">
+            <a:pPr indent="0" algn="ctr">
+              <a:buNone/>
+            </a:pPr>
+            <a:endParaRPr b="0" lang="en-GB" sz="4400" spc="-1" strike="noStrike">
               <a:solidFill>
                 <a:srgbClr val="000000"/>
               </a:solidFill>
@@ -2916,7 +2656,7 @@
               </a:spcBef>
               <a:buNone/>
             </a:pPr>
-            <a:endParaRPr b="0" lang="en-GB" sz="1400" spc="-1" strike="noStrike">
+            <a:endParaRPr b="0" lang="en-GB" sz="3200" spc="-1" strike="noStrike">
               <a:solidFill>
                 <a:srgbClr val="000000"/>
               </a:solidFill>
@@ -2959,7 +2699,7 @@
               </a:spcBef>
               <a:buNone/>
             </a:pPr>
-            <a:endParaRPr b="0" lang="en-GB" sz="1400" spc="-1" strike="noStrike">
+            <a:endParaRPr b="0" lang="en-GB" sz="3200" spc="-1" strike="noStrike">
               <a:solidFill>
                 <a:srgbClr val="000000"/>
               </a:solidFill>
@@ -3002,7 +2742,7 @@
               </a:spcBef>
               <a:buNone/>
             </a:pPr>
-            <a:endParaRPr b="0" lang="en-GB" sz="1400" spc="-1" strike="noStrike">
+            <a:endParaRPr b="0" lang="en-GB" sz="3200" spc="-1" strike="noStrike">
               <a:solidFill>
                 <a:srgbClr val="000000"/>
               </a:solidFill>
@@ -3045,7 +2785,7 @@
         <p:txBody>
           <a:bodyPr/>
           <a:p>
-            <a:fld id="{D30CC0B9-EB39-4FD6-8C72-83AC1FC789FA}" type="slidenum">
+            <a:fld id="{6DF794B5-D710-4A1A-8DE4-480BB89E3919}" type="slidenum">
               <a:t>&lt;#&gt;</a:t>
             </a:fld>
           </a:p>
@@ -3122,10 +2862,10 @@
             <a:noAutofit/>
           </a:bodyPr>
           <a:p>
-            <a:pPr indent="0">
-              <a:buNone/>
-            </a:pPr>
-            <a:endParaRPr b="0" lang="en-GB" sz="1400" spc="-1" strike="noStrike">
+            <a:pPr indent="0" algn="ctr">
+              <a:buNone/>
+            </a:pPr>
+            <a:endParaRPr b="0" lang="en-GB" sz="4400" spc="-1" strike="noStrike">
               <a:solidFill>
                 <a:srgbClr val="000000"/>
               </a:solidFill>
@@ -3208,7 +2948,7 @@
         <p:txBody>
           <a:bodyPr/>
           <a:p>
-            <a:fld id="{22649562-7DB6-4861-9A43-1D16BC6FB2F6}" type="slidenum">
+            <a:fld id="{62315AAF-E7CB-4B0D-846D-055EEB3199AB}" type="slidenum">
               <a:t>&lt;#&gt;</a:t>
             </a:fld>
           </a:p>
@@ -3285,10 +3025,10 @@
             <a:noAutofit/>
           </a:bodyPr>
           <a:p>
-            <a:pPr indent="0">
-              <a:buNone/>
-            </a:pPr>
-            <a:endParaRPr b="0" lang="en-GB" sz="1400" spc="-1" strike="noStrike">
+            <a:pPr indent="0" algn="ctr">
+              <a:buNone/>
+            </a:pPr>
+            <a:endParaRPr b="0" lang="en-GB" sz="4400" spc="-1" strike="noStrike">
               <a:solidFill>
                 <a:srgbClr val="000000"/>
               </a:solidFill>
@@ -3331,7 +3071,7 @@
               </a:spcBef>
               <a:buNone/>
             </a:pPr>
-            <a:endParaRPr b="0" lang="en-GB" sz="1400" spc="-1" strike="noStrike">
+            <a:endParaRPr b="0" lang="en-GB" sz="3200" spc="-1" strike="noStrike">
               <a:solidFill>
                 <a:srgbClr val="000000"/>
               </a:solidFill>
@@ -3374,7 +3114,7 @@
               </a:spcBef>
               <a:buNone/>
             </a:pPr>
-            <a:endParaRPr b="0" lang="en-GB" sz="1400" spc="-1" strike="noStrike">
+            <a:endParaRPr b="0" lang="en-GB" sz="3200" spc="-1" strike="noStrike">
               <a:solidFill>
                 <a:srgbClr val="000000"/>
               </a:solidFill>
@@ -3417,7 +3157,7 @@
               </a:spcBef>
               <a:buNone/>
             </a:pPr>
-            <a:endParaRPr b="0" lang="en-GB" sz="1400" spc="-1" strike="noStrike">
+            <a:endParaRPr b="0" lang="en-GB" sz="3200" spc="-1" strike="noStrike">
               <a:solidFill>
                 <a:srgbClr val="000000"/>
               </a:solidFill>
@@ -3460,7 +3200,7 @@
         <p:txBody>
           <a:bodyPr/>
           <a:p>
-            <a:fld id="{D04A08C5-CAAC-49AB-9363-7DCBC0144ED8}" type="slidenum">
+            <a:fld id="{57F1B761-900D-41F3-A804-4230C8F659D8}" type="slidenum">
               <a:t>&lt;#&gt;</a:t>
             </a:fld>
           </a:p>
@@ -3537,10 +3277,10 @@
             <a:noAutofit/>
           </a:bodyPr>
           <a:p>
-            <a:pPr indent="0">
-              <a:buNone/>
-            </a:pPr>
-            <a:endParaRPr b="0" lang="en-GB" sz="1400" spc="-1" strike="noStrike">
+            <a:pPr indent="0" algn="ctr">
+              <a:buNone/>
+            </a:pPr>
+            <a:endParaRPr b="0" lang="en-GB" sz="4400" spc="-1" strike="noStrike">
               <a:solidFill>
                 <a:srgbClr val="000000"/>
               </a:solidFill>
@@ -3583,7 +3323,7 @@
               </a:spcBef>
               <a:buNone/>
             </a:pPr>
-            <a:endParaRPr b="0" lang="en-GB" sz="1400" spc="-1" strike="noStrike">
+            <a:endParaRPr b="0" lang="en-GB" sz="3200" spc="-1" strike="noStrike">
               <a:solidFill>
                 <a:srgbClr val="000000"/>
               </a:solidFill>
@@ -3626,7 +3366,7 @@
               </a:spcBef>
               <a:buNone/>
             </a:pPr>
-            <a:endParaRPr b="0" lang="en-GB" sz="1400" spc="-1" strike="noStrike">
+            <a:endParaRPr b="0" lang="en-GB" sz="3200" spc="-1" strike="noStrike">
               <a:solidFill>
                 <a:srgbClr val="000000"/>
               </a:solidFill>
@@ -3669,7 +3409,7 @@
               </a:spcBef>
               <a:buNone/>
             </a:pPr>
-            <a:endParaRPr b="0" lang="en-GB" sz="1400" spc="-1" strike="noStrike">
+            <a:endParaRPr b="0" lang="en-GB" sz="3200" spc="-1" strike="noStrike">
               <a:solidFill>
                 <a:srgbClr val="000000"/>
               </a:solidFill>
@@ -3712,7 +3452,7 @@
         <p:txBody>
           <a:bodyPr/>
           <a:p>
-            <a:fld id="{1A28B944-EAA7-457A-8165-2C4D7830AA10}" type="slidenum">
+            <a:fld id="{AE362ADF-314D-437B-B576-FAAE1226F007}" type="slidenum">
               <a:t>&lt;#&gt;</a:t>
             </a:fld>
           </a:p>
@@ -3789,10 +3529,10 @@
             <a:noAutofit/>
           </a:bodyPr>
           <a:p>
-            <a:pPr indent="0">
-              <a:buNone/>
-            </a:pPr>
-            <a:endParaRPr b="0" lang="en-GB" sz="1400" spc="-1" strike="noStrike">
+            <a:pPr indent="0" algn="ctr">
+              <a:buNone/>
+            </a:pPr>
+            <a:endParaRPr b="0" lang="en-GB" sz="4400" spc="-1" strike="noStrike">
               <a:solidFill>
                 <a:srgbClr val="000000"/>
               </a:solidFill>
@@ -3835,7 +3575,7 @@
               </a:spcBef>
               <a:buNone/>
             </a:pPr>
-            <a:endParaRPr b="0" lang="en-GB" sz="1400" spc="-1" strike="noStrike">
+            <a:endParaRPr b="0" lang="en-GB" sz="3200" spc="-1" strike="noStrike">
               <a:solidFill>
                 <a:srgbClr val="000000"/>
               </a:solidFill>
@@ -3878,7 +3618,7 @@
               </a:spcBef>
               <a:buNone/>
             </a:pPr>
-            <a:endParaRPr b="0" lang="en-GB" sz="1400" spc="-1" strike="noStrike">
+            <a:endParaRPr b="0" lang="en-GB" sz="3200" spc="-1" strike="noStrike">
               <a:solidFill>
                 <a:srgbClr val="000000"/>
               </a:solidFill>
@@ -3921,7 +3661,7 @@
         <p:txBody>
           <a:bodyPr/>
           <a:p>
-            <a:fld id="{2F8887A7-BA82-4864-A425-3EA0A159ADB4}" type="slidenum">
+            <a:fld id="{E636DE8C-6DE8-4CF3-86DC-D992A2E1A198}" type="slidenum">
               <a:t>&lt;#&gt;</a:t>
             </a:fld>
           </a:p>
@@ -3998,10 +3738,10 @@
             <a:noAutofit/>
           </a:bodyPr>
           <a:p>
-            <a:pPr indent="0">
-              <a:buNone/>
-            </a:pPr>
-            <a:endParaRPr b="0" lang="en-GB" sz="1400" spc="-1" strike="noStrike">
+            <a:pPr indent="0" algn="ctr">
+              <a:buNone/>
+            </a:pPr>
+            <a:endParaRPr b="0" lang="en-GB" sz="4400" spc="-1" strike="noStrike">
               <a:solidFill>
                 <a:srgbClr val="000000"/>
               </a:solidFill>
@@ -4044,7 +3784,7 @@
               </a:spcBef>
               <a:buNone/>
             </a:pPr>
-            <a:endParaRPr b="0" lang="en-GB" sz="1400" spc="-1" strike="noStrike">
+            <a:endParaRPr b="0" lang="en-GB" sz="3200" spc="-1" strike="noStrike">
               <a:solidFill>
                 <a:srgbClr val="000000"/>
               </a:solidFill>
@@ -4087,7 +3827,7 @@
               </a:spcBef>
               <a:buNone/>
             </a:pPr>
-            <a:endParaRPr b="0" lang="en-GB" sz="1400" spc="-1" strike="noStrike">
+            <a:endParaRPr b="0" lang="en-GB" sz="3200" spc="-1" strike="noStrike">
               <a:solidFill>
                 <a:srgbClr val="000000"/>
               </a:solidFill>
@@ -4130,7 +3870,7 @@
               </a:spcBef>
               <a:buNone/>
             </a:pPr>
-            <a:endParaRPr b="0" lang="en-GB" sz="1400" spc="-1" strike="noStrike">
+            <a:endParaRPr b="0" lang="en-GB" sz="3200" spc="-1" strike="noStrike">
               <a:solidFill>
                 <a:srgbClr val="000000"/>
               </a:solidFill>
@@ -4173,7 +3913,7 @@
               </a:spcBef>
               <a:buNone/>
             </a:pPr>
-            <a:endParaRPr b="0" lang="en-GB" sz="1400" spc="-1" strike="noStrike">
+            <a:endParaRPr b="0" lang="en-GB" sz="3200" spc="-1" strike="noStrike">
               <a:solidFill>
                 <a:srgbClr val="000000"/>
               </a:solidFill>
@@ -4216,7 +3956,7 @@
         <p:txBody>
           <a:bodyPr/>
           <a:p>
-            <a:fld id="{2240BF1F-B7BF-4BAA-BBD7-4BE687FD14C4}" type="slidenum">
+            <a:fld id="{422CDDDB-9604-4FDC-9012-4B8C7BA6BA19}" type="slidenum">
               <a:t>&lt;#&gt;</a:t>
             </a:fld>
           </a:p>
@@ -4293,10 +4033,10 @@
             <a:noAutofit/>
           </a:bodyPr>
           <a:p>
-            <a:pPr indent="0">
-              <a:buNone/>
-            </a:pPr>
-            <a:endParaRPr b="0" lang="en-GB" sz="1400" spc="-1" strike="noStrike">
+            <a:pPr indent="0" algn="ctr">
+              <a:buNone/>
+            </a:pPr>
+            <a:endParaRPr b="0" lang="en-GB" sz="4400" spc="-1" strike="noStrike">
               <a:solidFill>
                 <a:srgbClr val="000000"/>
               </a:solidFill>
@@ -4339,7 +4079,7 @@
               </a:spcBef>
               <a:buNone/>
             </a:pPr>
-            <a:endParaRPr b="0" lang="en-GB" sz="1400" spc="-1" strike="noStrike">
+            <a:endParaRPr b="0" lang="en-GB" sz="3200" spc="-1" strike="noStrike">
               <a:solidFill>
                 <a:srgbClr val="000000"/>
               </a:solidFill>
@@ -4382,7 +4122,7 @@
               </a:spcBef>
               <a:buNone/>
             </a:pPr>
-            <a:endParaRPr b="0" lang="en-GB" sz="1400" spc="-1" strike="noStrike">
+            <a:endParaRPr b="0" lang="en-GB" sz="3200" spc="-1" strike="noStrike">
               <a:solidFill>
                 <a:srgbClr val="000000"/>
               </a:solidFill>
@@ -4425,7 +4165,7 @@
               </a:spcBef>
               <a:buNone/>
             </a:pPr>
-            <a:endParaRPr b="0" lang="en-GB" sz="1400" spc="-1" strike="noStrike">
+            <a:endParaRPr b="0" lang="en-GB" sz="3200" spc="-1" strike="noStrike">
               <a:solidFill>
                 <a:srgbClr val="000000"/>
               </a:solidFill>
@@ -4468,7 +4208,7 @@
               </a:spcBef>
               <a:buNone/>
             </a:pPr>
-            <a:endParaRPr b="0" lang="en-GB" sz="1400" spc="-1" strike="noStrike">
+            <a:endParaRPr b="0" lang="en-GB" sz="3200" spc="-1" strike="noStrike">
               <a:solidFill>
                 <a:srgbClr val="000000"/>
               </a:solidFill>
@@ -4511,7 +4251,7 @@
               </a:spcBef>
               <a:buNone/>
             </a:pPr>
-            <a:endParaRPr b="0" lang="en-GB" sz="1400" spc="-1" strike="noStrike">
+            <a:endParaRPr b="0" lang="en-GB" sz="3200" spc="-1" strike="noStrike">
               <a:solidFill>
                 <a:srgbClr val="000000"/>
               </a:solidFill>
@@ -4554,7 +4294,7 @@
               </a:spcBef>
               <a:buNone/>
             </a:pPr>
-            <a:endParaRPr b="0" lang="en-GB" sz="1400" spc="-1" strike="noStrike">
+            <a:endParaRPr b="0" lang="en-GB" sz="3200" spc="-1" strike="noStrike">
               <a:solidFill>
                 <a:srgbClr val="000000"/>
               </a:solidFill>
@@ -4597,7 +4337,7 @@
         <p:txBody>
           <a:bodyPr/>
           <a:p>
-            <a:fld id="{8C4BAF5D-B54B-4514-B807-D4ACCE8AD378}" type="slidenum">
+            <a:fld id="{52922166-3796-4462-8AAB-709705422D6D}" type="slidenum">
               <a:t>&lt;#&gt;</a:t>
             </a:fld>
           </a:p>
@@ -4680,7 +4420,7 @@
         <p:txBody>
           <a:bodyPr/>
           <a:p>
-            <a:fld id="{D977DBDB-645F-47D6-9A18-5440A201DE9B}" type="slidenum">
+            <a:fld id="{1D2E7658-25FF-4294-80C4-98287917377E}" type="slidenum">
               <a:t>&lt;#&gt;</a:t>
             </a:fld>
           </a:p>
@@ -4757,10 +4497,10 @@
             <a:noAutofit/>
           </a:bodyPr>
           <a:p>
-            <a:pPr indent="0">
-              <a:buNone/>
-            </a:pPr>
-            <a:endParaRPr b="0" lang="en-GB" sz="1400" spc="-1" strike="noStrike">
+            <a:pPr indent="0" algn="ctr">
+              <a:buNone/>
+            </a:pPr>
+            <a:endParaRPr b="0" lang="en-GB" sz="4400" spc="-1" strike="noStrike">
               <a:solidFill>
                 <a:srgbClr val="000000"/>
               </a:solidFill>
@@ -4843,7 +4583,7 @@
         <p:txBody>
           <a:bodyPr/>
           <a:p>
-            <a:fld id="{D41ED093-0D88-4D54-B848-4DBC32DF5D33}" type="slidenum">
+            <a:fld id="{96C3253A-BA68-4E98-9533-2D4C11EA9B2E}" type="slidenum">
               <a:t>&lt;#&gt;</a:t>
             </a:fld>
           </a:p>
@@ -4920,10 +4660,10 @@
             <a:noAutofit/>
           </a:bodyPr>
           <a:p>
-            <a:pPr indent="0">
-              <a:buNone/>
-            </a:pPr>
-            <a:endParaRPr b="0" lang="en-GB" sz="1400" spc="-1" strike="noStrike">
+            <a:pPr indent="0" algn="ctr">
+              <a:buNone/>
+            </a:pPr>
+            <a:endParaRPr b="0" lang="en-GB" sz="4400" spc="-1" strike="noStrike">
               <a:solidFill>
                 <a:srgbClr val="000000"/>
               </a:solidFill>
@@ -4966,7 +4706,7 @@
               </a:spcBef>
               <a:buNone/>
             </a:pPr>
-            <a:endParaRPr b="0" lang="en-GB" sz="1400" spc="-1" strike="noStrike">
+            <a:endParaRPr b="0" lang="en-GB" sz="3200" spc="-1" strike="noStrike">
               <a:solidFill>
                 <a:srgbClr val="000000"/>
               </a:solidFill>
@@ -5009,7 +4749,7 @@
         <p:txBody>
           <a:bodyPr/>
           <a:p>
-            <a:fld id="{D68583CD-0334-43DE-A7D8-B577EC0E596E}" type="slidenum">
+            <a:fld id="{ED70B1CF-D2AD-42E7-8FE0-BB56A066BC06}" type="slidenum">
               <a:t>&lt;#&gt;</a:t>
             </a:fld>
           </a:p>
@@ -5086,10 +4826,10 @@
             <a:noAutofit/>
           </a:bodyPr>
           <a:p>
-            <a:pPr indent="0">
-              <a:buNone/>
-            </a:pPr>
-            <a:endParaRPr b="0" lang="en-GB" sz="1400" spc="-1" strike="noStrike">
+            <a:pPr indent="0" algn="ctr">
+              <a:buNone/>
+            </a:pPr>
+            <a:endParaRPr b="0" lang="en-GB" sz="4400" spc="-1" strike="noStrike">
               <a:solidFill>
                 <a:srgbClr val="000000"/>
               </a:solidFill>
@@ -5132,7 +4872,7 @@
               </a:spcBef>
               <a:buNone/>
             </a:pPr>
-            <a:endParaRPr b="0" lang="en-GB" sz="1400" spc="-1" strike="noStrike">
+            <a:endParaRPr b="0" lang="en-GB" sz="3200" spc="-1" strike="noStrike">
               <a:solidFill>
                 <a:srgbClr val="000000"/>
               </a:solidFill>
@@ -5175,7 +4915,7 @@
               </a:spcBef>
               <a:buNone/>
             </a:pPr>
-            <a:endParaRPr b="0" lang="en-GB" sz="1400" spc="-1" strike="noStrike">
+            <a:endParaRPr b="0" lang="en-GB" sz="3200" spc="-1" strike="noStrike">
               <a:solidFill>
                 <a:srgbClr val="000000"/>
               </a:solidFill>
@@ -5218,7 +4958,7 @@
         <p:txBody>
           <a:bodyPr/>
           <a:p>
-            <a:fld id="{A6425ACC-8489-4A10-96A0-EA2D31219A5E}" type="slidenum">
+            <a:fld id="{D4ECBDD1-E16F-4B98-94BF-781DE6E85738}" type="slidenum">
               <a:t>&lt;#&gt;</a:t>
             </a:fld>
           </a:p>
@@ -5295,10 +5035,10 @@
             <a:noAutofit/>
           </a:bodyPr>
           <a:p>
-            <a:pPr indent="0">
-              <a:buNone/>
-            </a:pPr>
-            <a:endParaRPr b="0" lang="en-GB" sz="1400" spc="-1" strike="noStrike">
+            <a:pPr indent="0" algn="ctr">
+              <a:buNone/>
+            </a:pPr>
+            <a:endParaRPr b="0" lang="en-GB" sz="4400" spc="-1" strike="noStrike">
               <a:solidFill>
                 <a:srgbClr val="000000"/>
               </a:solidFill>
@@ -5341,7 +5081,7 @@
         <p:txBody>
           <a:bodyPr/>
           <a:p>
-            <a:fld id="{00F72471-EF1C-4A09-8E93-3BA1DBF50F4B}" type="slidenum">
+            <a:fld id="{8E9E1FB9-694C-4208-B79A-44C2D8CD9EF4}" type="slidenum">
               <a:t>&lt;#&gt;</a:t>
             </a:fld>
           </a:p>
@@ -5418,10 +5158,10 @@
             <a:noAutofit/>
           </a:bodyPr>
           <a:p>
-            <a:pPr indent="0">
-              <a:buNone/>
-            </a:pPr>
-            <a:endParaRPr b="0" lang="en-GB" sz="1400" spc="-1" strike="noStrike">
+            <a:pPr indent="0" algn="ctr">
+              <a:buNone/>
+            </a:pPr>
+            <a:endParaRPr b="0" lang="en-GB" sz="4400" spc="-1" strike="noStrike">
               <a:solidFill>
                 <a:srgbClr val="000000"/>
               </a:solidFill>
@@ -5464,7 +5204,7 @@
               </a:spcBef>
               <a:buNone/>
             </a:pPr>
-            <a:endParaRPr b="0" lang="en-GB" sz="1400" spc="-1" strike="noStrike">
+            <a:endParaRPr b="0" lang="en-GB" sz="3200" spc="-1" strike="noStrike">
               <a:solidFill>
                 <a:srgbClr val="000000"/>
               </a:solidFill>
@@ -5507,7 +5247,7 @@
         <p:txBody>
           <a:bodyPr/>
           <a:p>
-            <a:fld id="{F85664C5-6E83-4DD4-9FB0-DE896E3AC1F6}" type="slidenum">
+            <a:fld id="{C9E8AA51-F666-4F08-97BE-0551B6CE8E31}" type="slidenum">
               <a:t>&lt;#&gt;</a:t>
             </a:fld>
           </a:p>
@@ -5628,7 +5368,7 @@
         <p:txBody>
           <a:bodyPr/>
           <a:p>
-            <a:fld id="{77FFC312-6306-4736-A5E0-7BD27F1D8DEC}" type="slidenum">
+            <a:fld id="{1C7E4AC1-9CBB-49B1-ADC3-37F3A52F1299}" type="slidenum">
               <a:t>&lt;#&gt;</a:t>
             </a:fld>
           </a:p>
@@ -5705,10 +5445,10 @@
             <a:noAutofit/>
           </a:bodyPr>
           <a:p>
-            <a:pPr indent="0">
-              <a:buNone/>
-            </a:pPr>
-            <a:endParaRPr b="0" lang="en-GB" sz="1400" spc="-1" strike="noStrike">
+            <a:pPr indent="0" algn="ctr">
+              <a:buNone/>
+            </a:pPr>
+            <a:endParaRPr b="0" lang="en-GB" sz="4400" spc="-1" strike="noStrike">
               <a:solidFill>
                 <a:srgbClr val="000000"/>
               </a:solidFill>
@@ -5751,7 +5491,7 @@
               </a:spcBef>
               <a:buNone/>
             </a:pPr>
-            <a:endParaRPr b="0" lang="en-GB" sz="1400" spc="-1" strike="noStrike">
+            <a:endParaRPr b="0" lang="en-GB" sz="3200" spc="-1" strike="noStrike">
               <a:solidFill>
                 <a:srgbClr val="000000"/>
               </a:solidFill>
@@ -5794,7 +5534,7 @@
               </a:spcBef>
               <a:buNone/>
             </a:pPr>
-            <a:endParaRPr b="0" lang="en-GB" sz="1400" spc="-1" strike="noStrike">
+            <a:endParaRPr b="0" lang="en-GB" sz="3200" spc="-1" strike="noStrike">
               <a:solidFill>
                 <a:srgbClr val="000000"/>
               </a:solidFill>
@@ -5837,7 +5577,7 @@
               </a:spcBef>
               <a:buNone/>
             </a:pPr>
-            <a:endParaRPr b="0" lang="en-GB" sz="1400" spc="-1" strike="noStrike">
+            <a:endParaRPr b="0" lang="en-GB" sz="3200" spc="-1" strike="noStrike">
               <a:solidFill>
                 <a:srgbClr val="000000"/>
               </a:solidFill>
@@ -5880,7 +5620,7 @@
         <p:txBody>
           <a:bodyPr/>
           <a:p>
-            <a:fld id="{7D9A6308-074C-4F88-89BE-D5E36782DE8A}" type="slidenum">
+            <a:fld id="{2A8E6F3A-D49D-42C9-B657-6F4EE2C581F7}" type="slidenum">
               <a:t>&lt;#&gt;</a:t>
             </a:fld>
           </a:p>
@@ -5957,10 +5697,10 @@
             <a:noAutofit/>
           </a:bodyPr>
           <a:p>
-            <a:pPr indent="0">
-              <a:buNone/>
-            </a:pPr>
-            <a:endParaRPr b="0" lang="en-GB" sz="1400" spc="-1" strike="noStrike">
+            <a:pPr indent="0" algn="ctr">
+              <a:buNone/>
+            </a:pPr>
+            <a:endParaRPr b="0" lang="en-GB" sz="4400" spc="-1" strike="noStrike">
               <a:solidFill>
                 <a:srgbClr val="000000"/>
               </a:solidFill>
@@ -6003,7 +5743,7 @@
               </a:spcBef>
               <a:buNone/>
             </a:pPr>
-            <a:endParaRPr b="0" lang="en-GB" sz="1400" spc="-1" strike="noStrike">
+            <a:endParaRPr b="0" lang="en-GB" sz="3200" spc="-1" strike="noStrike">
               <a:solidFill>
                 <a:srgbClr val="000000"/>
               </a:solidFill>
@@ -6046,7 +5786,7 @@
               </a:spcBef>
               <a:buNone/>
             </a:pPr>
-            <a:endParaRPr b="0" lang="en-GB" sz="1400" spc="-1" strike="noStrike">
+            <a:endParaRPr b="0" lang="en-GB" sz="3200" spc="-1" strike="noStrike">
               <a:solidFill>
                 <a:srgbClr val="000000"/>
               </a:solidFill>
@@ -6089,7 +5829,7 @@
               </a:spcBef>
               <a:buNone/>
             </a:pPr>
-            <a:endParaRPr b="0" lang="en-GB" sz="1400" spc="-1" strike="noStrike">
+            <a:endParaRPr b="0" lang="en-GB" sz="3200" spc="-1" strike="noStrike">
               <a:solidFill>
                 <a:srgbClr val="000000"/>
               </a:solidFill>
@@ -6132,7 +5872,7 @@
         <p:txBody>
           <a:bodyPr/>
           <a:p>
-            <a:fld id="{66842F97-65BF-4551-BB82-35BEA6C09383}" type="slidenum">
+            <a:fld id="{5E201C50-7ABE-41D7-A741-86BF82DE5B43}" type="slidenum">
               <a:t>&lt;#&gt;</a:t>
             </a:fld>
           </a:p>
@@ -6209,10 +5949,10 @@
             <a:noAutofit/>
           </a:bodyPr>
           <a:p>
-            <a:pPr indent="0">
-              <a:buNone/>
-            </a:pPr>
-            <a:endParaRPr b="0" lang="en-GB" sz="1400" spc="-1" strike="noStrike">
+            <a:pPr indent="0" algn="ctr">
+              <a:buNone/>
+            </a:pPr>
+            <a:endParaRPr b="0" lang="en-GB" sz="4400" spc="-1" strike="noStrike">
               <a:solidFill>
                 <a:srgbClr val="000000"/>
               </a:solidFill>
@@ -6255,7 +5995,7 @@
               </a:spcBef>
               <a:buNone/>
             </a:pPr>
-            <a:endParaRPr b="0" lang="en-GB" sz="1400" spc="-1" strike="noStrike">
+            <a:endParaRPr b="0" lang="en-GB" sz="3200" spc="-1" strike="noStrike">
               <a:solidFill>
                 <a:srgbClr val="000000"/>
               </a:solidFill>
@@ -6298,7 +6038,7 @@
               </a:spcBef>
               <a:buNone/>
             </a:pPr>
-            <a:endParaRPr b="0" lang="en-GB" sz="1400" spc="-1" strike="noStrike">
+            <a:endParaRPr b="0" lang="en-GB" sz="3200" spc="-1" strike="noStrike">
               <a:solidFill>
                 <a:srgbClr val="000000"/>
               </a:solidFill>
@@ -6341,7 +6081,7 @@
               </a:spcBef>
               <a:buNone/>
             </a:pPr>
-            <a:endParaRPr b="0" lang="en-GB" sz="1400" spc="-1" strike="noStrike">
+            <a:endParaRPr b="0" lang="en-GB" sz="3200" spc="-1" strike="noStrike">
               <a:solidFill>
                 <a:srgbClr val="000000"/>
               </a:solidFill>
@@ -6384,7 +6124,7 @@
         <p:txBody>
           <a:bodyPr/>
           <a:p>
-            <a:fld id="{94D8E3DD-C1EA-488D-B66E-91F70302D97F}" type="slidenum">
+            <a:fld id="{620110F3-3FD3-4DA5-A04F-154FE103F92A}" type="slidenum">
               <a:t>&lt;#&gt;</a:t>
             </a:fld>
           </a:p>
@@ -6461,10 +6201,10 @@
             <a:noAutofit/>
           </a:bodyPr>
           <a:p>
-            <a:pPr indent="0">
-              <a:buNone/>
-            </a:pPr>
-            <a:endParaRPr b="0" lang="en-GB" sz="1400" spc="-1" strike="noStrike">
+            <a:pPr indent="0" algn="ctr">
+              <a:buNone/>
+            </a:pPr>
+            <a:endParaRPr b="0" lang="en-GB" sz="4400" spc="-1" strike="noStrike">
               <a:solidFill>
                 <a:srgbClr val="000000"/>
               </a:solidFill>
@@ -6507,7 +6247,7 @@
               </a:spcBef>
               <a:buNone/>
             </a:pPr>
-            <a:endParaRPr b="0" lang="en-GB" sz="1400" spc="-1" strike="noStrike">
+            <a:endParaRPr b="0" lang="en-GB" sz="3200" spc="-1" strike="noStrike">
               <a:solidFill>
                 <a:srgbClr val="000000"/>
               </a:solidFill>
@@ -6550,7 +6290,7 @@
               </a:spcBef>
               <a:buNone/>
             </a:pPr>
-            <a:endParaRPr b="0" lang="en-GB" sz="1400" spc="-1" strike="noStrike">
+            <a:endParaRPr b="0" lang="en-GB" sz="3200" spc="-1" strike="noStrike">
               <a:solidFill>
                 <a:srgbClr val="000000"/>
               </a:solidFill>
@@ -6593,7 +6333,7 @@
         <p:txBody>
           <a:bodyPr/>
           <a:p>
-            <a:fld id="{BC4E9D23-2E79-43CB-B599-91049E5B6B3D}" type="slidenum">
+            <a:fld id="{0FEC886E-C8A2-45AF-8902-2EF550D0785A}" type="slidenum">
               <a:t>&lt;#&gt;</a:t>
             </a:fld>
           </a:p>
@@ -6670,10 +6410,10 @@
             <a:noAutofit/>
           </a:bodyPr>
           <a:p>
-            <a:pPr indent="0">
-              <a:buNone/>
-            </a:pPr>
-            <a:endParaRPr b="0" lang="en-GB" sz="1400" spc="-1" strike="noStrike">
+            <a:pPr indent="0" algn="ctr">
+              <a:buNone/>
+            </a:pPr>
+            <a:endParaRPr b="0" lang="en-GB" sz="4400" spc="-1" strike="noStrike">
               <a:solidFill>
                 <a:srgbClr val="000000"/>
               </a:solidFill>
@@ -6716,7 +6456,7 @@
               </a:spcBef>
               <a:buNone/>
             </a:pPr>
-            <a:endParaRPr b="0" lang="en-GB" sz="1400" spc="-1" strike="noStrike">
+            <a:endParaRPr b="0" lang="en-GB" sz="3200" spc="-1" strike="noStrike">
               <a:solidFill>
                 <a:srgbClr val="000000"/>
               </a:solidFill>
@@ -6759,7 +6499,7 @@
               </a:spcBef>
               <a:buNone/>
             </a:pPr>
-            <a:endParaRPr b="0" lang="en-GB" sz="1400" spc="-1" strike="noStrike">
+            <a:endParaRPr b="0" lang="en-GB" sz="3200" spc="-1" strike="noStrike">
               <a:solidFill>
                 <a:srgbClr val="000000"/>
               </a:solidFill>
@@ -6802,7 +6542,7 @@
               </a:spcBef>
               <a:buNone/>
             </a:pPr>
-            <a:endParaRPr b="0" lang="en-GB" sz="1400" spc="-1" strike="noStrike">
+            <a:endParaRPr b="0" lang="en-GB" sz="3200" spc="-1" strike="noStrike">
               <a:solidFill>
                 <a:srgbClr val="000000"/>
               </a:solidFill>
@@ -6845,7 +6585,7 @@
               </a:spcBef>
               <a:buNone/>
             </a:pPr>
-            <a:endParaRPr b="0" lang="en-GB" sz="1400" spc="-1" strike="noStrike">
+            <a:endParaRPr b="0" lang="en-GB" sz="3200" spc="-1" strike="noStrike">
               <a:solidFill>
                 <a:srgbClr val="000000"/>
               </a:solidFill>
@@ -6888,7 +6628,7 @@
         <p:txBody>
           <a:bodyPr/>
           <a:p>
-            <a:fld id="{BA66C8AE-4BEB-48FB-AD26-E2095611D2E3}" type="slidenum">
+            <a:fld id="{54E3BCA3-3A4A-4D87-8AC4-5A167159ADC7}" type="slidenum">
               <a:t>&lt;#&gt;</a:t>
             </a:fld>
           </a:p>
@@ -6965,10 +6705,10 @@
             <a:noAutofit/>
           </a:bodyPr>
           <a:p>
-            <a:pPr indent="0">
-              <a:buNone/>
-            </a:pPr>
-            <a:endParaRPr b="0" lang="en-GB" sz="1400" spc="-1" strike="noStrike">
+            <a:pPr indent="0" algn="ctr">
+              <a:buNone/>
+            </a:pPr>
+            <a:endParaRPr b="0" lang="en-GB" sz="4400" spc="-1" strike="noStrike">
               <a:solidFill>
                 <a:srgbClr val="000000"/>
               </a:solidFill>
@@ -7011,7 +6751,7 @@
               </a:spcBef>
               <a:buNone/>
             </a:pPr>
-            <a:endParaRPr b="0" lang="en-GB" sz="1400" spc="-1" strike="noStrike">
+            <a:endParaRPr b="0" lang="en-GB" sz="3200" spc="-1" strike="noStrike">
               <a:solidFill>
                 <a:srgbClr val="000000"/>
               </a:solidFill>
@@ -7054,7 +6794,7 @@
               </a:spcBef>
               <a:buNone/>
             </a:pPr>
-            <a:endParaRPr b="0" lang="en-GB" sz="1400" spc="-1" strike="noStrike">
+            <a:endParaRPr b="0" lang="en-GB" sz="3200" spc="-1" strike="noStrike">
               <a:solidFill>
                 <a:srgbClr val="000000"/>
               </a:solidFill>
@@ -7097,7 +6837,7 @@
               </a:spcBef>
               <a:buNone/>
             </a:pPr>
-            <a:endParaRPr b="0" lang="en-GB" sz="1400" spc="-1" strike="noStrike">
+            <a:endParaRPr b="0" lang="en-GB" sz="3200" spc="-1" strike="noStrike">
               <a:solidFill>
                 <a:srgbClr val="000000"/>
               </a:solidFill>
@@ -7140,7 +6880,7 @@
               </a:spcBef>
               <a:buNone/>
             </a:pPr>
-            <a:endParaRPr b="0" lang="en-GB" sz="1400" spc="-1" strike="noStrike">
+            <a:endParaRPr b="0" lang="en-GB" sz="3200" spc="-1" strike="noStrike">
               <a:solidFill>
                 <a:srgbClr val="000000"/>
               </a:solidFill>
@@ -7183,7 +6923,7 @@
               </a:spcBef>
               <a:buNone/>
             </a:pPr>
-            <a:endParaRPr b="0" lang="en-GB" sz="1400" spc="-1" strike="noStrike">
+            <a:endParaRPr b="0" lang="en-GB" sz="3200" spc="-1" strike="noStrike">
               <a:solidFill>
                 <a:srgbClr val="000000"/>
               </a:solidFill>
@@ -7226,7 +6966,7 @@
               </a:spcBef>
               <a:buNone/>
             </a:pPr>
-            <a:endParaRPr b="0" lang="en-GB" sz="1400" spc="-1" strike="noStrike">
+            <a:endParaRPr b="0" lang="en-GB" sz="3200" spc="-1" strike="noStrike">
               <a:solidFill>
                 <a:srgbClr val="000000"/>
               </a:solidFill>
@@ -7269,7 +7009,7 @@
         <p:txBody>
           <a:bodyPr/>
           <a:p>
-            <a:fld id="{10336B94-FAA3-464A-B9C5-72FB2EB76822}" type="slidenum">
+            <a:fld id="{FC9671AC-EE24-4786-9FCC-4CC5478F8983}" type="slidenum">
               <a:t>&lt;#&gt;</a:t>
             </a:fld>
           </a:p>
@@ -7368,10 +7108,10 @@
             <a:noAutofit/>
           </a:bodyPr>
           <a:p>
-            <a:pPr indent="0">
-              <a:buNone/>
-            </a:pPr>
-            <a:endParaRPr b="0" lang="en-GB" sz="1400" spc="-1" strike="noStrike">
+            <a:pPr indent="0" algn="ctr">
+              <a:buNone/>
+            </a:pPr>
+            <a:endParaRPr b="0" lang="en-GB" sz="4400" spc="-1" strike="noStrike">
               <a:solidFill>
                 <a:srgbClr val="000000"/>
               </a:solidFill>
@@ -7470,10 +7210,10 @@
             <a:noAutofit/>
           </a:bodyPr>
           <a:p>
-            <a:pPr indent="0">
-              <a:buNone/>
-            </a:pPr>
-            <a:endParaRPr b="0" lang="en-GB" sz="1400" spc="-1" strike="noStrike">
+            <a:pPr indent="0" algn="ctr">
+              <a:buNone/>
+            </a:pPr>
+            <a:endParaRPr b="0" lang="en-GB" sz="4400" spc="-1" strike="noStrike">
               <a:solidFill>
                 <a:srgbClr val="000000"/>
               </a:solidFill>
@@ -7516,7 +7256,7 @@
               </a:spcBef>
               <a:buNone/>
             </a:pPr>
-            <a:endParaRPr b="0" lang="en-GB" sz="1400" spc="-1" strike="noStrike">
+            <a:endParaRPr b="0" lang="en-GB" sz="3200" spc="-1" strike="noStrike">
               <a:solidFill>
                 <a:srgbClr val="000000"/>
               </a:solidFill>
@@ -7575,10 +7315,10 @@
             <a:noAutofit/>
           </a:bodyPr>
           <a:p>
-            <a:pPr indent="0">
-              <a:buNone/>
-            </a:pPr>
-            <a:endParaRPr b="0" lang="en-GB" sz="1400" spc="-1" strike="noStrike">
+            <a:pPr indent="0" algn="ctr">
+              <a:buNone/>
+            </a:pPr>
+            <a:endParaRPr b="0" lang="en-GB" sz="4400" spc="-1" strike="noStrike">
               <a:solidFill>
                 <a:srgbClr val="000000"/>
               </a:solidFill>
@@ -7621,7 +7361,7 @@
               </a:spcBef>
               <a:buNone/>
             </a:pPr>
-            <a:endParaRPr b="0" lang="en-GB" sz="1400" spc="-1" strike="noStrike">
+            <a:endParaRPr b="0" lang="en-GB" sz="3200" spc="-1" strike="noStrike">
               <a:solidFill>
                 <a:srgbClr val="000000"/>
               </a:solidFill>
@@ -7664,7 +7404,7 @@
               </a:spcBef>
               <a:buNone/>
             </a:pPr>
-            <a:endParaRPr b="0" lang="en-GB" sz="1400" spc="-1" strike="noStrike">
+            <a:endParaRPr b="0" lang="en-GB" sz="3200" spc="-1" strike="noStrike">
               <a:solidFill>
                 <a:srgbClr val="000000"/>
               </a:solidFill>
@@ -7707,7 +7447,7 @@
         <p:txBody>
           <a:bodyPr/>
           <a:p>
-            <a:fld id="{B9132B66-E540-43FA-AEDB-06EEAD99A58B}" type="slidenum">
+            <a:fld id="{B3E7F3D1-11C7-4005-AC4F-25AE9CA3E059}" type="slidenum">
               <a:t>&lt;#&gt;</a:t>
             </a:fld>
           </a:p>
@@ -7784,10 +7524,10 @@
             <a:noAutofit/>
           </a:bodyPr>
           <a:p>
-            <a:pPr indent="0">
-              <a:buNone/>
-            </a:pPr>
-            <a:endParaRPr b="0" lang="en-GB" sz="1400" spc="-1" strike="noStrike">
+            <a:pPr indent="0" algn="ctr">
+              <a:buNone/>
+            </a:pPr>
+            <a:endParaRPr b="0" lang="en-GB" sz="4400" spc="-1" strike="noStrike">
               <a:solidFill>
                 <a:srgbClr val="000000"/>
               </a:solidFill>
@@ -7830,7 +7570,7 @@
               </a:spcBef>
               <a:buNone/>
             </a:pPr>
-            <a:endParaRPr b="0" lang="en-GB" sz="1400" spc="-1" strike="noStrike">
+            <a:endParaRPr b="0" lang="en-GB" sz="3200" spc="-1" strike="noStrike">
               <a:solidFill>
                 <a:srgbClr val="000000"/>
               </a:solidFill>
@@ -7873,7 +7613,7 @@
               </a:spcBef>
               <a:buNone/>
             </a:pPr>
-            <a:endParaRPr b="0" lang="en-GB" sz="1400" spc="-1" strike="noStrike">
+            <a:endParaRPr b="0" lang="en-GB" sz="3200" spc="-1" strike="noStrike">
               <a:solidFill>
                 <a:srgbClr val="000000"/>
               </a:solidFill>
@@ -7932,10 +7672,10 @@
             <a:noAutofit/>
           </a:bodyPr>
           <a:p>
-            <a:pPr indent="0">
-              <a:buNone/>
-            </a:pPr>
-            <a:endParaRPr b="0" lang="en-GB" sz="1400" spc="-1" strike="noStrike">
+            <a:pPr indent="0" algn="ctr">
+              <a:buNone/>
+            </a:pPr>
+            <a:endParaRPr b="0" lang="en-GB" sz="4400" spc="-1" strike="noStrike">
               <a:solidFill>
                 <a:srgbClr val="000000"/>
               </a:solidFill>
@@ -8054,10 +7794,10 @@
             <a:noAutofit/>
           </a:bodyPr>
           <a:p>
-            <a:pPr indent="0">
-              <a:buNone/>
-            </a:pPr>
-            <a:endParaRPr b="0" lang="en-GB" sz="1400" spc="-1" strike="noStrike">
+            <a:pPr indent="0" algn="ctr">
+              <a:buNone/>
+            </a:pPr>
+            <a:endParaRPr b="0" lang="en-GB" sz="4400" spc="-1" strike="noStrike">
               <a:solidFill>
                 <a:srgbClr val="000000"/>
               </a:solidFill>
@@ -8100,7 +7840,7 @@
               </a:spcBef>
               <a:buNone/>
             </a:pPr>
-            <a:endParaRPr b="0" lang="en-GB" sz="1400" spc="-1" strike="noStrike">
+            <a:endParaRPr b="0" lang="en-GB" sz="3200" spc="-1" strike="noStrike">
               <a:solidFill>
                 <a:srgbClr val="000000"/>
               </a:solidFill>
@@ -8143,7 +7883,7 @@
               </a:spcBef>
               <a:buNone/>
             </a:pPr>
-            <a:endParaRPr b="0" lang="en-GB" sz="1400" spc="-1" strike="noStrike">
+            <a:endParaRPr b="0" lang="en-GB" sz="3200" spc="-1" strike="noStrike">
               <a:solidFill>
                 <a:srgbClr val="000000"/>
               </a:solidFill>
@@ -8186,7 +7926,7 @@
               </a:spcBef>
               <a:buNone/>
             </a:pPr>
-            <a:endParaRPr b="0" lang="en-GB" sz="1400" spc="-1" strike="noStrike">
+            <a:endParaRPr b="0" lang="en-GB" sz="3200" spc="-1" strike="noStrike">
               <a:solidFill>
                 <a:srgbClr val="000000"/>
               </a:solidFill>
@@ -8245,10 +7985,10 @@
             <a:noAutofit/>
           </a:bodyPr>
           <a:p>
-            <a:pPr indent="0">
-              <a:buNone/>
-            </a:pPr>
-            <a:endParaRPr b="0" lang="en-GB" sz="1400" spc="-1" strike="noStrike">
+            <a:pPr indent="0" algn="ctr">
+              <a:buNone/>
+            </a:pPr>
+            <a:endParaRPr b="0" lang="en-GB" sz="4400" spc="-1" strike="noStrike">
               <a:solidFill>
                 <a:srgbClr val="000000"/>
               </a:solidFill>
@@ -8291,7 +8031,7 @@
               </a:spcBef>
               <a:buNone/>
             </a:pPr>
-            <a:endParaRPr b="0" lang="en-GB" sz="1400" spc="-1" strike="noStrike">
+            <a:endParaRPr b="0" lang="en-GB" sz="3200" spc="-1" strike="noStrike">
               <a:solidFill>
                 <a:srgbClr val="000000"/>
               </a:solidFill>
@@ -8334,7 +8074,7 @@
               </a:spcBef>
               <a:buNone/>
             </a:pPr>
-            <a:endParaRPr b="0" lang="en-GB" sz="1400" spc="-1" strike="noStrike">
+            <a:endParaRPr b="0" lang="en-GB" sz="3200" spc="-1" strike="noStrike">
               <a:solidFill>
                 <a:srgbClr val="000000"/>
               </a:solidFill>
@@ -8377,7 +8117,7 @@
               </a:spcBef>
               <a:buNone/>
             </a:pPr>
-            <a:endParaRPr b="0" lang="en-GB" sz="1400" spc="-1" strike="noStrike">
+            <a:endParaRPr b="0" lang="en-GB" sz="3200" spc="-1" strike="noStrike">
               <a:solidFill>
                 <a:srgbClr val="000000"/>
               </a:solidFill>
@@ -8436,10 +8176,10 @@
             <a:noAutofit/>
           </a:bodyPr>
           <a:p>
-            <a:pPr indent="0">
-              <a:buNone/>
-            </a:pPr>
-            <a:endParaRPr b="0" lang="en-GB" sz="1400" spc="-1" strike="noStrike">
+            <a:pPr indent="0" algn="ctr">
+              <a:buNone/>
+            </a:pPr>
+            <a:endParaRPr b="0" lang="en-GB" sz="4400" spc="-1" strike="noStrike">
               <a:solidFill>
                 <a:srgbClr val="000000"/>
               </a:solidFill>
@@ -8482,7 +8222,7 @@
               </a:spcBef>
               <a:buNone/>
             </a:pPr>
-            <a:endParaRPr b="0" lang="en-GB" sz="1400" spc="-1" strike="noStrike">
+            <a:endParaRPr b="0" lang="en-GB" sz="3200" spc="-1" strike="noStrike">
               <a:solidFill>
                 <a:srgbClr val="000000"/>
               </a:solidFill>
@@ -8525,7 +8265,7 @@
               </a:spcBef>
               <a:buNone/>
             </a:pPr>
-            <a:endParaRPr b="0" lang="en-GB" sz="1400" spc="-1" strike="noStrike">
+            <a:endParaRPr b="0" lang="en-GB" sz="3200" spc="-1" strike="noStrike">
               <a:solidFill>
                 <a:srgbClr val="000000"/>
               </a:solidFill>
@@ -8568,7 +8308,7 @@
               </a:spcBef>
               <a:buNone/>
             </a:pPr>
-            <a:endParaRPr b="0" lang="en-GB" sz="1400" spc="-1" strike="noStrike">
+            <a:endParaRPr b="0" lang="en-GB" sz="3200" spc="-1" strike="noStrike">
               <a:solidFill>
                 <a:srgbClr val="000000"/>
               </a:solidFill>
@@ -8627,10 +8367,10 @@
             <a:noAutofit/>
           </a:bodyPr>
           <a:p>
-            <a:pPr indent="0">
-              <a:buNone/>
-            </a:pPr>
-            <a:endParaRPr b="0" lang="en-GB" sz="1400" spc="-1" strike="noStrike">
+            <a:pPr indent="0" algn="ctr">
+              <a:buNone/>
+            </a:pPr>
+            <a:endParaRPr b="0" lang="en-GB" sz="4400" spc="-1" strike="noStrike">
               <a:solidFill>
                 <a:srgbClr val="000000"/>
               </a:solidFill>
@@ -8673,7 +8413,7 @@
               </a:spcBef>
               <a:buNone/>
             </a:pPr>
-            <a:endParaRPr b="0" lang="en-GB" sz="1400" spc="-1" strike="noStrike">
+            <a:endParaRPr b="0" lang="en-GB" sz="3200" spc="-1" strike="noStrike">
               <a:solidFill>
                 <a:srgbClr val="000000"/>
               </a:solidFill>
@@ -8716,7 +8456,7 @@
               </a:spcBef>
               <a:buNone/>
             </a:pPr>
-            <a:endParaRPr b="0" lang="en-GB" sz="1400" spc="-1" strike="noStrike">
+            <a:endParaRPr b="0" lang="en-GB" sz="3200" spc="-1" strike="noStrike">
               <a:solidFill>
                 <a:srgbClr val="000000"/>
               </a:solidFill>
@@ -8775,10 +8515,10 @@
             <a:noAutofit/>
           </a:bodyPr>
           <a:p>
-            <a:pPr indent="0">
-              <a:buNone/>
-            </a:pPr>
-            <a:endParaRPr b="0" lang="en-GB" sz="1400" spc="-1" strike="noStrike">
+            <a:pPr indent="0" algn="ctr">
+              <a:buNone/>
+            </a:pPr>
+            <a:endParaRPr b="0" lang="en-GB" sz="4400" spc="-1" strike="noStrike">
               <a:solidFill>
                 <a:srgbClr val="000000"/>
               </a:solidFill>
@@ -8821,7 +8561,7 @@
               </a:spcBef>
               <a:buNone/>
             </a:pPr>
-            <a:endParaRPr b="0" lang="en-GB" sz="1400" spc="-1" strike="noStrike">
+            <a:endParaRPr b="0" lang="en-GB" sz="3200" spc="-1" strike="noStrike">
               <a:solidFill>
                 <a:srgbClr val="000000"/>
               </a:solidFill>
@@ -8864,7 +8604,7 @@
               </a:spcBef>
               <a:buNone/>
             </a:pPr>
-            <a:endParaRPr b="0" lang="en-GB" sz="1400" spc="-1" strike="noStrike">
+            <a:endParaRPr b="0" lang="en-GB" sz="3200" spc="-1" strike="noStrike">
               <a:solidFill>
                 <a:srgbClr val="000000"/>
               </a:solidFill>
@@ -8907,7 +8647,7 @@
               </a:spcBef>
               <a:buNone/>
             </a:pPr>
-            <a:endParaRPr b="0" lang="en-GB" sz="1400" spc="-1" strike="noStrike">
+            <a:endParaRPr b="0" lang="en-GB" sz="3200" spc="-1" strike="noStrike">
               <a:solidFill>
                 <a:srgbClr val="000000"/>
               </a:solidFill>
@@ -8950,7 +8690,7 @@
               </a:spcBef>
               <a:buNone/>
             </a:pPr>
-            <a:endParaRPr b="0" lang="en-GB" sz="1400" spc="-1" strike="noStrike">
+            <a:endParaRPr b="0" lang="en-GB" sz="3200" spc="-1" strike="noStrike">
               <a:solidFill>
                 <a:srgbClr val="000000"/>
               </a:solidFill>
@@ -9009,10 +8749,10 @@
             <a:noAutofit/>
           </a:bodyPr>
           <a:p>
-            <a:pPr indent="0">
-              <a:buNone/>
-            </a:pPr>
-            <a:endParaRPr b="0" lang="en-GB" sz="1400" spc="-1" strike="noStrike">
+            <a:pPr indent="0" algn="ctr">
+              <a:buNone/>
+            </a:pPr>
+            <a:endParaRPr b="0" lang="en-GB" sz="4400" spc="-1" strike="noStrike">
               <a:solidFill>
                 <a:srgbClr val="000000"/>
               </a:solidFill>
@@ -9055,7 +8795,7 @@
               </a:spcBef>
               <a:buNone/>
             </a:pPr>
-            <a:endParaRPr b="0" lang="en-GB" sz="1400" spc="-1" strike="noStrike">
+            <a:endParaRPr b="0" lang="en-GB" sz="3200" spc="-1" strike="noStrike">
               <a:solidFill>
                 <a:srgbClr val="000000"/>
               </a:solidFill>
@@ -9098,7 +8838,7 @@
               </a:spcBef>
               <a:buNone/>
             </a:pPr>
-            <a:endParaRPr b="0" lang="en-GB" sz="1400" spc="-1" strike="noStrike">
+            <a:endParaRPr b="0" lang="en-GB" sz="3200" spc="-1" strike="noStrike">
               <a:solidFill>
                 <a:srgbClr val="000000"/>
               </a:solidFill>
@@ -9141,7 +8881,7 @@
               </a:spcBef>
               <a:buNone/>
             </a:pPr>
-            <a:endParaRPr b="0" lang="en-GB" sz="1400" spc="-1" strike="noStrike">
+            <a:endParaRPr b="0" lang="en-GB" sz="3200" spc="-1" strike="noStrike">
               <a:solidFill>
                 <a:srgbClr val="000000"/>
               </a:solidFill>
@@ -9184,7 +8924,7 @@
               </a:spcBef>
               <a:buNone/>
             </a:pPr>
-            <a:endParaRPr b="0" lang="en-GB" sz="1400" spc="-1" strike="noStrike">
+            <a:endParaRPr b="0" lang="en-GB" sz="3200" spc="-1" strike="noStrike">
               <a:solidFill>
                 <a:srgbClr val="000000"/>
               </a:solidFill>
@@ -9227,7 +8967,7 @@
               </a:spcBef>
               <a:buNone/>
             </a:pPr>
-            <a:endParaRPr b="0" lang="en-GB" sz="1400" spc="-1" strike="noStrike">
+            <a:endParaRPr b="0" lang="en-GB" sz="3200" spc="-1" strike="noStrike">
               <a:solidFill>
                 <a:srgbClr val="000000"/>
               </a:solidFill>
@@ -9270,7 +9010,7 @@
               </a:spcBef>
               <a:buNone/>
             </a:pPr>
-            <a:endParaRPr b="0" lang="en-GB" sz="1400" spc="-1" strike="noStrike">
+            <a:endParaRPr b="0" lang="en-GB" sz="3200" spc="-1" strike="noStrike">
               <a:solidFill>
                 <a:srgbClr val="000000"/>
               </a:solidFill>
@@ -9329,10 +9069,10 @@
             <a:noAutofit/>
           </a:bodyPr>
           <a:p>
-            <a:pPr indent="0">
-              <a:buNone/>
-            </a:pPr>
-            <a:endParaRPr b="0" lang="en-GB" sz="1400" spc="-1" strike="noStrike">
+            <a:pPr indent="0" algn="ctr">
+              <a:buNone/>
+            </a:pPr>
+            <a:endParaRPr b="0" lang="en-GB" sz="4400" spc="-1" strike="noStrike">
               <a:solidFill>
                 <a:srgbClr val="000000"/>
               </a:solidFill>
@@ -9375,7 +9115,7 @@
         <p:txBody>
           <a:bodyPr/>
           <a:p>
-            <a:fld id="{0A531A83-802C-4DB5-AD20-86D1EE68D675}" type="slidenum">
+            <a:fld id="{30364F51-5F49-4E08-86C0-25B15C416B2F}" type="slidenum">
               <a:t>&lt;#&gt;</a:t>
             </a:fld>
           </a:p>
@@ -9496,7 +9236,7 @@
         <p:txBody>
           <a:bodyPr/>
           <a:p>
-            <a:fld id="{AC6572DB-9638-4D37-BD68-08D40EC93870}" type="slidenum">
+            <a:fld id="{C8193FC4-7958-43B2-A332-5C89F58F06C5}" type="slidenum">
               <a:t>&lt;#&gt;</a:t>
             </a:fld>
           </a:p>
@@ -9573,10 +9313,10 @@
             <a:noAutofit/>
           </a:bodyPr>
           <a:p>
-            <a:pPr indent="0">
-              <a:buNone/>
-            </a:pPr>
-            <a:endParaRPr b="0" lang="en-GB" sz="1400" spc="-1" strike="noStrike">
+            <a:pPr indent="0" algn="ctr">
+              <a:buNone/>
+            </a:pPr>
+            <a:endParaRPr b="0" lang="en-GB" sz="4400" spc="-1" strike="noStrike">
               <a:solidFill>
                 <a:srgbClr val="000000"/>
               </a:solidFill>
@@ -9619,7 +9359,7 @@
               </a:spcBef>
               <a:buNone/>
             </a:pPr>
-            <a:endParaRPr b="0" lang="en-GB" sz="1400" spc="-1" strike="noStrike">
+            <a:endParaRPr b="0" lang="en-GB" sz="3200" spc="-1" strike="noStrike">
               <a:solidFill>
                 <a:srgbClr val="000000"/>
               </a:solidFill>
@@ -9662,7 +9402,7 @@
               </a:spcBef>
               <a:buNone/>
             </a:pPr>
-            <a:endParaRPr b="0" lang="en-GB" sz="1400" spc="-1" strike="noStrike">
+            <a:endParaRPr b="0" lang="en-GB" sz="3200" spc="-1" strike="noStrike">
               <a:solidFill>
                 <a:srgbClr val="000000"/>
               </a:solidFill>
@@ -9705,7 +9445,7 @@
               </a:spcBef>
               <a:buNone/>
             </a:pPr>
-            <a:endParaRPr b="0" lang="en-GB" sz="1400" spc="-1" strike="noStrike">
+            <a:endParaRPr b="0" lang="en-GB" sz="3200" spc="-1" strike="noStrike">
               <a:solidFill>
                 <a:srgbClr val="000000"/>
               </a:solidFill>
@@ -9748,7 +9488,7 @@
         <p:txBody>
           <a:bodyPr/>
           <a:p>
-            <a:fld id="{661AAF03-C7E2-4DD4-8834-0719AA6C6DC0}" type="slidenum">
+            <a:fld id="{A024AF16-418B-4F57-A5D5-A035E62060B1}" type="slidenum">
               <a:t>&lt;#&gt;</a:t>
             </a:fld>
           </a:p>
@@ -9825,10 +9565,10 @@
             <a:noAutofit/>
           </a:bodyPr>
           <a:p>
-            <a:pPr indent="0">
-              <a:buNone/>
-            </a:pPr>
-            <a:endParaRPr b="0" lang="en-GB" sz="1400" spc="-1" strike="noStrike">
+            <a:pPr indent="0" algn="ctr">
+              <a:buNone/>
+            </a:pPr>
+            <a:endParaRPr b="0" lang="en-GB" sz="4400" spc="-1" strike="noStrike">
               <a:solidFill>
                 <a:srgbClr val="000000"/>
               </a:solidFill>
@@ -9871,7 +9611,7 @@
               </a:spcBef>
               <a:buNone/>
             </a:pPr>
-            <a:endParaRPr b="0" lang="en-GB" sz="1400" spc="-1" strike="noStrike">
+            <a:endParaRPr b="0" lang="en-GB" sz="3200" spc="-1" strike="noStrike">
               <a:solidFill>
                 <a:srgbClr val="000000"/>
               </a:solidFill>
@@ -9914,7 +9654,7 @@
               </a:spcBef>
               <a:buNone/>
             </a:pPr>
-            <a:endParaRPr b="0" lang="en-GB" sz="1400" spc="-1" strike="noStrike">
+            <a:endParaRPr b="0" lang="en-GB" sz="3200" spc="-1" strike="noStrike">
               <a:solidFill>
                 <a:srgbClr val="000000"/>
               </a:solidFill>
@@ -9957,7 +9697,7 @@
               </a:spcBef>
               <a:buNone/>
             </a:pPr>
-            <a:endParaRPr b="0" lang="en-GB" sz="1400" spc="-1" strike="noStrike">
+            <a:endParaRPr b="0" lang="en-GB" sz="3200" spc="-1" strike="noStrike">
               <a:solidFill>
                 <a:srgbClr val="000000"/>
               </a:solidFill>
@@ -10000,7 +9740,7 @@
         <p:txBody>
           <a:bodyPr/>
           <a:p>
-            <a:fld id="{2EFD6749-4260-4737-9A7E-1C2036ED8632}" type="slidenum">
+            <a:fld id="{58F9DC0E-67CB-4605-823C-DBD8321D7392}" type="slidenum">
               <a:t>&lt;#&gt;</a:t>
             </a:fld>
           </a:p>
@@ -10077,10 +9817,10 @@
             <a:noAutofit/>
           </a:bodyPr>
           <a:p>
-            <a:pPr indent="0">
-              <a:buNone/>
-            </a:pPr>
-            <a:endParaRPr b="0" lang="en-GB" sz="1400" spc="-1" strike="noStrike">
+            <a:pPr indent="0" algn="ctr">
+              <a:buNone/>
+            </a:pPr>
+            <a:endParaRPr b="0" lang="en-GB" sz="4400" spc="-1" strike="noStrike">
               <a:solidFill>
                 <a:srgbClr val="000000"/>
               </a:solidFill>
@@ -10123,7 +9863,7 @@
               </a:spcBef>
               <a:buNone/>
             </a:pPr>
-            <a:endParaRPr b="0" lang="en-GB" sz="1400" spc="-1" strike="noStrike">
+            <a:endParaRPr b="0" lang="en-GB" sz="3200" spc="-1" strike="noStrike">
               <a:solidFill>
                 <a:srgbClr val="000000"/>
               </a:solidFill>
@@ -10166,7 +9906,7 @@
               </a:spcBef>
               <a:buNone/>
             </a:pPr>
-            <a:endParaRPr b="0" lang="en-GB" sz="1400" spc="-1" strike="noStrike">
+            <a:endParaRPr b="0" lang="en-GB" sz="3200" spc="-1" strike="noStrike">
               <a:solidFill>
                 <a:srgbClr val="000000"/>
               </a:solidFill>
@@ -10209,7 +9949,7 @@
               </a:spcBef>
               <a:buNone/>
             </a:pPr>
-            <a:endParaRPr b="0" lang="en-GB" sz="1400" spc="-1" strike="noStrike">
+            <a:endParaRPr b="0" lang="en-GB" sz="3200" spc="-1" strike="noStrike">
               <a:solidFill>
                 <a:srgbClr val="000000"/>
               </a:solidFill>
@@ -10252,7 +9992,7 @@
         <p:txBody>
           <a:bodyPr/>
           <a:p>
-            <a:fld id="{5DF8DF14-87AD-4FC7-ADD0-AB2B6D925CB5}" type="slidenum">
+            <a:fld id="{C28435E0-4EB8-409B-A344-5A6A2226D2E0}" type="slidenum">
               <a:t>&lt;#&gt;</a:t>
             </a:fld>
           </a:p>
@@ -10317,7 +10057,7 @@
         <p:spPr>
           <a:xfrm>
             <a:off x="8574480" y="6409800"/>
-            <a:ext cx="1080" cy="167760"/>
+            <a:ext cx="1440" cy="168120"/>
           </a:xfrm>
           <a:prstGeom prst="straightConnector1">
             <a:avLst/>
@@ -10343,7 +10083,7 @@
         <p:spPr>
           <a:xfrm>
             <a:off x="316800" y="6202440"/>
-            <a:ext cx="1211760" cy="433800"/>
+            <a:ext cx="1211400" cy="433440"/>
           </a:xfrm>
           <a:prstGeom prst="rect">
             <a:avLst/>
@@ -10365,8 +10105,8 @@
         </p:nvSpPr>
         <p:spPr>
           <a:xfrm>
-            <a:off x="445680" y="1024200"/>
-            <a:ext cx="3600720" cy="1123560"/>
+            <a:off x="457200" y="273600"/>
+            <a:ext cx="8228880" cy="1144440"/>
           </a:xfrm>
           <a:prstGeom prst="rect">
             <a:avLst/>
@@ -10415,7 +10155,7 @@
         <p:spPr>
           <a:xfrm>
             <a:off x="2845800" y="6388200"/>
-            <a:ext cx="3451320" cy="281880"/>
+            <a:ext cx="3450960" cy="281520"/>
           </a:xfrm>
           <a:prstGeom prst="rect">
             <a:avLst/>
@@ -10431,7 +10171,13 @@
           </a:bodyPr>
           <a:lstStyle>
             <a:lvl1pPr indent="0" algn="ctr">
-              <a:buNone/>
+              <a:lnSpc>
+                <a:spcPct val="100000"/>
+              </a:lnSpc>
+              <a:buNone/>
+              <a:tabLst>
+                <a:tab algn="l" pos="0"/>
+              </a:tabLst>
               <a:defRPr b="0" lang="en-GB" sz="1400" spc="-1" strike="noStrike">
                 <a:solidFill>
                   <a:srgbClr val="000000"/>
@@ -10442,7 +10188,13 @@
           </a:lstStyle>
           <a:p>
             <a:pPr indent="0" algn="ctr">
-              <a:buNone/>
+              <a:lnSpc>
+                <a:spcPct val="100000"/>
+              </a:lnSpc>
+              <a:buNone/>
+              <a:tabLst>
+                <a:tab algn="l" pos="0"/>
+              </a:tabLst>
             </a:pPr>
             <a:r>
               <a:rPr b="0" lang="en-GB" sz="1400" spc="-1" strike="noStrike">
@@ -10451,7 +10203,7 @@
                 </a:solidFill>
                 <a:latin typeface="Times New Roman"/>
               </a:rPr>
-              <a:t>&lt;footer&gt;</a:t>
+              <a:t> </a:t>
             </a:r>
             <a:endParaRPr b="0" lang="en-GB" sz="1400" spc="-1" strike="noStrike">
               <a:solidFill>
@@ -10475,7 +10227,7 @@
         <p:spPr>
           <a:xfrm>
             <a:off x="8670600" y="6388200"/>
-            <a:ext cx="326520" cy="281880"/>
+            <a:ext cx="326160" cy="281520"/>
           </a:xfrm>
           <a:prstGeom prst="rect">
             <a:avLst/>
@@ -10517,7 +10269,7 @@
                 <a:tab algn="l" pos="0"/>
               </a:tabLst>
             </a:pPr>
-            <a:fld id="{C7D8B502-A563-4F88-B0AF-77A338CD8CB3}" type="slidenum">
+            <a:fld id="{FA23171D-7F62-4E54-806B-69EF61B5268D}" type="slidenum">
               <a:rPr b="0" lang="en-US" sz="800" spc="-1" strike="noStrike">
                 <a:solidFill>
                   <a:srgbClr val="595959"/>
@@ -10525,7 +10277,7 @@
                 <a:latin typeface="Arial"/>
                 <a:ea typeface="Arial"/>
               </a:rPr>
-              <a:t>&lt;number&gt;</a:t>
+              <a:t>8</a:t>
             </a:fld>
             <a:endParaRPr b="0" lang="en-GB" sz="800" spc="-1" strike="noStrike">
               <a:solidFill>
@@ -10549,7 +10301,7 @@
         <p:spPr>
           <a:xfrm>
             <a:off x="1891080" y="6388200"/>
-            <a:ext cx="793800" cy="281880"/>
+            <a:ext cx="793440" cy="281520"/>
           </a:xfrm>
           <a:prstGeom prst="rect">
             <a:avLst/>
@@ -10585,7 +10337,7 @@
                 </a:solidFill>
                 <a:latin typeface="Times New Roman"/>
               </a:rPr>
-              <a:t>&lt;date/time&gt;</a:t>
+              <a:t> </a:t>
             </a:r>
             <a:endParaRPr b="0" lang="en-GB" sz="1400" spc="-1" strike="noStrike">
               <a:solidFill>
@@ -10636,7 +10388,7 @@
               <a:buChar char=""/>
             </a:pPr>
             <a:r>
-              <a:rPr b="0" lang="en-GB" sz="1400" spc="-1" strike="noStrike">
+              <a:rPr b="0" lang="en-GB" sz="3200" spc="-1" strike="noStrike">
                 <a:solidFill>
                   <a:srgbClr val="000000"/>
                 </a:solidFill>
@@ -10644,7 +10396,7 @@
               </a:rPr>
               <a:t>Click to edit the outline text format</a:t>
             </a:r>
-            <a:endParaRPr b="0" lang="en-GB" sz="1400" spc="-1" strike="noStrike">
+            <a:endParaRPr b="0" lang="en-GB" sz="3200" spc="-1" strike="noStrike">
               <a:solidFill>
                 <a:srgbClr val="000000"/>
               </a:solidFill>
@@ -10664,7 +10416,7 @@
               <a:buChar char=""/>
             </a:pPr>
             <a:r>
-              <a:rPr b="0" lang="en-GB" sz="1400" spc="-1" strike="noStrike">
+              <a:rPr b="0" lang="en-GB" sz="2800" spc="-1" strike="noStrike">
                 <a:solidFill>
                   <a:srgbClr val="000000"/>
                 </a:solidFill>
@@ -10672,7 +10424,7 @@
               </a:rPr>
               <a:t>Second Outline Level</a:t>
             </a:r>
-            <a:endParaRPr b="0" lang="en-GB" sz="1400" spc="-1" strike="noStrike">
+            <a:endParaRPr b="0" lang="en-GB" sz="2800" spc="-1" strike="noStrike">
               <a:solidFill>
                 <a:srgbClr val="000000"/>
               </a:solidFill>
@@ -10692,7 +10444,7 @@
               <a:buChar char=""/>
             </a:pPr>
             <a:r>
-              <a:rPr b="0" lang="en-GB" sz="1400" spc="-1" strike="noStrike">
+              <a:rPr b="0" lang="en-GB" sz="2400" spc="-1" strike="noStrike">
                 <a:solidFill>
                   <a:srgbClr val="000000"/>
                 </a:solidFill>
@@ -10700,7 +10452,7 @@
               </a:rPr>
               <a:t>Third Outline Level</a:t>
             </a:r>
-            <a:endParaRPr b="0" lang="en-GB" sz="1400" spc="-1" strike="noStrike">
+            <a:endParaRPr b="0" lang="en-GB" sz="2400" spc="-1" strike="noStrike">
               <a:solidFill>
                 <a:srgbClr val="000000"/>
               </a:solidFill>
@@ -10720,7 +10472,7 @@
               <a:buChar char=""/>
             </a:pPr>
             <a:r>
-              <a:rPr b="0" lang="en-GB" sz="1400" spc="-1" strike="noStrike">
+              <a:rPr b="0" lang="en-GB" sz="2000" spc="-1" strike="noStrike">
                 <a:solidFill>
                   <a:srgbClr val="000000"/>
                 </a:solidFill>
@@ -10728,7 +10480,7 @@
               </a:rPr>
               <a:t>Fourth Outline Level</a:t>
             </a:r>
-            <a:endParaRPr b="0" lang="en-GB" sz="1400" spc="-1" strike="noStrike">
+            <a:endParaRPr b="0" lang="en-GB" sz="2000" spc="-1" strike="noStrike">
               <a:solidFill>
                 <a:srgbClr val="000000"/>
               </a:solidFill>
@@ -10874,7 +10626,7 @@
         <p:spPr>
           <a:xfrm>
             <a:off x="8574480" y="6409800"/>
-            <a:ext cx="1080" cy="167760"/>
+            <a:ext cx="1440" cy="168120"/>
           </a:xfrm>
           <a:prstGeom prst="straightConnector1">
             <a:avLst/>
@@ -10900,7 +10652,7 @@
         <p:spPr>
           <a:xfrm>
             <a:off x="316800" y="6202440"/>
-            <a:ext cx="1211760" cy="433800"/>
+            <a:ext cx="1211400" cy="433440"/>
           </a:xfrm>
           <a:prstGeom prst="rect">
             <a:avLst/>
@@ -10923,7 +10675,7 @@
         <p:spPr>
           <a:xfrm>
             <a:off x="2845800" y="6388200"/>
-            <a:ext cx="3451320" cy="281880"/>
+            <a:ext cx="3450960" cy="281520"/>
           </a:xfrm>
           <a:prstGeom prst="rect">
             <a:avLst/>
@@ -10939,7 +10691,13 @@
           </a:bodyPr>
           <a:lstStyle>
             <a:lvl1pPr indent="0" algn="ctr">
-              <a:buNone/>
+              <a:lnSpc>
+                <a:spcPct val="100000"/>
+              </a:lnSpc>
+              <a:buNone/>
+              <a:tabLst>
+                <a:tab algn="l" pos="0"/>
+              </a:tabLst>
               <a:defRPr b="0" lang="en-GB" sz="1400" spc="-1" strike="noStrike">
                 <a:solidFill>
                   <a:srgbClr val="000000"/>
@@ -10950,7 +10708,13 @@
           </a:lstStyle>
           <a:p>
             <a:pPr indent="0" algn="ctr">
-              <a:buNone/>
+              <a:lnSpc>
+                <a:spcPct val="100000"/>
+              </a:lnSpc>
+              <a:buNone/>
+              <a:tabLst>
+                <a:tab algn="l" pos="0"/>
+              </a:tabLst>
             </a:pPr>
             <a:r>
               <a:rPr b="0" lang="en-GB" sz="1400" spc="-1" strike="noStrike">
@@ -10983,7 +10747,7 @@
         <p:spPr>
           <a:xfrm>
             <a:off x="8670600" y="6388200"/>
-            <a:ext cx="326520" cy="281880"/>
+            <a:ext cx="326160" cy="281520"/>
           </a:xfrm>
           <a:prstGeom prst="rect">
             <a:avLst/>
@@ -11025,7 +10789,7 @@
                 <a:tab algn="l" pos="0"/>
               </a:tabLst>
             </a:pPr>
-            <a:fld id="{21633ADE-274C-41F1-BD64-76748A006612}" type="slidenum">
+            <a:fld id="{C977F663-2DC8-4362-8C28-58D0168EFFB6}" type="slidenum">
               <a:rPr b="0" lang="en-US" sz="800" spc="-1" strike="noStrike">
                 <a:solidFill>
                   <a:srgbClr val="595959"/>
@@ -11057,7 +10821,7 @@
         <p:spPr>
           <a:xfrm>
             <a:off x="1891080" y="6388200"/>
-            <a:ext cx="793800" cy="281880"/>
+            <a:ext cx="793440" cy="281520"/>
           </a:xfrm>
           <a:prstGeom prst="rect">
             <a:avLst/>
@@ -11132,11 +10896,11 @@
             <a:noAutofit/>
           </a:bodyPr>
           <a:p>
-            <a:pPr indent="0">
-              <a:buNone/>
-            </a:pPr>
-            <a:r>
-              <a:rPr b="0" lang="en-GB" sz="1400" spc="-1" strike="noStrike">
+            <a:pPr indent="0" algn="ctr">
+              <a:buNone/>
+            </a:pPr>
+            <a:r>
+              <a:rPr b="0" lang="en-GB" sz="4400" spc="-1" strike="noStrike">
                 <a:solidFill>
                   <a:srgbClr val="000000"/>
                 </a:solidFill>
@@ -11144,7 +10908,7 @@
               </a:rPr>
               <a:t>Click to edit the title text format</a:t>
             </a:r>
-            <a:endParaRPr b="0" lang="en-GB" sz="1400" spc="-1" strike="noStrike">
+            <a:endParaRPr b="0" lang="en-GB" sz="4400" spc="-1" strike="noStrike">
               <a:solidFill>
                 <a:srgbClr val="000000"/>
               </a:solidFill>
@@ -11193,7 +10957,7 @@
               <a:buChar char=""/>
             </a:pPr>
             <a:r>
-              <a:rPr b="0" lang="en-GB" sz="1400" spc="-1" strike="noStrike">
+              <a:rPr b="0" lang="en-GB" sz="3200" spc="-1" strike="noStrike">
                 <a:solidFill>
                   <a:srgbClr val="000000"/>
                 </a:solidFill>
@@ -11201,7 +10965,7 @@
               </a:rPr>
               <a:t>Click to edit the outline text format</a:t>
             </a:r>
-            <a:endParaRPr b="0" lang="en-GB" sz="1400" spc="-1" strike="noStrike">
+            <a:endParaRPr b="0" lang="en-GB" sz="3200" spc="-1" strike="noStrike">
               <a:solidFill>
                 <a:srgbClr val="000000"/>
               </a:solidFill>
@@ -11221,7 +10985,7 @@
               <a:buChar char=""/>
             </a:pPr>
             <a:r>
-              <a:rPr b="0" lang="en-GB" sz="1400" spc="-1" strike="noStrike">
+              <a:rPr b="0" lang="en-GB" sz="2800" spc="-1" strike="noStrike">
                 <a:solidFill>
                   <a:srgbClr val="000000"/>
                 </a:solidFill>
@@ -11229,7 +10993,7 @@
               </a:rPr>
               <a:t>Second Outline Level</a:t>
             </a:r>
-            <a:endParaRPr b="0" lang="en-GB" sz="1400" spc="-1" strike="noStrike">
+            <a:endParaRPr b="0" lang="en-GB" sz="2800" spc="-1" strike="noStrike">
               <a:solidFill>
                 <a:srgbClr val="000000"/>
               </a:solidFill>
@@ -11249,7 +11013,7 @@
               <a:buChar char=""/>
             </a:pPr>
             <a:r>
-              <a:rPr b="0" lang="en-GB" sz="1400" spc="-1" strike="noStrike">
+              <a:rPr b="0" lang="en-GB" sz="2400" spc="-1" strike="noStrike">
                 <a:solidFill>
                   <a:srgbClr val="000000"/>
                 </a:solidFill>
@@ -11257,7 +11021,7 @@
               </a:rPr>
               <a:t>Third Outline Level</a:t>
             </a:r>
-            <a:endParaRPr b="0" lang="en-GB" sz="1400" spc="-1" strike="noStrike">
+            <a:endParaRPr b="0" lang="en-GB" sz="2400" spc="-1" strike="noStrike">
               <a:solidFill>
                 <a:srgbClr val="000000"/>
               </a:solidFill>
@@ -11277,7 +11041,7 @@
               <a:buChar char=""/>
             </a:pPr>
             <a:r>
-              <a:rPr b="0" lang="en-GB" sz="1400" spc="-1" strike="noStrike">
+              <a:rPr b="0" lang="en-GB" sz="2000" spc="-1" strike="noStrike">
                 <a:solidFill>
                   <a:srgbClr val="000000"/>
                 </a:solidFill>
@@ -11285,7 +11049,7 @@
               </a:rPr>
               <a:t>Fourth Outline Level</a:t>
             </a:r>
-            <a:endParaRPr b="0" lang="en-GB" sz="1400" spc="-1" strike="noStrike">
+            <a:endParaRPr b="0" lang="en-GB" sz="2000" spc="-1" strike="noStrike">
               <a:solidFill>
                 <a:srgbClr val="000000"/>
               </a:solidFill>
@@ -11431,7 +11195,7 @@
         <p:spPr>
           <a:xfrm>
             <a:off x="8574480" y="6409800"/>
-            <a:ext cx="1080" cy="167760"/>
+            <a:ext cx="1440" cy="168120"/>
           </a:xfrm>
           <a:prstGeom prst="straightConnector1">
             <a:avLst/>
@@ -11457,7 +11221,7 @@
         <p:spPr>
           <a:xfrm>
             <a:off x="316800" y="6202440"/>
-            <a:ext cx="1211760" cy="433800"/>
+            <a:ext cx="1211400" cy="433440"/>
           </a:xfrm>
           <a:prstGeom prst="rect">
             <a:avLst/>
@@ -11474,287 +11238,13 @@
             <a:spLocks noGrp="1"/>
           </p:cNvSpPr>
           <p:nvPr>
-            <p:ph type="title"/>
-          </p:nvPr>
-        </p:nvSpPr>
-        <p:spPr>
-          <a:xfrm>
-            <a:off x="445680" y="1024200"/>
-            <a:ext cx="3600720" cy="1123560"/>
-          </a:xfrm>
-          <a:prstGeom prst="rect">
-            <a:avLst/>
-          </a:prstGeom>
-          <a:noFill/>
-          <a:ln w="0">
-            <a:noFill/>
-          </a:ln>
-        </p:spPr>
-        <p:txBody>
-          <a:bodyPr lIns="0" rIns="0" tIns="0" bIns="0" anchor="ctr">
-            <a:noAutofit/>
-          </a:bodyPr>
-          <a:p>
-            <a:pPr indent="0">
-              <a:buNone/>
-            </a:pPr>
-            <a:r>
-              <a:rPr b="0" lang="en-GB" sz="1800" spc="-1" strike="noStrike">
-                <a:solidFill>
-                  <a:srgbClr val="000000"/>
-                </a:solidFill>
-                <a:latin typeface="Arial"/>
-              </a:rPr>
-              <a:t>Click to edit the title text format</a:t>
-            </a:r>
-            <a:endParaRPr b="0" lang="en-GB" sz="1800" spc="-1" strike="noStrike">
-              <a:solidFill>
-                <a:srgbClr val="000000"/>
-              </a:solidFill>
-              <a:latin typeface="Arial"/>
-            </a:endParaRPr>
-          </a:p>
-        </p:txBody>
-      </p:sp>
-      <p:sp>
-        <p:nvSpPr>
-          <p:cNvPr id="89" name="PlaceHolder 2"/>
-          <p:cNvSpPr>
-            <a:spLocks noGrp="1"/>
-          </p:cNvSpPr>
-          <p:nvPr>
-            <p:ph type="body"/>
-          </p:nvPr>
-        </p:nvSpPr>
-        <p:spPr>
-          <a:xfrm>
-            <a:off x="445680" y="2532600"/>
-            <a:ext cx="3600720" cy="1499400"/>
-          </a:xfrm>
-          <a:prstGeom prst="rect">
-            <a:avLst/>
-          </a:prstGeom>
-          <a:noFill/>
-          <a:ln w="0">
-            <a:noFill/>
-          </a:ln>
-        </p:spPr>
-        <p:txBody>
-          <a:bodyPr lIns="0" rIns="0" tIns="0" bIns="0" anchor="t">
-            <a:normAutofit fontScale="63000"/>
-          </a:bodyPr>
-          <a:p>
-            <a:pPr marL="272160" indent="-204120">
-              <a:spcBef>
-                <a:spcPts val="1417"/>
-              </a:spcBef>
-              <a:buClr>
-                <a:srgbClr val="000000"/>
-              </a:buClr>
-              <a:buSzPct val="45000"/>
-              <a:buFont typeface="Wingdings" charset="2"/>
-              <a:buChar char=""/>
-            </a:pPr>
-            <a:r>
-              <a:rPr b="0" lang="en-GB" sz="1800" spc="-1" strike="noStrike">
-                <a:solidFill>
-                  <a:srgbClr val="000000"/>
-                </a:solidFill>
-                <a:latin typeface="Arial"/>
-              </a:rPr>
-              <a:t>Click to edit the outline text format</a:t>
-            </a:r>
-            <a:endParaRPr b="0" lang="en-GB" sz="1800" spc="-1" strike="noStrike">
-              <a:solidFill>
-                <a:srgbClr val="000000"/>
-              </a:solidFill>
-              <a:latin typeface="Arial"/>
-            </a:endParaRPr>
-          </a:p>
-          <a:p>
-            <a:pPr lvl="1" marL="544320" indent="-204120">
-              <a:spcBef>
-                <a:spcPts val="1134"/>
-              </a:spcBef>
-              <a:buClr>
-                <a:srgbClr val="000000"/>
-              </a:buClr>
-              <a:buSzPct val="75000"/>
-              <a:buFont typeface="Symbol" charset="2"/>
-              <a:buChar char=""/>
-            </a:pPr>
-            <a:r>
-              <a:rPr b="0" lang="en-GB" sz="1800" spc="-1" strike="noStrike">
-                <a:solidFill>
-                  <a:srgbClr val="000000"/>
-                </a:solidFill>
-                <a:latin typeface="Arial"/>
-              </a:rPr>
-              <a:t>Second Outline Level</a:t>
-            </a:r>
-            <a:endParaRPr b="0" lang="en-GB" sz="1800" spc="-1" strike="noStrike">
-              <a:solidFill>
-                <a:srgbClr val="000000"/>
-              </a:solidFill>
-              <a:latin typeface="Arial"/>
-            </a:endParaRPr>
-          </a:p>
-          <a:p>
-            <a:pPr lvl="2" marL="816480" indent="-181440">
-              <a:spcBef>
-                <a:spcPts val="850"/>
-              </a:spcBef>
-              <a:buClr>
-                <a:srgbClr val="000000"/>
-              </a:buClr>
-              <a:buSzPct val="45000"/>
-              <a:buFont typeface="Wingdings" charset="2"/>
-              <a:buChar char=""/>
-            </a:pPr>
-            <a:r>
-              <a:rPr b="0" lang="en-GB" sz="1800" spc="-1" strike="noStrike">
-                <a:solidFill>
-                  <a:srgbClr val="000000"/>
-                </a:solidFill>
-                <a:latin typeface="Arial"/>
-              </a:rPr>
-              <a:t>Third Outline Level</a:t>
-            </a:r>
-            <a:endParaRPr b="0" lang="en-GB" sz="1800" spc="-1" strike="noStrike">
-              <a:solidFill>
-                <a:srgbClr val="000000"/>
-              </a:solidFill>
-              <a:latin typeface="Arial"/>
-            </a:endParaRPr>
-          </a:p>
-          <a:p>
-            <a:pPr lvl="3" marL="1088640" indent="-136080">
-              <a:spcBef>
-                <a:spcPts val="567"/>
-              </a:spcBef>
-              <a:buClr>
-                <a:srgbClr val="000000"/>
-              </a:buClr>
-              <a:buSzPct val="75000"/>
-              <a:buFont typeface="Symbol" charset="2"/>
-              <a:buChar char=""/>
-            </a:pPr>
-            <a:r>
-              <a:rPr b="0" lang="en-GB" sz="1800" spc="-1" strike="noStrike">
-                <a:solidFill>
-                  <a:srgbClr val="000000"/>
-                </a:solidFill>
-                <a:latin typeface="Arial"/>
-              </a:rPr>
-              <a:t>Fourth Outline Level</a:t>
-            </a:r>
-            <a:endParaRPr b="0" lang="en-GB" sz="1800" spc="-1" strike="noStrike">
-              <a:solidFill>
-                <a:srgbClr val="000000"/>
-              </a:solidFill>
-              <a:latin typeface="Arial"/>
-            </a:endParaRPr>
-          </a:p>
-          <a:p>
-            <a:pPr lvl="4" marL="1360800" indent="-136080">
-              <a:spcBef>
-                <a:spcPts val="283"/>
-              </a:spcBef>
-              <a:buClr>
-                <a:srgbClr val="000000"/>
-              </a:buClr>
-              <a:buSzPct val="45000"/>
-              <a:buFont typeface="Wingdings" charset="2"/>
-              <a:buChar char=""/>
-            </a:pPr>
-            <a:r>
-              <a:rPr b="0" lang="en-GB" sz="1800" spc="-1" strike="noStrike">
-                <a:solidFill>
-                  <a:srgbClr val="000000"/>
-                </a:solidFill>
-                <a:latin typeface="Arial"/>
-              </a:rPr>
-              <a:t>Fifth Outline Level</a:t>
-            </a:r>
-            <a:endParaRPr b="0" lang="en-GB" sz="1800" spc="-1" strike="noStrike">
-              <a:solidFill>
-                <a:srgbClr val="000000"/>
-              </a:solidFill>
-              <a:latin typeface="Arial"/>
-            </a:endParaRPr>
-          </a:p>
-          <a:p>
-            <a:pPr lvl="5" marL="1632960" indent="-136080">
-              <a:spcBef>
-                <a:spcPts val="283"/>
-              </a:spcBef>
-              <a:buClr>
-                <a:srgbClr val="000000"/>
-              </a:buClr>
-              <a:buSzPct val="45000"/>
-              <a:buFont typeface="Wingdings" charset="2"/>
-              <a:buChar char=""/>
-            </a:pPr>
-            <a:r>
-              <a:rPr b="0" lang="en-GB" sz="1800" spc="-1" strike="noStrike">
-                <a:solidFill>
-                  <a:srgbClr val="000000"/>
-                </a:solidFill>
-                <a:latin typeface="Arial"/>
-              </a:rPr>
-              <a:t>Sixth Outline Level</a:t>
-            </a:r>
-            <a:endParaRPr b="0" lang="en-GB" sz="1800" spc="-1" strike="noStrike">
-              <a:solidFill>
-                <a:srgbClr val="000000"/>
-              </a:solidFill>
-              <a:latin typeface="Arial"/>
-            </a:endParaRPr>
-          </a:p>
-          <a:p>
-            <a:pPr lvl="6" marL="1905120" indent="-136080">
-              <a:spcBef>
-                <a:spcPts val="283"/>
-              </a:spcBef>
-              <a:buClr>
-                <a:srgbClr val="000000"/>
-              </a:buClr>
-              <a:buSzPct val="45000"/>
-              <a:buFont typeface="Wingdings" charset="2"/>
-              <a:buChar char=""/>
-            </a:pPr>
-            <a:r>
-              <a:rPr b="0" lang="en-GB" sz="1800" spc="-1" strike="noStrike">
-                <a:solidFill>
-                  <a:srgbClr val="000000"/>
-                </a:solidFill>
-                <a:latin typeface="Arial"/>
-              </a:rPr>
-              <a:t>Seventh Outline Level</a:t>
-            </a:r>
-            <a:endParaRPr b="0" lang="en-GB" sz="1800" spc="-1" strike="noStrike">
-              <a:solidFill>
-                <a:srgbClr val="000000"/>
-              </a:solidFill>
-              <a:latin typeface="Arial"/>
-            </a:endParaRPr>
-          </a:p>
-        </p:txBody>
-      </p:sp>
-      <p:sp>
-        <p:nvSpPr>
-          <p:cNvPr id="90" name="PlaceHolder 3"/>
-          <p:cNvSpPr>
-            <a:spLocks noGrp="1"/>
-          </p:cNvSpPr>
-          <p:nvPr>
             <p:ph type="ftr" idx="7"/>
           </p:nvPr>
         </p:nvSpPr>
         <p:spPr>
           <a:xfrm>
             <a:off x="2845800" y="6388200"/>
-            <a:ext cx="3451320" cy="281880"/>
+            <a:ext cx="3450960" cy="281520"/>
           </a:xfrm>
           <a:prstGeom prst="rect">
             <a:avLst/>
@@ -11770,7 +11260,13 @@
           </a:bodyPr>
           <a:lstStyle>
             <a:lvl1pPr indent="0" algn="ctr">
-              <a:buNone/>
+              <a:lnSpc>
+                <a:spcPct val="100000"/>
+              </a:lnSpc>
+              <a:buNone/>
+              <a:tabLst>
+                <a:tab algn="l" pos="0"/>
+              </a:tabLst>
               <a:defRPr b="0" lang="en-GB" sz="1400" spc="-1" strike="noStrike">
                 <a:solidFill>
                   <a:srgbClr val="000000"/>
@@ -11781,7 +11277,13 @@
           </a:lstStyle>
           <a:p>
             <a:pPr indent="0" algn="ctr">
-              <a:buNone/>
+              <a:lnSpc>
+                <a:spcPct val="100000"/>
+              </a:lnSpc>
+              <a:buNone/>
+              <a:tabLst>
+                <a:tab algn="l" pos="0"/>
+              </a:tabLst>
             </a:pPr>
             <a:r>
               <a:rPr b="0" lang="en-GB" sz="1400" spc="-1" strike="noStrike">
@@ -11803,7 +11305,7 @@
       </p:sp>
       <p:sp>
         <p:nvSpPr>
-          <p:cNvPr id="91" name="PlaceHolder 4"/>
+          <p:cNvPr id="89" name="PlaceHolder 2"/>
           <p:cNvSpPr>
             <a:spLocks noGrp="1"/>
           </p:cNvSpPr>
@@ -11814,7 +11316,7 @@
         <p:spPr>
           <a:xfrm>
             <a:off x="8670600" y="6388200"/>
-            <a:ext cx="326520" cy="281880"/>
+            <a:ext cx="326160" cy="281520"/>
           </a:xfrm>
           <a:prstGeom prst="rect">
             <a:avLst/>
@@ -11856,7 +11358,7 @@
                 <a:tab algn="l" pos="0"/>
               </a:tabLst>
             </a:pPr>
-            <a:fld id="{F62725FC-096B-4644-AB88-D9AF4B8AD7AB}" type="slidenum">
+            <a:fld id="{B25D773A-7977-43DA-BE09-CF46F7A21F68}" type="slidenum">
               <a:rPr b="0" lang="en-US" sz="800" spc="-1" strike="noStrike">
                 <a:solidFill>
                   <a:srgbClr val="595959"/>
@@ -11877,7 +11379,7 @@
       </p:sp>
       <p:sp>
         <p:nvSpPr>
-          <p:cNvPr id="92" name="PlaceHolder 5"/>
+          <p:cNvPr id="90" name="PlaceHolder 3"/>
           <p:cNvSpPr>
             <a:spLocks noGrp="1"/>
           </p:cNvSpPr>
@@ -11888,7 +11390,7 @@
         <p:spPr>
           <a:xfrm>
             <a:off x="1891080" y="6388200"/>
-            <a:ext cx="793800" cy="281880"/>
+            <a:ext cx="793440" cy="281520"/>
           </a:xfrm>
           <a:prstGeom prst="rect">
             <a:avLst/>
@@ -11931,6 +11433,280 @@
                 <a:srgbClr val="000000"/>
               </a:solidFill>
               <a:latin typeface="Times New Roman"/>
+            </a:endParaRPr>
+          </a:p>
+        </p:txBody>
+      </p:sp>
+      <p:sp>
+        <p:nvSpPr>
+          <p:cNvPr id="91" name="PlaceHolder 4"/>
+          <p:cNvSpPr>
+            <a:spLocks noGrp="1"/>
+          </p:cNvSpPr>
+          <p:nvPr>
+            <p:ph type="title"/>
+          </p:nvPr>
+        </p:nvSpPr>
+        <p:spPr>
+          <a:xfrm>
+            <a:off x="457200" y="273600"/>
+            <a:ext cx="8229240" cy="1144800"/>
+          </a:xfrm>
+          <a:prstGeom prst="rect">
+            <a:avLst/>
+          </a:prstGeom>
+          <a:noFill/>
+          <a:ln w="0">
+            <a:noFill/>
+          </a:ln>
+        </p:spPr>
+        <p:txBody>
+          <a:bodyPr lIns="0" rIns="0" tIns="0" bIns="0" anchor="ctr">
+            <a:noAutofit/>
+          </a:bodyPr>
+          <a:p>
+            <a:pPr indent="0" algn="ctr">
+              <a:buNone/>
+            </a:pPr>
+            <a:r>
+              <a:rPr b="0" lang="en-GB" sz="4400" spc="-1" strike="noStrike">
+                <a:solidFill>
+                  <a:srgbClr val="000000"/>
+                </a:solidFill>
+                <a:latin typeface="Arial"/>
+              </a:rPr>
+              <a:t>Click to edit the title text format</a:t>
+            </a:r>
+            <a:endParaRPr b="0" lang="en-GB" sz="4400" spc="-1" strike="noStrike">
+              <a:solidFill>
+                <a:srgbClr val="000000"/>
+              </a:solidFill>
+              <a:latin typeface="Arial"/>
+            </a:endParaRPr>
+          </a:p>
+        </p:txBody>
+      </p:sp>
+      <p:sp>
+        <p:nvSpPr>
+          <p:cNvPr id="92" name="PlaceHolder 5"/>
+          <p:cNvSpPr>
+            <a:spLocks noGrp="1"/>
+          </p:cNvSpPr>
+          <p:nvPr>
+            <p:ph type="body"/>
+          </p:nvPr>
+        </p:nvSpPr>
+        <p:spPr>
+          <a:xfrm>
+            <a:off x="457200" y="1604520"/>
+            <a:ext cx="8229240" cy="3977280"/>
+          </a:xfrm>
+          <a:prstGeom prst="rect">
+            <a:avLst/>
+          </a:prstGeom>
+          <a:noFill/>
+          <a:ln w="0">
+            <a:noFill/>
+          </a:ln>
+        </p:spPr>
+        <p:txBody>
+          <a:bodyPr lIns="0" rIns="0" tIns="0" bIns="0" anchor="t">
+            <a:normAutofit/>
+          </a:bodyPr>
+          <a:p>
+            <a:pPr marL="432000" indent="-324000">
+              <a:spcBef>
+                <a:spcPts val="1417"/>
+              </a:spcBef>
+              <a:buClr>
+                <a:srgbClr val="000000"/>
+              </a:buClr>
+              <a:buSzPct val="45000"/>
+              <a:buFont typeface="Wingdings" charset="2"/>
+              <a:buChar char=""/>
+            </a:pPr>
+            <a:r>
+              <a:rPr b="0" lang="en-GB" sz="3200" spc="-1" strike="noStrike">
+                <a:solidFill>
+                  <a:srgbClr val="000000"/>
+                </a:solidFill>
+                <a:latin typeface="Arial"/>
+              </a:rPr>
+              <a:t>Click to edit the outline text format</a:t>
+            </a:r>
+            <a:endParaRPr b="0" lang="en-GB" sz="3200" spc="-1" strike="noStrike">
+              <a:solidFill>
+                <a:srgbClr val="000000"/>
+              </a:solidFill>
+              <a:latin typeface="Arial"/>
+            </a:endParaRPr>
+          </a:p>
+          <a:p>
+            <a:pPr lvl="1" marL="864000" indent="-324000">
+              <a:spcBef>
+                <a:spcPts val="1134"/>
+              </a:spcBef>
+              <a:buClr>
+                <a:srgbClr val="000000"/>
+              </a:buClr>
+              <a:buSzPct val="75000"/>
+              <a:buFont typeface="Symbol" charset="2"/>
+              <a:buChar char=""/>
+            </a:pPr>
+            <a:r>
+              <a:rPr b="0" lang="en-GB" sz="2800" spc="-1" strike="noStrike">
+                <a:solidFill>
+                  <a:srgbClr val="000000"/>
+                </a:solidFill>
+                <a:latin typeface="Arial"/>
+              </a:rPr>
+              <a:t>Second Outline Level</a:t>
+            </a:r>
+            <a:endParaRPr b="0" lang="en-GB" sz="2800" spc="-1" strike="noStrike">
+              <a:solidFill>
+                <a:srgbClr val="000000"/>
+              </a:solidFill>
+              <a:latin typeface="Arial"/>
+            </a:endParaRPr>
+          </a:p>
+          <a:p>
+            <a:pPr lvl="2" marL="1296000" indent="-288000">
+              <a:spcBef>
+                <a:spcPts val="850"/>
+              </a:spcBef>
+              <a:buClr>
+                <a:srgbClr val="000000"/>
+              </a:buClr>
+              <a:buSzPct val="45000"/>
+              <a:buFont typeface="Wingdings" charset="2"/>
+              <a:buChar char=""/>
+            </a:pPr>
+            <a:r>
+              <a:rPr b="0" lang="en-GB" sz="2400" spc="-1" strike="noStrike">
+                <a:solidFill>
+                  <a:srgbClr val="000000"/>
+                </a:solidFill>
+                <a:latin typeface="Arial"/>
+              </a:rPr>
+              <a:t>Third Outline Level</a:t>
+            </a:r>
+            <a:endParaRPr b="0" lang="en-GB" sz="2400" spc="-1" strike="noStrike">
+              <a:solidFill>
+                <a:srgbClr val="000000"/>
+              </a:solidFill>
+              <a:latin typeface="Arial"/>
+            </a:endParaRPr>
+          </a:p>
+          <a:p>
+            <a:pPr lvl="3" marL="1728000" indent="-216000">
+              <a:spcBef>
+                <a:spcPts val="567"/>
+              </a:spcBef>
+              <a:buClr>
+                <a:srgbClr val="000000"/>
+              </a:buClr>
+              <a:buSzPct val="75000"/>
+              <a:buFont typeface="Symbol" charset="2"/>
+              <a:buChar char=""/>
+            </a:pPr>
+            <a:r>
+              <a:rPr b="0" lang="en-GB" sz="2000" spc="-1" strike="noStrike">
+                <a:solidFill>
+                  <a:srgbClr val="000000"/>
+                </a:solidFill>
+                <a:latin typeface="Arial"/>
+              </a:rPr>
+              <a:t>Fourth Outline Level</a:t>
+            </a:r>
+            <a:endParaRPr b="0" lang="en-GB" sz="2000" spc="-1" strike="noStrike">
+              <a:solidFill>
+                <a:srgbClr val="000000"/>
+              </a:solidFill>
+              <a:latin typeface="Arial"/>
+            </a:endParaRPr>
+          </a:p>
+          <a:p>
+            <a:pPr lvl="4" marL="2160000" indent="-216000">
+              <a:spcBef>
+                <a:spcPts val="283"/>
+              </a:spcBef>
+              <a:buClr>
+                <a:srgbClr val="000000"/>
+              </a:buClr>
+              <a:buSzPct val="45000"/>
+              <a:buFont typeface="Wingdings" charset="2"/>
+              <a:buChar char=""/>
+            </a:pPr>
+            <a:r>
+              <a:rPr b="0" lang="en-GB" sz="2000" spc="-1" strike="noStrike">
+                <a:solidFill>
+                  <a:srgbClr val="000000"/>
+                </a:solidFill>
+                <a:latin typeface="Arial"/>
+              </a:rPr>
+              <a:t>Fifth Outline Level</a:t>
+            </a:r>
+            <a:endParaRPr b="0" lang="en-GB" sz="2000" spc="-1" strike="noStrike">
+              <a:solidFill>
+                <a:srgbClr val="000000"/>
+              </a:solidFill>
+              <a:latin typeface="Arial"/>
+            </a:endParaRPr>
+          </a:p>
+          <a:p>
+            <a:pPr lvl="5" marL="2592000" indent="-216000">
+              <a:spcBef>
+                <a:spcPts val="283"/>
+              </a:spcBef>
+              <a:buClr>
+                <a:srgbClr val="000000"/>
+              </a:buClr>
+              <a:buSzPct val="45000"/>
+              <a:buFont typeface="Wingdings" charset="2"/>
+              <a:buChar char=""/>
+            </a:pPr>
+            <a:r>
+              <a:rPr b="0" lang="en-GB" sz="2000" spc="-1" strike="noStrike">
+                <a:solidFill>
+                  <a:srgbClr val="000000"/>
+                </a:solidFill>
+                <a:latin typeface="Arial"/>
+              </a:rPr>
+              <a:t>Sixth Outline Level</a:t>
+            </a:r>
+            <a:endParaRPr b="0" lang="en-GB" sz="2000" spc="-1" strike="noStrike">
+              <a:solidFill>
+                <a:srgbClr val="000000"/>
+              </a:solidFill>
+              <a:latin typeface="Arial"/>
+            </a:endParaRPr>
+          </a:p>
+          <a:p>
+            <a:pPr lvl="6" marL="3024000" indent="-216000">
+              <a:spcBef>
+                <a:spcPts val="283"/>
+              </a:spcBef>
+              <a:buClr>
+                <a:srgbClr val="000000"/>
+              </a:buClr>
+              <a:buSzPct val="45000"/>
+              <a:buFont typeface="Wingdings" charset="2"/>
+              <a:buChar char=""/>
+            </a:pPr>
+            <a:r>
+              <a:rPr b="0" lang="en-GB" sz="2000" spc="-1" strike="noStrike">
+                <a:solidFill>
+                  <a:srgbClr val="000000"/>
+                </a:solidFill>
+                <a:latin typeface="Arial"/>
+              </a:rPr>
+              <a:t>Seventh Outline Level</a:t>
+            </a:r>
+            <a:endParaRPr b="0" lang="en-GB" sz="2000" spc="-1" strike="noStrike">
+              <a:solidFill>
+                <a:srgbClr val="000000"/>
+              </a:solidFill>
+              <a:latin typeface="Arial"/>
             </a:endParaRPr>
           </a:p>
         </p:txBody>
@@ -11988,7 +11764,7 @@
         <p:spPr>
           <a:xfrm>
             <a:off x="8574480" y="6409800"/>
-            <a:ext cx="720" cy="167400"/>
+            <a:ext cx="1080" cy="167760"/>
           </a:xfrm>
           <a:prstGeom prst="straightConnector1">
             <a:avLst/>
@@ -12014,7 +11790,7 @@
         <p:spPr>
           <a:xfrm>
             <a:off x="316800" y="6202440"/>
-            <a:ext cx="1212120" cy="434160"/>
+            <a:ext cx="1211760" cy="433800"/>
           </a:xfrm>
           <a:prstGeom prst="rect">
             <a:avLst/>
@@ -12037,7 +11813,7 @@
         <p:spPr>
           <a:xfrm>
             <a:off x="0" y="0"/>
-            <a:ext cx="9143280" cy="6857280"/>
+            <a:ext cx="9142920" cy="6856920"/>
           </a:xfrm>
           <a:prstGeom prst="rect">
             <a:avLst/>
@@ -12060,7 +11836,7 @@
         <p:spPr>
           <a:xfrm>
             <a:off x="408240" y="5543640"/>
-            <a:ext cx="2123640" cy="761400"/>
+            <a:ext cx="2123280" cy="761040"/>
           </a:xfrm>
           <a:prstGeom prst="rect">
             <a:avLst/>
@@ -12098,11 +11874,11 @@
             <a:noAutofit/>
           </a:bodyPr>
           <a:p>
-            <a:pPr indent="0">
-              <a:buNone/>
-            </a:pPr>
-            <a:r>
-              <a:rPr b="0" lang="en-GB" sz="1400" spc="-1" strike="noStrike">
+            <a:pPr indent="0" algn="ctr">
+              <a:buNone/>
+            </a:pPr>
+            <a:r>
+              <a:rPr b="0" lang="en-GB" sz="4400" spc="-1" strike="noStrike">
                 <a:solidFill>
                   <a:srgbClr val="000000"/>
                 </a:solidFill>
@@ -12110,7 +11886,7 @@
               </a:rPr>
               <a:t>Click to edit the title text format</a:t>
             </a:r>
-            <a:endParaRPr b="0" lang="en-GB" sz="1400" spc="-1" strike="noStrike">
+            <a:endParaRPr b="0" lang="en-GB" sz="4400" spc="-1" strike="noStrike">
               <a:solidFill>
                 <a:srgbClr val="000000"/>
               </a:solidFill>
@@ -12159,7 +11935,7 @@
               <a:buChar char=""/>
             </a:pPr>
             <a:r>
-              <a:rPr b="0" lang="en-GB" sz="1400" spc="-1" strike="noStrike">
+              <a:rPr b="0" lang="en-GB" sz="3200" spc="-1" strike="noStrike">
                 <a:solidFill>
                   <a:srgbClr val="000000"/>
                 </a:solidFill>
@@ -12167,7 +11943,7 @@
               </a:rPr>
               <a:t>Click to edit the outline text format</a:t>
             </a:r>
-            <a:endParaRPr b="0" lang="en-GB" sz="1400" spc="-1" strike="noStrike">
+            <a:endParaRPr b="0" lang="en-GB" sz="3200" spc="-1" strike="noStrike">
               <a:solidFill>
                 <a:srgbClr val="000000"/>
               </a:solidFill>
@@ -12187,7 +11963,7 @@
               <a:buChar char=""/>
             </a:pPr>
             <a:r>
-              <a:rPr b="0" lang="en-GB" sz="1400" spc="-1" strike="noStrike">
+              <a:rPr b="0" lang="en-GB" sz="2800" spc="-1" strike="noStrike">
                 <a:solidFill>
                   <a:srgbClr val="000000"/>
                 </a:solidFill>
@@ -12195,7 +11971,7 @@
               </a:rPr>
               <a:t>Second Outline Level</a:t>
             </a:r>
-            <a:endParaRPr b="0" lang="en-GB" sz="1400" spc="-1" strike="noStrike">
+            <a:endParaRPr b="0" lang="en-GB" sz="2800" spc="-1" strike="noStrike">
               <a:solidFill>
                 <a:srgbClr val="000000"/>
               </a:solidFill>
@@ -12215,7 +11991,7 @@
               <a:buChar char=""/>
             </a:pPr>
             <a:r>
-              <a:rPr b="0" lang="en-GB" sz="1400" spc="-1" strike="noStrike">
+              <a:rPr b="0" lang="en-GB" sz="2400" spc="-1" strike="noStrike">
                 <a:solidFill>
                   <a:srgbClr val="000000"/>
                 </a:solidFill>
@@ -12223,7 +11999,7 @@
               </a:rPr>
               <a:t>Third Outline Level</a:t>
             </a:r>
-            <a:endParaRPr b="0" lang="en-GB" sz="1400" spc="-1" strike="noStrike">
+            <a:endParaRPr b="0" lang="en-GB" sz="2400" spc="-1" strike="noStrike">
               <a:solidFill>
                 <a:srgbClr val="000000"/>
               </a:solidFill>
@@ -12243,7 +12019,7 @@
               <a:buChar char=""/>
             </a:pPr>
             <a:r>
-              <a:rPr b="0" lang="en-GB" sz="1400" spc="-1" strike="noStrike">
+              <a:rPr b="0" lang="en-GB" sz="2000" spc="-1" strike="noStrike">
                 <a:solidFill>
                   <a:srgbClr val="000000"/>
                 </a:solidFill>
@@ -12251,7 +12027,7 @@
               </a:rPr>
               <a:t>Fourth Outline Level</a:t>
             </a:r>
-            <a:endParaRPr b="0" lang="en-GB" sz="1400" spc="-1" strike="noStrike">
+            <a:endParaRPr b="0" lang="en-GB" sz="2000" spc="-1" strike="noStrike">
               <a:solidFill>
                 <a:srgbClr val="000000"/>
               </a:solidFill>
@@ -12394,7 +12170,7 @@
         <p:spPr>
           <a:xfrm>
             <a:off x="540000" y="360000"/>
-            <a:ext cx="8228880" cy="1530360"/>
+            <a:ext cx="8228520" cy="1530000"/>
           </a:xfrm>
           <a:prstGeom prst="rect">
             <a:avLst/>
@@ -12446,7 +12222,7 @@
         <p:spPr>
           <a:xfrm>
             <a:off x="540000" y="1999440"/>
-            <a:ext cx="7266960" cy="2811240"/>
+            <a:ext cx="7266600" cy="2810880"/>
           </a:xfrm>
           <a:prstGeom prst="rect">
             <a:avLst/>
@@ -12664,7 +12440,7 @@
         <p:spPr>
           <a:xfrm>
             <a:off x="4699080" y="3312000"/>
-            <a:ext cx="4097160" cy="3559320"/>
+            <a:ext cx="4096800" cy="3558960"/>
           </a:xfrm>
           <a:prstGeom prst="rect">
             <a:avLst/>
@@ -12687,7 +12463,7 @@
         <p:spPr>
           <a:xfrm>
             <a:off x="8670600" y="6388200"/>
-            <a:ext cx="326520" cy="281880"/>
+            <a:ext cx="326160" cy="281520"/>
           </a:xfrm>
           <a:prstGeom prst="rect">
             <a:avLst/>
@@ -12729,7 +12505,7 @@
                 <a:tab algn="l" pos="0"/>
               </a:tabLst>
             </a:pPr>
-            <a:fld id="{BFFF69C7-55DE-489E-A3CA-BF35860076A1}" type="slidenum">
+            <a:fld id="{51B25CC2-AFAA-40C4-8CC9-5FB8F563414C}" type="slidenum">
               <a:rPr b="0" lang="en-US" sz="800" spc="-1" strike="noStrike">
                 <a:solidFill>
                   <a:srgbClr val="595959"/>
@@ -12791,7 +12567,7 @@
         <p:spPr>
           <a:xfrm>
             <a:off x="630000" y="215280"/>
-            <a:ext cx="8228880" cy="1144440"/>
+            <a:ext cx="8228520" cy="1144080"/>
           </a:xfrm>
           <a:prstGeom prst="rect">
             <a:avLst/>
@@ -12847,7 +12623,7 @@
         <p:spPr>
           <a:xfrm>
             <a:off x="8670600" y="6388200"/>
-            <a:ext cx="326520" cy="281880"/>
+            <a:ext cx="326160" cy="281520"/>
           </a:xfrm>
           <a:prstGeom prst="rect">
             <a:avLst/>
@@ -12889,7 +12665,7 @@
                 <a:tab algn="l" pos="0"/>
               </a:tabLst>
             </a:pPr>
-            <a:fld id="{1724670C-00EC-412F-BF39-D0C909869AEE}" type="slidenum">
+            <a:fld id="{A9B4C4D0-9553-4D89-96B8-D90ED37E9BDD}" type="slidenum">
               <a:rPr b="0" lang="en-US" sz="800" spc="-1" strike="noStrike">
                 <a:solidFill>
                   <a:srgbClr val="595959"/>
@@ -12917,7 +12693,7 @@
         <p:spPr>
           <a:xfrm>
             <a:off x="630000" y="2052360"/>
-            <a:ext cx="8040240" cy="399960"/>
+            <a:ext cx="8039880" cy="399600"/>
           </a:xfrm>
           <a:prstGeom prst="rect">
             <a:avLst/>
@@ -12934,7 +12710,7 @@
           <a:fontRef idx="minor"/>
         </p:style>
         <p:txBody>
-          <a:bodyPr tIns="91440" bIns="91440" anchor="t">
+          <a:bodyPr lIns="90000" rIns="90000" tIns="91440" bIns="91440" anchor="t">
             <a:spAutoFit/>
           </a:bodyPr>
           <a:p>
@@ -12951,6 +12727,7 @@
                 <a:srgbClr val="000000"/>
               </a:solidFill>
               <a:latin typeface="Arial"/>
+              <a:ea typeface="DejaVu Sans"/>
             </a:endParaRPr>
           </a:p>
         </p:txBody>
@@ -12963,7 +12740,7 @@
         </p:nvGraphicFramePr>
         <p:xfrm>
           <a:off x="840960" y="2542320"/>
-          <a:ext cx="7185600" cy="1921680"/>
+          <a:ext cx="7184880" cy="1921680"/>
         </p:xfrm>
         <a:graphic>
           <a:graphicData uri="http://schemas.openxmlformats.org/drawingml/2006/table">
@@ -12976,7 +12753,7 @@
               <a:tr h="488160">
                 <a:tc>
                   <a:txBody>
-                    <a:bodyPr lIns="91080" rIns="91080" tIns="91080" bIns="91080" anchor="t">
+                    <a:bodyPr lIns="91080" rIns="91080" anchor="t">
                       <a:noAutofit/>
                     </a:bodyPr>
                     <a:p>
@@ -13036,7 +12813,7 @@
                 </a:tc>
                 <a:tc>
                   <a:txBody>
-                    <a:bodyPr lIns="91080" rIns="91080" tIns="91080" bIns="91080" anchor="t">
+                    <a:bodyPr lIns="91080" rIns="91080" anchor="t">
                       <a:noAutofit/>
                     </a:bodyPr>
                     <a:p>
@@ -13098,7 +12875,7 @@
               <a:tr h="1433520">
                 <a:tc>
                   <a:txBody>
-                    <a:bodyPr lIns="91080" rIns="91080" tIns="91080" bIns="91080" anchor="t">
+                    <a:bodyPr lIns="91080" rIns="91080" anchor="t">
                       <a:noAutofit/>
                     </a:bodyPr>
                     <a:p>
@@ -13158,7 +12935,7 @@
                 </a:tc>
                 <a:tc>
                   <a:txBody>
-                    <a:bodyPr lIns="91080" rIns="91080" tIns="91080" bIns="91080" anchor="t">
+                    <a:bodyPr lIns="91080" rIns="91080" anchor="t">
                       <a:noAutofit/>
                     </a:bodyPr>
                     <a:p>
@@ -13229,8 +13006,8 @@
         </p:nvSpPr>
         <p:spPr>
           <a:xfrm>
-            <a:off x="847080" y="4463640"/>
-            <a:ext cx="7178760" cy="410760"/>
+            <a:off x="847080" y="4463280"/>
+            <a:ext cx="7178400" cy="410760"/>
           </a:xfrm>
           <a:prstGeom prst="rect">
             <a:avLst/>
@@ -13247,7 +13024,7 @@
           <a:fontRef idx="minor"/>
         </p:style>
         <p:txBody>
-          <a:bodyPr tIns="91440" bIns="91440" anchor="b">
+          <a:bodyPr lIns="90000" rIns="90000" tIns="91440" bIns="91440" anchor="b">
             <a:spAutoFit/>
           </a:bodyPr>
           <a:p>
@@ -13321,7 +13098,7 @@
         <p:spPr>
           <a:xfrm>
             <a:off x="8670600" y="6388200"/>
-            <a:ext cx="326520" cy="281880"/>
+            <a:ext cx="326160" cy="281520"/>
           </a:xfrm>
           <a:prstGeom prst="rect">
             <a:avLst/>
@@ -13363,7 +13140,7 @@
                 <a:tab algn="l" pos="0"/>
               </a:tabLst>
             </a:pPr>
-            <a:fld id="{68920684-3859-4A2B-A4FE-90E57B0462AF}" type="slidenum">
+            <a:fld id="{F1182967-4CC4-4C20-9325-00845D0806B3}" type="slidenum">
               <a:rPr b="0" lang="en-US" sz="800" spc="-1" strike="noStrike">
                 <a:solidFill>
                   <a:srgbClr val="595959"/>
@@ -13391,7 +13168,7 @@
         <p:spPr>
           <a:xfrm>
             <a:off x="630000" y="2052360"/>
-            <a:ext cx="8040240" cy="399960"/>
+            <a:ext cx="8039880" cy="399600"/>
           </a:xfrm>
           <a:prstGeom prst="rect">
             <a:avLst/>
@@ -13408,7 +13185,7 @@
           <a:fontRef idx="minor"/>
         </p:style>
         <p:txBody>
-          <a:bodyPr tIns="91440" bIns="91440" anchor="t">
+          <a:bodyPr lIns="90000" rIns="90000" tIns="91440" bIns="91440" anchor="t">
             <a:spAutoFit/>
           </a:bodyPr>
           <a:p>
@@ -13425,6 +13202,7 @@
                 <a:srgbClr val="000000"/>
               </a:solidFill>
               <a:latin typeface="Arial"/>
+              <a:ea typeface="DejaVu Sans"/>
             </a:endParaRPr>
           </a:p>
         </p:txBody>
@@ -13437,7 +13215,7 @@
         </p:nvGraphicFramePr>
         <p:xfrm>
           <a:off x="829440" y="1406520"/>
-          <a:ext cx="7766280" cy="4268160"/>
+          <a:ext cx="7765920" cy="4149360"/>
         </p:xfrm>
         <a:graphic>
           <a:graphicData uri="http://schemas.openxmlformats.org/drawingml/2006/table">
@@ -13451,7 +13229,7 @@
               <a:tr h="421200">
                 <a:tc>
                   <a:txBody>
-                    <a:bodyPr lIns="91080" rIns="91080" tIns="91080" bIns="91080" anchor="t">
+                    <a:bodyPr lIns="91080" rIns="91080" anchor="t">
                       <a:noAutofit/>
                     </a:bodyPr>
                     <a:p>
@@ -13511,7 +13289,7 @@
                 </a:tc>
                 <a:tc>
                   <a:txBody>
-                    <a:bodyPr lIns="91080" rIns="91080" tIns="91080" bIns="91080" anchor="t">
+                    <a:bodyPr lIns="91080" rIns="91080" anchor="t">
                       <a:noAutofit/>
                     </a:bodyPr>
                     <a:p>
@@ -13571,7 +13349,7 @@
                 </a:tc>
                 <a:tc>
                   <a:txBody>
-                    <a:bodyPr lIns="91080" rIns="91080" tIns="91080" bIns="91080" anchor="t">
+                    <a:bodyPr lIns="91080" rIns="91080" anchor="t">
                       <a:noAutofit/>
                     </a:bodyPr>
                     <a:p>
@@ -13633,7 +13411,7 @@
               <a:tr h="586440">
                 <a:tc>
                   <a:txBody>
-                    <a:bodyPr lIns="91080" rIns="91080" tIns="91080" bIns="91080" anchor="t">
+                    <a:bodyPr lIns="91080" rIns="91080" anchor="t">
                       <a:noAutofit/>
                     </a:bodyPr>
                     <a:p>
@@ -13693,7 +13471,7 @@
                 </a:tc>
                 <a:tc>
                   <a:txBody>
-                    <a:bodyPr lIns="91080" rIns="91080" tIns="91080" bIns="91080" anchor="t">
+                    <a:bodyPr lIns="91080" rIns="91080" anchor="t">
                       <a:noAutofit/>
                     </a:bodyPr>
                     <a:p>
@@ -13753,7 +13531,7 @@
                 </a:tc>
                 <a:tc>
                   <a:txBody>
-                    <a:bodyPr lIns="91080" rIns="91080" tIns="91080" bIns="91080" anchor="t">
+                    <a:bodyPr lIns="91080" rIns="91080" anchor="t">
                       <a:noAutofit/>
                     </a:bodyPr>
                     <a:p>
@@ -13815,7 +13593,7 @@
               <a:tr h="586440">
                 <a:tc>
                   <a:txBody>
-                    <a:bodyPr lIns="91080" rIns="91080" tIns="91080" bIns="91080" anchor="t">
+                    <a:bodyPr lIns="91080" rIns="91080" anchor="t">
                       <a:noAutofit/>
                     </a:bodyPr>
                     <a:p>
@@ -13875,7 +13653,7 @@
                 </a:tc>
                 <a:tc>
                   <a:txBody>
-                    <a:bodyPr lIns="91080" rIns="91080" tIns="91080" bIns="91080" anchor="t">
+                    <a:bodyPr lIns="91080" rIns="91080" anchor="t">
                       <a:noAutofit/>
                     </a:bodyPr>
                     <a:p>
@@ -13935,7 +13713,7 @@
                 </a:tc>
                 <a:tc>
                   <a:txBody>
-                    <a:bodyPr lIns="91080" rIns="91080" tIns="91080" bIns="91080" anchor="t">
+                    <a:bodyPr lIns="91080" rIns="91080" anchor="t">
                       <a:noAutofit/>
                     </a:bodyPr>
                     <a:p>
@@ -13997,7 +13775,7 @@
               <a:tr h="795960">
                 <a:tc>
                   <a:txBody>
-                    <a:bodyPr lIns="91080" rIns="91080" tIns="91080" bIns="91080" anchor="t">
+                    <a:bodyPr lIns="91080" rIns="91080" anchor="t">
                       <a:noAutofit/>
                     </a:bodyPr>
                     <a:p>
@@ -14057,7 +13835,7 @@
                 </a:tc>
                 <a:tc>
                   <a:txBody>
-                    <a:bodyPr lIns="91080" rIns="91080" tIns="91080" bIns="91080" anchor="t">
+                    <a:bodyPr lIns="91080" rIns="91080" anchor="t">
                       <a:noAutofit/>
                     </a:bodyPr>
                     <a:p>
@@ -14117,7 +13895,7 @@
                 </a:tc>
                 <a:tc>
                   <a:txBody>
-                    <a:bodyPr lIns="91080" rIns="91080" tIns="91080" bIns="91080" anchor="t">
+                    <a:bodyPr lIns="91080" rIns="91080" anchor="t">
                       <a:noAutofit/>
                     </a:bodyPr>
                     <a:p>
@@ -14179,7 +13957,7 @@
               <a:tr h="586440">
                 <a:tc>
                   <a:txBody>
-                    <a:bodyPr lIns="91080" rIns="91080" tIns="91080" bIns="91080" anchor="t">
+                    <a:bodyPr lIns="91080" rIns="91080" anchor="t">
                       <a:noAutofit/>
                     </a:bodyPr>
                     <a:p>
@@ -14239,7 +14017,7 @@
                 </a:tc>
                 <a:tc>
                   <a:txBody>
-                    <a:bodyPr lIns="91080" rIns="91080" tIns="91080" bIns="91080" anchor="t">
+                    <a:bodyPr lIns="91080" rIns="91080" anchor="t">
                       <a:noAutofit/>
                     </a:bodyPr>
                     <a:p>
@@ -14299,7 +14077,7 @@
                 </a:tc>
                 <a:tc>
                   <a:txBody>
-                    <a:bodyPr lIns="91080" rIns="91080" tIns="91080" bIns="91080" anchor="t">
+                    <a:bodyPr lIns="91080" rIns="91080" anchor="t">
                       <a:noAutofit/>
                     </a:bodyPr>
                     <a:p>
@@ -14361,7 +14139,7 @@
               <a:tr h="376920">
                 <a:tc>
                   <a:txBody>
-                    <a:bodyPr lIns="91080" rIns="91080" tIns="91080" bIns="91080" anchor="t">
+                    <a:bodyPr lIns="91080" rIns="91080" anchor="t">
                       <a:noAutofit/>
                     </a:bodyPr>
                     <a:p>
@@ -14421,7 +14199,7 @@
                 </a:tc>
                 <a:tc>
                   <a:txBody>
-                    <a:bodyPr lIns="91080" rIns="91080" tIns="91080" bIns="91080" anchor="t">
+                    <a:bodyPr lIns="91080" rIns="91080" anchor="t">
                       <a:noAutofit/>
                     </a:bodyPr>
                     <a:p>
@@ -14481,7 +14259,7 @@
                 </a:tc>
                 <a:tc>
                   <a:txBody>
-                    <a:bodyPr lIns="91080" rIns="91080" tIns="91080" bIns="91080" anchor="t">
+                    <a:bodyPr lIns="91080" rIns="91080" anchor="t">
                       <a:noAutofit/>
                     </a:bodyPr>
                     <a:p>
@@ -14543,7 +14321,7 @@
               <a:tr h="795960">
                 <a:tc>
                   <a:txBody>
-                    <a:bodyPr lIns="91080" rIns="91080" tIns="91080" bIns="91080" anchor="t">
+                    <a:bodyPr lIns="91080" rIns="91080" anchor="t">
                       <a:noAutofit/>
                     </a:bodyPr>
                     <a:p>
@@ -14603,7 +14381,7 @@
                 </a:tc>
                 <a:tc>
                   <a:txBody>
-                    <a:bodyPr lIns="91080" rIns="91080" tIns="91080" bIns="91080" anchor="t">
+                    <a:bodyPr lIns="91080" rIns="91080" anchor="t">
                       <a:noAutofit/>
                     </a:bodyPr>
                     <a:p>
@@ -14663,7 +14441,7 @@
                 </a:tc>
                 <a:tc>
                   <a:txBody>
-                    <a:bodyPr lIns="91080" rIns="91080" tIns="91080" bIns="91080" anchor="t">
+                    <a:bodyPr lIns="91080" rIns="91080" anchor="t">
                       <a:noAutofit/>
                     </a:bodyPr>
                     <a:p>
@@ -14734,8 +14512,8 @@
         </p:nvSpPr>
         <p:spPr>
           <a:xfrm>
-            <a:off x="829440" y="5674320"/>
-            <a:ext cx="7178760" cy="410760"/>
+            <a:off x="829440" y="5673960"/>
+            <a:ext cx="7178400" cy="410760"/>
           </a:xfrm>
           <a:prstGeom prst="rect">
             <a:avLst/>
@@ -14752,7 +14530,7 @@
           <a:fontRef idx="minor"/>
         </p:style>
         <p:txBody>
-          <a:bodyPr tIns="91440" bIns="91440" anchor="b">
+          <a:bodyPr lIns="90000" rIns="90000" tIns="91440" bIns="91440" anchor="b">
             <a:spAutoFit/>
           </a:bodyPr>
           <a:p>
@@ -14826,7 +14604,7 @@
         <p:spPr>
           <a:xfrm>
             <a:off x="457200" y="1604520"/>
-            <a:ext cx="8228880" cy="3976920"/>
+            <a:ext cx="8228520" cy="3976560"/>
           </a:xfrm>
           <a:prstGeom prst="rect">
             <a:avLst/>
@@ -14841,7 +14619,7 @@
             <a:noAutofit/>
           </a:bodyPr>
           <a:p>
-            <a:pPr marL="171360" indent="-171360">
+            <a:pPr marL="271800" indent="-271800">
               <a:lnSpc>
                 <a:spcPct val="90000"/>
               </a:lnSpc>
@@ -14889,7 +14667,10 @@
             </a:endParaRPr>
           </a:p>
           <a:p>
-            <a:pPr lvl="1" marL="864000" indent="-324000">
+            <a:pPr lvl="1" marL="1371240" indent="-514080">
+              <a:lnSpc>
+                <a:spcPct val="100000"/>
+              </a:lnSpc>
               <a:spcBef>
                 <a:spcPts val="1134"/>
               </a:spcBef>
@@ -14897,7 +14678,7 @@
                 <a:srgbClr val="000000"/>
               </a:buClr>
               <a:buSzPct val="75000"/>
-              <a:buFont typeface="Symbol" charset="2"/>
+              <a:buFont typeface="Symbol"/>
               <a:buChar char=""/>
             </a:pPr>
             <a:r>
@@ -14918,7 +14699,10 @@
             </a:endParaRPr>
           </a:p>
           <a:p>
-            <a:pPr marL="171360" indent="-171360">
+            <a:pPr marL="271800" indent="-271800">
+              <a:lnSpc>
+                <a:spcPct val="100000"/>
+              </a:lnSpc>
               <a:spcBef>
                 <a:spcPts val="1417"/>
               </a:spcBef>
@@ -14966,7 +14750,10 @@
             </a:endParaRPr>
           </a:p>
           <a:p>
-            <a:pPr lvl="1" marL="864000" indent="-324000">
+            <a:pPr lvl="1" marL="1371240" indent="-514080">
+              <a:lnSpc>
+                <a:spcPct val="100000"/>
+              </a:lnSpc>
               <a:spcBef>
                 <a:spcPts val="1134"/>
               </a:spcBef>
@@ -14974,7 +14761,7 @@
                 <a:srgbClr val="000000"/>
               </a:buClr>
               <a:buSzPct val="75000"/>
-              <a:buFont typeface="Symbol" charset="2"/>
+              <a:buFont typeface="Symbol"/>
               <a:buChar char=""/>
             </a:pPr>
             <a:r>
@@ -14995,7 +14782,10 @@
             </a:endParaRPr>
           </a:p>
           <a:p>
-            <a:pPr marL="171360" indent="-171360">
+            <a:pPr marL="271800" indent="-271800">
+              <a:lnSpc>
+                <a:spcPct val="100000"/>
+              </a:lnSpc>
               <a:spcBef>
                 <a:spcPts val="1417"/>
               </a:spcBef>
@@ -15043,7 +14833,10 @@
             </a:endParaRPr>
           </a:p>
           <a:p>
-            <a:pPr lvl="1" marL="864000" indent="-324000">
+            <a:pPr lvl="1" marL="1371240" indent="-514080">
+              <a:lnSpc>
+                <a:spcPct val="100000"/>
+              </a:lnSpc>
               <a:spcBef>
                 <a:spcPts val="1134"/>
               </a:spcBef>
@@ -15051,7 +14844,7 @@
                 <a:srgbClr val="000000"/>
               </a:buClr>
               <a:buSzPct val="75000"/>
-              <a:buFont typeface="Symbol" charset="2"/>
+              <a:buFont typeface="Symbol"/>
               <a:buChar char=""/>
             </a:pPr>
             <a:r>
@@ -15086,7 +14879,7 @@
         <p:spPr>
           <a:xfrm>
             <a:off x="457200" y="273600"/>
-            <a:ext cx="8228880" cy="1144440"/>
+            <a:ext cx="8228520" cy="1144080"/>
           </a:xfrm>
           <a:prstGeom prst="rect">
             <a:avLst/>
@@ -15142,7 +14935,7 @@
         <p:spPr>
           <a:xfrm>
             <a:off x="8670600" y="6388200"/>
-            <a:ext cx="326520" cy="281880"/>
+            <a:ext cx="326160" cy="281520"/>
           </a:xfrm>
           <a:prstGeom prst="rect">
             <a:avLst/>
@@ -15184,7 +14977,7 @@
                 <a:tab algn="l" pos="0"/>
               </a:tabLst>
             </a:pPr>
-            <a:fld id="{2C804CF6-99F8-46B2-85E3-FE0A672C7A39}" type="slidenum">
+            <a:fld id="{872AD532-5AE2-4F0E-816B-ACC008587436}" type="slidenum">
               <a:rPr b="0" lang="en-US" sz="800" spc="-1" strike="noStrike">
                 <a:solidFill>
                   <a:srgbClr val="595959"/>
@@ -15246,18 +15039,18 @@
         <p:spPr>
           <a:xfrm>
             <a:off x="314640" y="1171080"/>
-            <a:ext cx="3600720" cy="2400840"/>
-          </a:xfrm>
-          <a:prstGeom prst="rect">
-            <a:avLst/>
-          </a:prstGeom>
-          <a:noFill/>
-          <a:ln w="0">
-            <a:noFill/>
-          </a:ln>
-        </p:spPr>
-        <p:txBody>
-          <a:bodyPr anchor="b">
+            <a:ext cx="3600360" cy="2400480"/>
+          </a:xfrm>
+          <a:prstGeom prst="rect">
+            <a:avLst/>
+          </a:prstGeom>
+          <a:noFill/>
+          <a:ln w="0">
+            <a:noFill/>
+          </a:ln>
+        </p:spPr>
+        <p:txBody>
+          <a:bodyPr lIns="0" rIns="0" tIns="0" bIns="0" anchor="b">
             <a:noAutofit/>
           </a:bodyPr>
           <a:p>
@@ -15321,18 +15114,18 @@
         <p:spPr>
           <a:xfrm>
             <a:off x="8670600" y="6388200"/>
-            <a:ext cx="326880" cy="282240"/>
-          </a:xfrm>
-          <a:prstGeom prst="rect">
-            <a:avLst/>
-          </a:prstGeom>
-          <a:noFill/>
-          <a:ln w="0">
-            <a:noFill/>
-          </a:ln>
-        </p:spPr>
-        <p:txBody>
-          <a:bodyPr anchor="ctr">
+            <a:ext cx="326520" cy="281880"/>
+          </a:xfrm>
+          <a:prstGeom prst="rect">
+            <a:avLst/>
+          </a:prstGeom>
+          <a:noFill/>
+          <a:ln w="0">
+            <a:noFill/>
+          </a:ln>
+        </p:spPr>
+        <p:txBody>
+          <a:bodyPr lIns="90000" rIns="90000" tIns="45000" bIns="45000" anchor="ctr">
             <a:noAutofit/>
           </a:bodyPr>
           <a:lstStyle>
@@ -15363,7 +15156,7 @@
                 <a:tab algn="l" pos="0"/>
               </a:tabLst>
             </a:pPr>
-            <a:fld id="{59B3AB86-F604-4333-8511-8B0308E633A9}" type="slidenum">
+            <a:fld id="{87A13C76-4AD8-4A05-B9FC-F6E731AECE6B}" type="slidenum">
               <a:rPr b="0" lang="en-US" sz="800" spc="-1" strike="noStrike">
                 <a:solidFill>
                   <a:srgbClr val="595959"/>
@@ -15425,7 +15218,7 @@
         <p:spPr>
           <a:xfrm>
             <a:off x="316800" y="1452240"/>
-            <a:ext cx="3807000" cy="4552560"/>
+            <a:ext cx="3806640" cy="4552200"/>
           </a:xfrm>
           <a:prstGeom prst="rect">
             <a:avLst/>
@@ -15575,7 +15368,7 @@
         <p:spPr>
           <a:xfrm>
             <a:off x="316800" y="305280"/>
-            <a:ext cx="7131600" cy="878760"/>
+            <a:ext cx="7131240" cy="878400"/>
           </a:xfrm>
           <a:prstGeom prst="rect">
             <a:avLst/>
@@ -15631,7 +15424,7 @@
         <p:spPr>
           <a:xfrm>
             <a:off x="8670600" y="6388200"/>
-            <a:ext cx="326520" cy="281880"/>
+            <a:ext cx="326160" cy="281520"/>
           </a:xfrm>
           <a:prstGeom prst="rect">
             <a:avLst/>
@@ -15673,7 +15466,7 @@
                 <a:tab algn="l" pos="0"/>
               </a:tabLst>
             </a:pPr>
-            <a:fld id="{82487055-0910-4C20-8946-AF88CE52C194}" type="slidenum">
+            <a:fld id="{84900971-8A76-4E67-9A4D-12FD04FEF970}" type="slidenum">
               <a:rPr b="0" lang="en-US" sz="800" spc="-1" strike="noStrike">
                 <a:solidFill>
                   <a:srgbClr val="595959"/>
@@ -15735,7 +15528,7 @@
         <p:spPr>
           <a:xfrm>
             <a:off x="316800" y="305280"/>
-            <a:ext cx="8508600" cy="969840"/>
+            <a:ext cx="8508240" cy="969480"/>
           </a:xfrm>
           <a:prstGeom prst="rect">
             <a:avLst/>
@@ -15766,34 +15559,7 @@
                 </a:solidFill>
                 <a:latin typeface="Arial"/>
               </a:rPr>
-              <a:t>F</a:t>
-            </a:r>
-            <a:r>
-              <a:rPr b="1" lang="en-US" sz="3500" spc="-1" strike="noStrike">
-                <a:solidFill>
-                  <a:srgbClr val="002a5c"/>
-                </a:solidFill>
-                <a:latin typeface="Arial"/>
-              </a:rPr>
-              <a:t>O</a:t>
-            </a:r>
-            <a:r>
-              <a:rPr b="1" lang="en-US" sz="3500" spc="-1" strike="noStrike">
-                <a:solidFill>
-                  <a:srgbClr val="002a5c"/>
-                </a:solidFill>
-                <a:latin typeface="Arial"/>
-              </a:rPr>
-              <a:t>S</a:t>
-            </a:r>
-            <a:r>
-              <a:rPr b="1" lang="en-US" sz="3500" spc="-1" strike="noStrike">
-                <a:solidFill>
-                  <a:srgbClr val="002a5c"/>
-                </a:solidFill>
-                <a:latin typeface="Arial"/>
-              </a:rPr>
-              <a:t>S</a:t>
+              <a:t>FOSS</a:t>
             </a:r>
             <a:r>
               <a:rPr b="1" lang="en-US" sz="3000" spc="-1" strike="noStrike">
@@ -15813,217 +15579,7 @@
                 <a:latin typeface="Arial"/>
                 <a:ea typeface="Arial"/>
               </a:rPr>
-              <a:t>(F</a:t>
-            </a:r>
-            <a:r>
-              <a:rPr b="1" lang="en-US" sz="2400" spc="-1" strike="noStrike">
-                <a:solidFill>
-                  <a:srgbClr val="002a5c"/>
-                </a:solidFill>
-                <a:latin typeface="Arial"/>
-                <a:ea typeface="Arial"/>
-              </a:rPr>
-              <a:t>R</a:t>
-            </a:r>
-            <a:r>
-              <a:rPr b="1" lang="en-US" sz="2400" spc="-1" strike="noStrike">
-                <a:solidFill>
-                  <a:srgbClr val="002a5c"/>
-                </a:solidFill>
-                <a:latin typeface="Arial"/>
-                <a:ea typeface="Arial"/>
-              </a:rPr>
-              <a:t>E</a:t>
-            </a:r>
-            <a:r>
-              <a:rPr b="1" lang="en-US" sz="2400" spc="-1" strike="noStrike">
-                <a:solidFill>
-                  <a:srgbClr val="002a5c"/>
-                </a:solidFill>
-                <a:latin typeface="Arial"/>
-                <a:ea typeface="Arial"/>
-              </a:rPr>
-              <a:t>E </a:t>
-            </a:r>
-            <a:r>
-              <a:rPr b="1" lang="en-US" sz="2400" spc="-1" strike="noStrike">
-                <a:solidFill>
-                  <a:srgbClr val="002a5c"/>
-                </a:solidFill>
-                <a:latin typeface="Arial"/>
-                <a:ea typeface="Arial"/>
-              </a:rPr>
-              <a:t>&amp; </a:t>
-            </a:r>
-            <a:r>
-              <a:rPr b="1" lang="en-US" sz="2400" spc="-1" strike="noStrike">
-                <a:solidFill>
-                  <a:srgbClr val="002a5c"/>
-                </a:solidFill>
-                <a:latin typeface="Arial"/>
-                <a:ea typeface="Arial"/>
-              </a:rPr>
-              <a:t>O</a:t>
-            </a:r>
-            <a:r>
-              <a:rPr b="1" lang="en-US" sz="2400" spc="-1" strike="noStrike">
-                <a:solidFill>
-                  <a:srgbClr val="002a5c"/>
-                </a:solidFill>
-                <a:latin typeface="Arial"/>
-                <a:ea typeface="Arial"/>
-              </a:rPr>
-              <a:t>P</a:t>
-            </a:r>
-            <a:r>
-              <a:rPr b="1" lang="en-US" sz="2400" spc="-1" strike="noStrike">
-                <a:solidFill>
-                  <a:srgbClr val="002a5c"/>
-                </a:solidFill>
-                <a:latin typeface="Arial"/>
-                <a:ea typeface="Arial"/>
-              </a:rPr>
-              <a:t>E</a:t>
-            </a:r>
-            <a:r>
-              <a:rPr b="1" lang="en-US" sz="2400" spc="-1" strike="noStrike">
-                <a:solidFill>
-                  <a:srgbClr val="002a5c"/>
-                </a:solidFill>
-                <a:latin typeface="Arial"/>
-                <a:ea typeface="Arial"/>
-              </a:rPr>
-              <a:t>N </a:t>
-            </a:r>
-            <a:r>
-              <a:rPr b="1" lang="en-US" sz="2400" spc="-1" strike="noStrike">
-                <a:solidFill>
-                  <a:srgbClr val="002a5c"/>
-                </a:solidFill>
-                <a:latin typeface="Arial"/>
-                <a:ea typeface="Arial"/>
-              </a:rPr>
-              <a:t>S</a:t>
-            </a:r>
-            <a:r>
-              <a:rPr b="1" lang="en-US" sz="2400" spc="-1" strike="noStrike">
-                <a:solidFill>
-                  <a:srgbClr val="002a5c"/>
-                </a:solidFill>
-                <a:latin typeface="Arial"/>
-                <a:ea typeface="Arial"/>
-              </a:rPr>
-              <a:t>O</a:t>
-            </a:r>
-            <a:r>
-              <a:rPr b="1" lang="en-US" sz="2400" spc="-1" strike="noStrike">
-                <a:solidFill>
-                  <a:srgbClr val="002a5c"/>
-                </a:solidFill>
-                <a:latin typeface="Arial"/>
-                <a:ea typeface="Arial"/>
-              </a:rPr>
-              <a:t>U</a:t>
-            </a:r>
-            <a:r>
-              <a:rPr b="1" lang="en-US" sz="2400" spc="-1" strike="noStrike">
-                <a:solidFill>
-                  <a:srgbClr val="002a5c"/>
-                </a:solidFill>
-                <a:latin typeface="Arial"/>
-                <a:ea typeface="Arial"/>
-              </a:rPr>
-              <a:t>R</a:t>
-            </a:r>
-            <a:r>
-              <a:rPr b="1" lang="en-US" sz="2400" spc="-1" strike="noStrike">
-                <a:solidFill>
-                  <a:srgbClr val="002a5c"/>
-                </a:solidFill>
-                <a:latin typeface="Arial"/>
-                <a:ea typeface="Arial"/>
-              </a:rPr>
-              <a:t>C</a:t>
-            </a:r>
-            <a:r>
-              <a:rPr b="1" lang="en-US" sz="2400" spc="-1" strike="noStrike">
-                <a:solidFill>
-                  <a:srgbClr val="002a5c"/>
-                </a:solidFill>
-                <a:latin typeface="Arial"/>
-                <a:ea typeface="Arial"/>
-              </a:rPr>
-              <a:t>E </a:t>
-            </a:r>
-            <a:r>
-              <a:rPr b="1" lang="en-US" sz="2400" spc="-1" strike="noStrike">
-                <a:solidFill>
-                  <a:srgbClr val="002a5c"/>
-                </a:solidFill>
-                <a:latin typeface="Arial"/>
-                <a:ea typeface="Arial"/>
-              </a:rPr>
-              <a:t>S</a:t>
-            </a:r>
-            <a:r>
-              <a:rPr b="1" lang="en-US" sz="2400" spc="-1" strike="noStrike">
-                <a:solidFill>
-                  <a:srgbClr val="002a5c"/>
-                </a:solidFill>
-                <a:latin typeface="Arial"/>
-                <a:ea typeface="Arial"/>
-              </a:rPr>
-              <a:t>O</a:t>
-            </a:r>
-            <a:r>
-              <a:rPr b="1" lang="en-US" sz="2400" spc="-1" strike="noStrike">
-                <a:solidFill>
-                  <a:srgbClr val="002a5c"/>
-                </a:solidFill>
-                <a:latin typeface="Arial"/>
-                <a:ea typeface="Arial"/>
-              </a:rPr>
-              <a:t>FT</a:t>
-            </a:r>
-            <a:r>
-              <a:rPr b="1" lang="en-US" sz="2400" spc="-1" strike="noStrike">
-                <a:solidFill>
-                  <a:srgbClr val="002a5c"/>
-                </a:solidFill>
-                <a:latin typeface="Arial"/>
-                <a:ea typeface="Arial"/>
-              </a:rPr>
-              <a:t>W</a:t>
-            </a:r>
-            <a:r>
-              <a:rPr b="1" lang="en-US" sz="2400" spc="-1" strike="noStrike">
-                <a:solidFill>
-                  <a:srgbClr val="002a5c"/>
-                </a:solidFill>
-                <a:latin typeface="Arial"/>
-                <a:ea typeface="Arial"/>
-              </a:rPr>
-              <a:t>A</a:t>
-            </a:r>
-            <a:r>
-              <a:rPr b="1" lang="en-US" sz="2400" spc="-1" strike="noStrike">
-                <a:solidFill>
-                  <a:srgbClr val="002a5c"/>
-                </a:solidFill>
-                <a:latin typeface="Arial"/>
-                <a:ea typeface="Arial"/>
-              </a:rPr>
-              <a:t>R</a:t>
-            </a:r>
-            <a:r>
-              <a:rPr b="1" lang="en-US" sz="2400" spc="-1" strike="noStrike">
-                <a:solidFill>
-                  <a:srgbClr val="002a5c"/>
-                </a:solidFill>
-                <a:latin typeface="Arial"/>
-                <a:ea typeface="Arial"/>
-              </a:rPr>
-              <a:t>E)</a:t>
+              <a:t>(FREE &amp; OPEN SOURCE SOFTWARE)</a:t>
             </a:r>
             <a:endParaRPr b="0" lang="en-GB" sz="2400" spc="-1" strike="noStrike">
               <a:solidFill>
@@ -16047,7 +15603,7 @@
         <p:spPr>
           <a:xfrm>
             <a:off x="316800" y="1452240"/>
-            <a:ext cx="8353440" cy="5304960"/>
+            <a:ext cx="8353080" cy="5304600"/>
           </a:xfrm>
           <a:prstGeom prst="rect">
             <a:avLst/>
@@ -16114,6 +15670,9 @@
           </a:p>
           <a:p>
             <a:pPr lvl="1" marL="864000" indent="-324000">
+              <a:lnSpc>
+                <a:spcPct val="100000"/>
+              </a:lnSpc>
               <a:spcBef>
                 <a:spcPts val="1134"/>
               </a:spcBef>
@@ -16121,7 +15680,7 @@
                 <a:srgbClr val="000000"/>
               </a:buClr>
               <a:buSzPct val="75000"/>
-              <a:buFont typeface="Symbol" charset="2"/>
+              <a:buFont typeface="Symbol"/>
               <a:buChar char=""/>
             </a:pPr>
             <a:r>
@@ -16143,6 +15702,9 @@
           </a:p>
           <a:p>
             <a:pPr lvl="1" marL="864000" indent="-324000">
+              <a:lnSpc>
+                <a:spcPct val="100000"/>
+              </a:lnSpc>
               <a:spcBef>
                 <a:spcPts val="1134"/>
               </a:spcBef>
@@ -16150,7 +15712,7 @@
                 <a:srgbClr val="000000"/>
               </a:buClr>
               <a:buSzPct val="75000"/>
-              <a:buFont typeface="Symbol" charset="2"/>
+              <a:buFont typeface="Symbol"/>
               <a:buChar char=""/>
             </a:pPr>
             <a:r>
@@ -16172,6 +15734,9 @@
           </a:p>
           <a:p>
             <a:pPr lvl="1" marL="864000" indent="-324000">
+              <a:lnSpc>
+                <a:spcPct val="100000"/>
+              </a:lnSpc>
               <a:spcBef>
                 <a:spcPts val="1134"/>
               </a:spcBef>
@@ -16179,7 +15744,7 @@
                 <a:srgbClr val="000000"/>
               </a:buClr>
               <a:buSzPct val="75000"/>
-              <a:buFont typeface="Symbol" charset="2"/>
+              <a:buFont typeface="Symbol"/>
               <a:buChar char=""/>
             </a:pPr>
             <a:r>
@@ -16201,6 +15766,9 @@
           </a:p>
           <a:p>
             <a:pPr lvl="1" marL="864000" indent="-324000">
+              <a:lnSpc>
+                <a:spcPct val="100000"/>
+              </a:lnSpc>
               <a:spcBef>
                 <a:spcPts val="1134"/>
               </a:spcBef>
@@ -16208,7 +15776,7 @@
                 <a:srgbClr val="000000"/>
               </a:buClr>
               <a:buSzPct val="75000"/>
-              <a:buFont typeface="Symbol" charset="2"/>
+              <a:buFont typeface="Symbol"/>
               <a:buChar char=""/>
             </a:pPr>
             <a:r>
@@ -16230,6 +15798,9 @@
           </a:p>
           <a:p>
             <a:pPr marL="171360" indent="-177840">
+              <a:lnSpc>
+                <a:spcPct val="100000"/>
+              </a:lnSpc>
               <a:spcBef>
                 <a:spcPts val="1417"/>
               </a:spcBef>
@@ -16258,6 +15829,9 @@
           </a:p>
           <a:p>
             <a:pPr lvl="1" marL="864000" indent="-324000">
+              <a:lnSpc>
+                <a:spcPct val="100000"/>
+              </a:lnSpc>
               <a:spcBef>
                 <a:spcPts val="1134"/>
               </a:spcBef>
@@ -16265,7 +15839,7 @@
                 <a:srgbClr val="000000"/>
               </a:buClr>
               <a:buSzPct val="75000"/>
-              <a:buFont typeface="Symbol" charset="2"/>
+              <a:buFont typeface="Symbol"/>
               <a:buChar char=""/>
             </a:pPr>
             <a:r>
@@ -16287,6 +15861,9 @@
           </a:p>
           <a:p>
             <a:pPr lvl="1" marL="864000" indent="-324000">
+              <a:lnSpc>
+                <a:spcPct val="100000"/>
+              </a:lnSpc>
               <a:spcBef>
                 <a:spcPts val="1134"/>
               </a:spcBef>
@@ -16294,7 +15871,7 @@
                 <a:srgbClr val="000000"/>
               </a:buClr>
               <a:buSzPct val="75000"/>
-              <a:buFont typeface="Symbol" charset="2"/>
+              <a:buFont typeface="Symbol"/>
               <a:buChar char=""/>
             </a:pPr>
             <a:r>
@@ -16325,7 +15902,7 @@
         <p:spPr>
           <a:xfrm>
             <a:off x="2018880" y="6316200"/>
-            <a:ext cx="6422040" cy="541080"/>
+            <a:ext cx="6421680" cy="540720"/>
           </a:xfrm>
           <a:prstGeom prst="rect">
             <a:avLst/>
@@ -16406,7 +15983,7 @@
         <p:spPr>
           <a:xfrm>
             <a:off x="8670600" y="6388200"/>
-            <a:ext cx="326520" cy="281880"/>
+            <a:ext cx="326160" cy="281520"/>
           </a:xfrm>
           <a:prstGeom prst="rect">
             <a:avLst/>
@@ -16448,7 +16025,7 @@
                 <a:tab algn="l" pos="0"/>
               </a:tabLst>
             </a:pPr>
-            <a:fld id="{02F4D424-44EB-4097-A9AE-B7D5DFCF973D}" type="slidenum">
+            <a:fld id="{68655636-3450-4485-AC8E-2175464FCC3A}" type="slidenum">
               <a:rPr b="0" lang="en-US" sz="800" spc="-1" strike="noStrike">
                 <a:solidFill>
                   <a:srgbClr val="595959"/>
@@ -16480,7 +16057,7 @@
         <p:spPr>
           <a:xfrm>
             <a:off x="7634160" y="4963680"/>
-            <a:ext cx="841680" cy="997200"/>
+            <a:ext cx="841320" cy="996840"/>
           </a:xfrm>
           <a:prstGeom prst="rect">
             <a:avLst/>
@@ -16533,7 +16110,7 @@
         <p:spPr>
           <a:xfrm>
             <a:off x="316800" y="305280"/>
-            <a:ext cx="8508600" cy="969840"/>
+            <a:ext cx="8508240" cy="969480"/>
           </a:xfrm>
           <a:prstGeom prst="rect">
             <a:avLst/>
@@ -16609,7 +16186,7 @@
         <p:spPr>
           <a:xfrm>
             <a:off x="316800" y="1452240"/>
-            <a:ext cx="8353440" cy="4603680"/>
+            <a:ext cx="8353080" cy="4603320"/>
           </a:xfrm>
           <a:prstGeom prst="rect">
             <a:avLst/>
@@ -16707,6 +16284,9 @@
           </a:p>
           <a:p>
             <a:pPr lvl="1" marL="864000" indent="-324000">
+              <a:lnSpc>
+                <a:spcPct val="100000"/>
+              </a:lnSpc>
               <a:spcBef>
                 <a:spcPts val="1134"/>
               </a:spcBef>
@@ -16714,7 +16294,7 @@
                 <a:srgbClr val="000000"/>
               </a:buClr>
               <a:buSzPct val="75000"/>
-              <a:buFont typeface="Symbol" charset="2"/>
+              <a:buFont typeface="Symbol"/>
               <a:buChar char=""/>
             </a:pPr>
             <a:r>
@@ -16736,6 +16316,9 @@
           </a:p>
           <a:p>
             <a:pPr lvl="1" marL="864000" indent="-324000">
+              <a:lnSpc>
+                <a:spcPct val="100000"/>
+              </a:lnSpc>
               <a:spcBef>
                 <a:spcPts val="1134"/>
               </a:spcBef>
@@ -16743,7 +16326,7 @@
                 <a:srgbClr val="000000"/>
               </a:buClr>
               <a:buSzPct val="75000"/>
-              <a:buFont typeface="Symbol" charset="2"/>
+              <a:buFont typeface="Symbol"/>
               <a:buChar char=""/>
             </a:pPr>
             <a:r>
@@ -16774,7 +16357,7 @@
         <p:spPr>
           <a:xfrm>
             <a:off x="2018880" y="6055920"/>
-            <a:ext cx="6422040" cy="541080"/>
+            <a:ext cx="6421680" cy="540720"/>
           </a:xfrm>
           <a:prstGeom prst="rect">
             <a:avLst/>
@@ -16835,7 +16418,7 @@
         <p:spPr>
           <a:xfrm>
             <a:off x="8670600" y="6388200"/>
-            <a:ext cx="326520" cy="281880"/>
+            <a:ext cx="326160" cy="281520"/>
           </a:xfrm>
           <a:prstGeom prst="rect">
             <a:avLst/>
@@ -16877,7 +16460,7 @@
                 <a:tab algn="l" pos="0"/>
               </a:tabLst>
             </a:pPr>
-            <a:fld id="{01C951E0-92B1-47A5-9FAE-D8680B6206D5}" type="slidenum">
+            <a:fld id="{5EEF19AC-AA94-45DD-BB93-AAFFF9FABF7F}" type="slidenum">
               <a:rPr b="0" lang="en-US" sz="800" spc="-1" strike="noStrike">
                 <a:solidFill>
                   <a:srgbClr val="595959"/>
@@ -16909,7 +16492,7 @@
         <p:spPr>
           <a:xfrm>
             <a:off x="5596200" y="3219480"/>
-            <a:ext cx="2666520" cy="2666520"/>
+            <a:ext cx="2666160" cy="2666160"/>
           </a:xfrm>
           <a:prstGeom prst="rect">
             <a:avLst/>
@@ -16962,7 +16545,7 @@
         <p:spPr>
           <a:xfrm>
             <a:off x="457200" y="879480"/>
-            <a:ext cx="8228880" cy="615240"/>
+            <a:ext cx="8228520" cy="614880"/>
           </a:xfrm>
           <a:prstGeom prst="rect">
             <a:avLst/>
@@ -17018,7 +16601,7 @@
         <p:spPr>
           <a:xfrm>
             <a:off x="457200" y="1679400"/>
-            <a:ext cx="8228880" cy="3902040"/>
+            <a:ext cx="8228520" cy="3901680"/>
           </a:xfrm>
           <a:prstGeom prst="rect">
             <a:avLst/>
@@ -17050,7 +16633,7 @@
             </a:endParaRPr>
           </a:p>
           <a:p>
-            <a:pPr marL="171360" indent="-177840">
+            <a:pPr marL="271800" indent="-282240">
               <a:lnSpc>
                 <a:spcPct val="90000"/>
               </a:lnSpc>
@@ -17081,7 +16664,7 @@
             </a:endParaRPr>
           </a:p>
           <a:p>
-            <a:pPr marL="171360" indent="-177840">
+            <a:pPr marL="271800" indent="-282240">
               <a:lnSpc>
                 <a:spcPct val="90000"/>
               </a:lnSpc>
@@ -17102,7 +16685,7 @@
                 <a:latin typeface="Arial"/>
                 <a:ea typeface="Arial"/>
               </a:rPr>
-              <a:t>Results can be significant, as they can improve the collaboration of the open source software movement both technically and socially. </a:t>
+              <a:t>Results can be significant, as they can improve the collaboration of the open source movement and specifically the software movement both technically and socially. </a:t>
             </a:r>
             <a:endParaRPr b="0" lang="en-GB" sz="2800" spc="-1" strike="noStrike">
               <a:solidFill>
@@ -17126,7 +16709,7 @@
         <p:spPr>
           <a:xfrm>
             <a:off x="8670600" y="6388200"/>
-            <a:ext cx="326520" cy="281880"/>
+            <a:ext cx="326160" cy="281520"/>
           </a:xfrm>
           <a:prstGeom prst="rect">
             <a:avLst/>
@@ -17168,7 +16751,7 @@
                 <a:tab algn="l" pos="0"/>
               </a:tabLst>
             </a:pPr>
-            <a:fld id="{AA61D462-2A99-44A1-AA84-940FE246BBB6}" type="slidenum">
+            <a:fld id="{B46FAE5B-12DE-4D63-A2C2-5270C427722B}" type="slidenum">
               <a:rPr b="0" lang="en-US" sz="800" spc="-1" strike="noStrike">
                 <a:solidFill>
                   <a:srgbClr val="595959"/>
@@ -17230,7 +16813,7 @@
         <p:spPr>
           <a:xfrm>
             <a:off x="457200" y="1604520"/>
-            <a:ext cx="8228880" cy="3976920"/>
+            <a:ext cx="8228520" cy="3976560"/>
           </a:xfrm>
           <a:prstGeom prst="rect">
             <a:avLst/>
@@ -17245,7 +16828,7 @@
             <a:noAutofit/>
           </a:bodyPr>
           <a:p>
-            <a:pPr marL="171360" indent="-177840">
+            <a:pPr marL="271800" indent="-282240">
               <a:lnSpc>
                 <a:spcPct val="90000"/>
               </a:lnSpc>
@@ -17294,7 +16877,7 @@
             </a:endParaRPr>
           </a:p>
           <a:p>
-            <a:pPr marL="171360" indent="-177840">
+            <a:pPr marL="271800" indent="-282240">
               <a:lnSpc>
                 <a:spcPct val="90000"/>
               </a:lnSpc>
@@ -17325,7 +16908,7 @@
             </a:endParaRPr>
           </a:p>
           <a:p>
-            <a:pPr marL="171360" indent="-177840">
+            <a:pPr marL="271800" indent="-282240">
               <a:lnSpc>
                 <a:spcPct val="90000"/>
               </a:lnSpc>
@@ -17357,7 +16940,10 @@
             </a:endParaRPr>
           </a:p>
           <a:p>
-            <a:pPr marL="171360" indent="-177840">
+            <a:pPr marL="271800" indent="-282240">
+              <a:lnSpc>
+                <a:spcPct val="100000"/>
+              </a:lnSpc>
               <a:spcBef>
                 <a:spcPts val="1417"/>
               </a:spcBef>
@@ -17396,7 +16982,10 @@
             </a:endParaRPr>
           </a:p>
           <a:p>
-            <a:pPr lvl="1" marL="864000" indent="-324000">
+            <a:pPr lvl="1" marL="1371240" indent="-514080">
+              <a:lnSpc>
+                <a:spcPct val="100000"/>
+              </a:lnSpc>
               <a:spcBef>
                 <a:spcPts val="1134"/>
               </a:spcBef>
@@ -17425,7 +17014,10 @@
             </a:endParaRPr>
           </a:p>
           <a:p>
-            <a:pPr lvl="1" marL="864000" indent="-324000">
+            <a:pPr lvl="1" marL="1371240" indent="-514080">
+              <a:lnSpc>
+                <a:spcPct val="100000"/>
+              </a:lnSpc>
               <a:spcBef>
                 <a:spcPts val="1134"/>
               </a:spcBef>
@@ -17454,7 +17046,10 @@
             </a:endParaRPr>
           </a:p>
           <a:p>
-            <a:pPr lvl="1" marL="864000" indent="-324000">
+            <a:pPr lvl="1" marL="1371240" indent="-514080">
+              <a:lnSpc>
+                <a:spcPct val="100000"/>
+              </a:lnSpc>
               <a:spcBef>
                 <a:spcPts val="1134"/>
               </a:spcBef>
@@ -17497,7 +17092,7 @@
         <p:spPr>
           <a:xfrm>
             <a:off x="457200" y="273600"/>
-            <a:ext cx="8228880" cy="1144440"/>
+            <a:ext cx="8228520" cy="1144080"/>
           </a:xfrm>
           <a:prstGeom prst="rect">
             <a:avLst/>
@@ -17553,7 +17148,7 @@
         <p:spPr>
           <a:xfrm>
             <a:off x="8670600" y="6388200"/>
-            <a:ext cx="326520" cy="281880"/>
+            <a:ext cx="326160" cy="281520"/>
           </a:xfrm>
           <a:prstGeom prst="rect">
             <a:avLst/>
@@ -17595,7 +17190,7 @@
                 <a:tab algn="l" pos="0"/>
               </a:tabLst>
             </a:pPr>
-            <a:fld id="{48C89457-D2D4-4A59-A3F7-A651FA7CEF15}" type="slidenum">
+            <a:fld id="{5822FE5B-4EA5-4949-BD6C-AE25E9C35655}" type="slidenum">
               <a:rPr b="0" lang="en-US" sz="800" spc="-1" strike="noStrike">
                 <a:solidFill>
                   <a:srgbClr val="595959"/>
@@ -17657,7 +17252,7 @@
         <p:spPr>
           <a:xfrm>
             <a:off x="457200" y="1604520"/>
-            <a:ext cx="8228880" cy="3976920"/>
+            <a:ext cx="8228520" cy="3976560"/>
           </a:xfrm>
           <a:prstGeom prst="rect">
             <a:avLst/>
@@ -17672,7 +17267,7 @@
             <a:noAutofit/>
           </a:bodyPr>
           <a:p>
-            <a:pPr marL="171360" indent="-171360">
+            <a:pPr marL="271800" indent="-271800">
               <a:lnSpc>
                 <a:spcPct val="90000"/>
               </a:lnSpc>
@@ -17700,7 +17295,10 @@
             </a:endParaRPr>
           </a:p>
           <a:p>
-            <a:pPr lvl="1" marL="864000" indent="-324000">
+            <a:pPr lvl="1" marL="1371240" indent="-514080">
+              <a:lnSpc>
+                <a:spcPct val="100000"/>
+              </a:lnSpc>
               <a:spcBef>
                 <a:spcPts val="1134"/>
               </a:spcBef>
@@ -17708,7 +17306,7 @@
                 <a:srgbClr val="000000"/>
               </a:buClr>
               <a:buSzPct val="75000"/>
-              <a:buFont typeface="Symbol" charset="2"/>
+              <a:buFont typeface="Symbol"/>
               <a:buChar char=""/>
             </a:pPr>
             <a:r>
@@ -17729,7 +17327,10 @@
             </a:endParaRPr>
           </a:p>
           <a:p>
-            <a:pPr lvl="2" marL="1296000" indent="-288000">
+            <a:pPr lvl="2" marL="2057040" indent="-456840">
+              <a:lnSpc>
+                <a:spcPct val="100000"/>
+              </a:lnSpc>
               <a:spcBef>
                 <a:spcPts val="850"/>
               </a:spcBef>
@@ -17778,7 +17379,10 @@
             </a:endParaRPr>
           </a:p>
           <a:p>
-            <a:pPr lvl="2" marL="1296000" indent="-288000">
+            <a:pPr lvl="2" marL="2057040" indent="-456840">
+              <a:lnSpc>
+                <a:spcPct val="100000"/>
+              </a:lnSpc>
               <a:spcBef>
                 <a:spcPts val="850"/>
               </a:spcBef>
@@ -17827,7 +17431,10 @@
             </a:endParaRPr>
           </a:p>
           <a:p>
-            <a:pPr lvl="2" marL="1296000" indent="-288000">
+            <a:pPr lvl="2" marL="2057040" indent="-456840">
+              <a:lnSpc>
+                <a:spcPct val="100000"/>
+              </a:lnSpc>
               <a:spcBef>
                 <a:spcPts val="850"/>
               </a:spcBef>
@@ -17890,7 +17497,7 @@
         <p:spPr>
           <a:xfrm>
             <a:off x="457200" y="273600"/>
-            <a:ext cx="8228880" cy="1144440"/>
+            <a:ext cx="8228520" cy="1144080"/>
           </a:xfrm>
           <a:prstGeom prst="rect">
             <a:avLst/>
@@ -17922,27 +17529,7 @@
                 <a:latin typeface="Arial"/>
                 <a:ea typeface="Arial"/>
               </a:rPr>
-              <a:t>OUR </a:t>
-            </a:r>
-            <a:r>
-              <a:rPr b="1" lang="en-US" sz="3500" spc="-1" strike="noStrike">
-                <a:solidFill>
-                  <a:srgbClr val="002a5c"/>
-                </a:solidFill>
-                <a:latin typeface="Arial"/>
-                <a:ea typeface="Arial"/>
-              </a:rPr>
-              <a:t>RESEA</a:t>
-            </a:r>
-            <a:r>
-              <a:rPr b="1" lang="en-US" sz="3500" spc="-1" strike="noStrike">
-                <a:solidFill>
-                  <a:srgbClr val="002a5c"/>
-                </a:solidFill>
-                <a:latin typeface="Arial"/>
-                <a:ea typeface="Arial"/>
-              </a:rPr>
-              <a:t>RCH</a:t>
+              <a:t>OUR RESEARCH</a:t>
             </a:r>
             <a:endParaRPr b="0" lang="en-GB" sz="3500" spc="-1" strike="noStrike">
               <a:solidFill>
@@ -17966,7 +17553,7 @@
         <p:spPr>
           <a:xfrm>
             <a:off x="8670600" y="6388200"/>
-            <a:ext cx="326520" cy="281880"/>
+            <a:ext cx="326160" cy="281520"/>
           </a:xfrm>
           <a:prstGeom prst="rect">
             <a:avLst/>
@@ -18008,7 +17595,7 @@
                 <a:tab algn="l" pos="0"/>
               </a:tabLst>
             </a:pPr>
-            <a:fld id="{D0D58659-5173-48ED-A123-EEFBC02439E9}" type="slidenum">
+            <a:fld id="{F4842BB1-5381-40D5-8F60-A98B8F5A3E62}" type="slidenum">
               <a:rPr b="0" lang="en-US" sz="800" spc="-1" strike="noStrike">
                 <a:solidFill>
                   <a:srgbClr val="595959"/>
@@ -18070,7 +17657,7 @@
         <p:spPr>
           <a:xfrm>
             <a:off x="457200" y="1604520"/>
-            <a:ext cx="8569800" cy="4605480"/>
+            <a:ext cx="8569440" cy="4605120"/>
           </a:xfrm>
           <a:prstGeom prst="rect">
             <a:avLst/>
@@ -18085,11 +17672,14 @@
             <a:noAutofit/>
           </a:bodyPr>
           <a:p>
-            <a:pPr marL="432000" indent="0">
+            <a:pPr marL="685440" indent="0">
               <a:lnSpc>
                 <a:spcPct val="90000"/>
               </a:lnSpc>
               <a:buNone/>
+              <a:tabLst>
+                <a:tab algn="l" pos="0"/>
+              </a:tabLst>
             </a:pPr>
             <a:r>
               <a:rPr b="1" lang="en-US" sz="2800" spc="-1" strike="noStrike">
@@ -18109,12 +17699,18 @@
             </a:endParaRPr>
           </a:p>
           <a:p>
-            <a:pPr marL="171360" indent="-171360">
+            <a:pPr marL="271800" indent="-271800">
+              <a:lnSpc>
+                <a:spcPct val="100000"/>
+              </a:lnSpc>
               <a:buClr>
                 <a:srgbClr val="002a5c"/>
               </a:buClr>
               <a:buFont typeface="Arial"/>
               <a:buChar char="•"/>
+              <a:tabLst>
+                <a:tab algn="l" pos="0"/>
+              </a:tabLst>
             </a:pPr>
             <a:r>
               <a:rPr b="0" lang="en-US" sz="2600" spc="-1" strike="noStrike">
@@ -18122,34 +17718,62 @@
                   <a:srgbClr val="002a5c"/>
                 </a:solidFill>
                 <a:latin typeface="Arial"/>
+                <a:ea typeface="Arial"/>
               </a:rPr>
-              <a:t>RQA: </a:t>
-            </a:r>
-            <a:endParaRPr b="0" lang="en-GB" sz="2600" spc="-1" strike="noStrike">
-              <a:solidFill>
-                <a:srgbClr val="000000"/>
-              </a:solidFill>
-              <a:latin typeface="Arial"/>
-            </a:endParaRPr>
-          </a:p>
-          <a:p>
-            <a:pPr lvl="1" marL="864000" indent="-324000">
-              <a:spcBef>
-                <a:spcPts val="1134"/>
-              </a:spcBef>
-              <a:buClr>
-                <a:srgbClr val="000000"/>
-              </a:buClr>
-              <a:buSzPct val="75000"/>
-              <a:buFont typeface="Symbol" charset="2"/>
-              <a:buChar char=""/>
-            </a:pPr>
+              <a:t>RQ</a:t>
+            </a:r>
+            <a:r>
+              <a:rPr b="0" lang="en-US" sz="2600" spc="-1" strike="noStrike" baseline="-8000">
+                <a:solidFill>
+                  <a:srgbClr val="002a5c"/>
+                </a:solidFill>
+                <a:latin typeface="Arial"/>
+                <a:ea typeface="Arial"/>
+              </a:rPr>
+              <a:t>A</a:t>
+            </a:r>
             <a:r>
               <a:rPr b="0" lang="en-US" sz="2600" spc="-1" strike="noStrike">
                 <a:solidFill>
                   <a:srgbClr val="002a5c"/>
                 </a:solidFill>
                 <a:latin typeface="Arial"/>
+                <a:ea typeface="Arial"/>
+              </a:rPr>
+              <a:t>: </a:t>
+            </a:r>
+            <a:endParaRPr b="0" lang="en-GB" sz="2600" spc="-1" strike="noStrike">
+              <a:solidFill>
+                <a:srgbClr val="000000"/>
+              </a:solidFill>
+              <a:latin typeface="Arial"/>
+            </a:endParaRPr>
+          </a:p>
+          <a:p>
+            <a:pPr lvl="1" marL="864000" indent="-324000">
+              <a:lnSpc>
+                <a:spcPct val="100000"/>
+              </a:lnSpc>
+              <a:spcBef>
+                <a:spcPts val="1134"/>
+              </a:spcBef>
+              <a:buClr>
+                <a:srgbClr val="000000"/>
+              </a:buClr>
+              <a:buSzPct val="75000"/>
+              <a:buFont typeface="Wingdings" charset="2"/>
+              <a:buChar char=""/>
+              <a:tabLst>
+                <a:tab algn="l" pos="0"/>
+              </a:tabLst>
+            </a:pPr>
+            <a:r>
+              <a:rPr b="0" lang="en-US" sz="2600" spc="-1" strike="noStrike">
+                <a:solidFill>
+                  <a:srgbClr val="002a5c"/>
+                </a:solidFill>
+                <a:latin typeface="Arial"/>
+                <a:ea typeface="Arial"/>
               </a:rPr>
               <a:t>Use scrapers and scripts to collect licensing information on all literature. </a:t>
             </a:r>
@@ -18161,7 +17785,10 @@
             </a:endParaRPr>
           </a:p>
           <a:p>
-            <a:pPr marL="171360" indent="-171360">
+            <a:pPr marL="271800" indent="-271800">
+              <a:lnSpc>
+                <a:spcPct val="100000"/>
+              </a:lnSpc>
               <a:spcBef>
                 <a:spcPts val="1417"/>
               </a:spcBef>
@@ -18170,6 +17797,9 @@
               </a:buClr>
               <a:buFont typeface="Arial"/>
               <a:buChar char="•"/>
+              <a:tabLst>
+                <a:tab algn="l" pos="0"/>
+              </a:tabLst>
             </a:pPr>
             <a:r>
               <a:rPr b="0" lang="en-US" sz="2600" spc="-1" strike="noStrike">
@@ -18177,34 +17807,62 @@
                   <a:srgbClr val="002a5c"/>
                 </a:solidFill>
                 <a:latin typeface="Arial"/>
+                <a:ea typeface="Arial"/>
               </a:rPr>
-              <a:t>RQB: </a:t>
-            </a:r>
-            <a:endParaRPr b="0" lang="en-GB" sz="2600" spc="-1" strike="noStrike">
-              <a:solidFill>
-                <a:srgbClr val="000000"/>
-              </a:solidFill>
-              <a:latin typeface="Arial"/>
-            </a:endParaRPr>
-          </a:p>
-          <a:p>
-            <a:pPr lvl="1" marL="864000" indent="-324000">
-              <a:spcBef>
-                <a:spcPts val="1134"/>
-              </a:spcBef>
-              <a:buClr>
-                <a:srgbClr val="000000"/>
-              </a:buClr>
-              <a:buSzPct val="75000"/>
-              <a:buFont typeface="Symbol" charset="2"/>
-              <a:buChar char=""/>
-            </a:pPr>
+              <a:t>RQ</a:t>
+            </a:r>
+            <a:r>
+              <a:rPr b="0" lang="en-US" sz="2600" spc="-1" strike="noStrike" baseline="-8000">
+                <a:solidFill>
+                  <a:srgbClr val="002a5c"/>
+                </a:solidFill>
+                <a:latin typeface="Arial"/>
+                <a:ea typeface="Arial"/>
+              </a:rPr>
+              <a:t>B</a:t>
+            </a:r>
             <a:r>
               <a:rPr b="0" lang="en-US" sz="2600" spc="-1" strike="noStrike">
                 <a:solidFill>
                   <a:srgbClr val="002a5c"/>
                 </a:solidFill>
                 <a:latin typeface="Arial"/>
+                <a:ea typeface="Arial"/>
+              </a:rPr>
+              <a:t>: </a:t>
+            </a:r>
+            <a:endParaRPr b="0" lang="en-GB" sz="2600" spc="-1" strike="noStrike">
+              <a:solidFill>
+                <a:srgbClr val="000000"/>
+              </a:solidFill>
+              <a:latin typeface="Arial"/>
+            </a:endParaRPr>
+          </a:p>
+          <a:p>
+            <a:pPr lvl="1" marL="1371240" indent="-514080">
+              <a:lnSpc>
+                <a:spcPct val="100000"/>
+              </a:lnSpc>
+              <a:spcBef>
+                <a:spcPts val="1134"/>
+              </a:spcBef>
+              <a:buClr>
+                <a:srgbClr val="000000"/>
+              </a:buClr>
+              <a:buSzPct val="75000"/>
+              <a:buFont typeface="Wingdings" charset="2"/>
+              <a:buChar char=""/>
+              <a:tabLst>
+                <a:tab algn="l" pos="0"/>
+              </a:tabLst>
+            </a:pPr>
+            <a:r>
+              <a:rPr b="0" lang="en-US" sz="2600" spc="-1" strike="noStrike">
+                <a:solidFill>
+                  <a:srgbClr val="002a5c"/>
+                </a:solidFill>
+                <a:latin typeface="Arial"/>
+                <a:ea typeface="Arial"/>
               </a:rPr>
               <a:t>Read the literature in the OSH journals since 2017 to understand scope and types of applications. </a:t>
             </a:r>
@@ -18216,7 +17874,10 @@
             </a:endParaRPr>
           </a:p>
           <a:p>
-            <a:pPr marL="171360" indent="-171360">
+            <a:pPr marL="271800" indent="-271800">
+              <a:lnSpc>
+                <a:spcPct val="100000"/>
+              </a:lnSpc>
               <a:spcBef>
                 <a:spcPts val="1417"/>
               </a:spcBef>
@@ -18225,6 +17886,9 @@
               </a:buClr>
               <a:buFont typeface="Arial"/>
               <a:buChar char="•"/>
+              <a:tabLst>
+                <a:tab algn="l" pos="0"/>
+              </a:tabLst>
             </a:pPr>
             <a:r>
               <a:rPr b="0" lang="en-US" sz="2600" spc="-1" strike="noStrike">
@@ -18232,34 +17896,62 @@
                   <a:srgbClr val="002a5c"/>
                 </a:solidFill>
                 <a:latin typeface="Arial"/>
+                <a:ea typeface="Arial"/>
               </a:rPr>
-              <a:t>RQC: </a:t>
-            </a:r>
-            <a:endParaRPr b="0" lang="en-GB" sz="2600" spc="-1" strike="noStrike">
-              <a:solidFill>
-                <a:srgbClr val="000000"/>
-              </a:solidFill>
-              <a:latin typeface="Arial"/>
-            </a:endParaRPr>
-          </a:p>
-          <a:p>
-            <a:pPr lvl="1" marL="864000" indent="-324000">
-              <a:spcBef>
-                <a:spcPts val="1134"/>
-              </a:spcBef>
-              <a:buClr>
-                <a:srgbClr val="000000"/>
-              </a:buClr>
-              <a:buSzPct val="75000"/>
-              <a:buFont typeface="Symbol" charset="2"/>
-              <a:buChar char=""/>
-            </a:pPr>
+              <a:t>RQ</a:t>
+            </a:r>
+            <a:r>
+              <a:rPr b="0" lang="en-US" sz="2600" spc="-1" strike="noStrike" baseline="-8000">
+                <a:solidFill>
+                  <a:srgbClr val="002a5c"/>
+                </a:solidFill>
+                <a:latin typeface="Arial"/>
+                <a:ea typeface="Arial"/>
+              </a:rPr>
+              <a:t>C</a:t>
+            </a:r>
             <a:r>
               <a:rPr b="0" lang="en-US" sz="2600" spc="-1" strike="noStrike">
                 <a:solidFill>
                   <a:srgbClr val="002a5c"/>
                 </a:solidFill>
                 <a:latin typeface="Arial"/>
+                <a:ea typeface="Arial"/>
+              </a:rPr>
+              <a:t>: </a:t>
+            </a:r>
+            <a:endParaRPr b="0" lang="en-GB" sz="2600" spc="-1" strike="noStrike">
+              <a:solidFill>
+                <a:srgbClr val="000000"/>
+              </a:solidFill>
+              <a:latin typeface="Arial"/>
+            </a:endParaRPr>
+          </a:p>
+          <a:p>
+            <a:pPr lvl="1" marL="1371240" indent="-514080">
+              <a:lnSpc>
+                <a:spcPct val="100000"/>
+              </a:lnSpc>
+              <a:spcBef>
+                <a:spcPts val="1134"/>
+              </a:spcBef>
+              <a:buClr>
+                <a:srgbClr val="000000"/>
+              </a:buClr>
+              <a:buSzPct val="75000"/>
+              <a:buFont typeface="Wingdings" charset="2"/>
+              <a:buChar char=""/>
+              <a:tabLst>
+                <a:tab algn="l" pos="0"/>
+              </a:tabLst>
+            </a:pPr>
+            <a:r>
+              <a:rPr b="0" lang="en-US" sz="2600" spc="-1" strike="noStrike">
+                <a:solidFill>
+                  <a:srgbClr val="002a5c"/>
+                </a:solidFill>
+                <a:latin typeface="Arial"/>
+                <a:ea typeface="Arial"/>
               </a:rPr>
               <a:t>Look at community platforms and responses</a:t>
             </a:r>
@@ -18285,7 +17977,7 @@
         <p:spPr>
           <a:xfrm>
             <a:off x="457200" y="203760"/>
-            <a:ext cx="8228880" cy="1144440"/>
+            <a:ext cx="8228520" cy="1144080"/>
           </a:xfrm>
           <a:prstGeom prst="rect">
             <a:avLst/>
@@ -18317,157 +18009,7 @@
                 <a:latin typeface="Arial"/>
                 <a:ea typeface="Arial"/>
               </a:rPr>
-              <a:t>S</a:t>
-            </a:r>
-            <a:r>
-              <a:rPr b="1" lang="en-US" sz="3500" spc="-1" strike="noStrike">
-                <a:solidFill>
-                  <a:srgbClr val="002a5c"/>
-                </a:solidFill>
-                <a:latin typeface="Arial"/>
-                <a:ea typeface="Arial"/>
-              </a:rPr>
-              <a:t>T</a:t>
-            </a:r>
-            <a:r>
-              <a:rPr b="1" lang="en-US" sz="3500" spc="-1" strike="noStrike">
-                <a:solidFill>
-                  <a:srgbClr val="002a5c"/>
-                </a:solidFill>
-                <a:latin typeface="Arial"/>
-                <a:ea typeface="Arial"/>
-              </a:rPr>
-              <a:t>U</a:t>
-            </a:r>
-            <a:r>
-              <a:rPr b="1" lang="en-US" sz="3500" spc="-1" strike="noStrike">
-                <a:solidFill>
-                  <a:srgbClr val="002a5c"/>
-                </a:solidFill>
-                <a:latin typeface="Arial"/>
-                <a:ea typeface="Arial"/>
-              </a:rPr>
-              <a:t>D</a:t>
-            </a:r>
-            <a:r>
-              <a:rPr b="1" lang="en-US" sz="3500" spc="-1" strike="noStrike">
-                <a:solidFill>
-                  <a:srgbClr val="002a5c"/>
-                </a:solidFill>
-                <a:latin typeface="Arial"/>
-                <a:ea typeface="Arial"/>
-              </a:rPr>
-              <a:t>Y </a:t>
-            </a:r>
-            <a:r>
-              <a:rPr b="1" lang="en-US" sz="3500" spc="-1" strike="noStrike">
-                <a:solidFill>
-                  <a:srgbClr val="002a5c"/>
-                </a:solidFill>
-                <a:latin typeface="Arial"/>
-                <a:ea typeface="Arial"/>
-              </a:rPr>
-              <a:t>M</a:t>
-            </a:r>
-            <a:r>
-              <a:rPr b="1" lang="en-US" sz="3500" spc="-1" strike="noStrike">
-                <a:solidFill>
-                  <a:srgbClr val="002a5c"/>
-                </a:solidFill>
-                <a:latin typeface="Arial"/>
-                <a:ea typeface="Arial"/>
-              </a:rPr>
-              <a:t>E</a:t>
-            </a:r>
-            <a:r>
-              <a:rPr b="1" lang="en-US" sz="3500" spc="-1" strike="noStrike">
-                <a:solidFill>
-                  <a:srgbClr val="002a5c"/>
-                </a:solidFill>
-                <a:latin typeface="Arial"/>
-                <a:ea typeface="Arial"/>
-              </a:rPr>
-              <a:t>T</a:t>
-            </a:r>
-            <a:r>
-              <a:rPr b="1" lang="en-US" sz="3500" spc="-1" strike="noStrike">
-                <a:solidFill>
-                  <a:srgbClr val="002a5c"/>
-                </a:solidFill>
-                <a:latin typeface="Arial"/>
-                <a:ea typeface="Arial"/>
-              </a:rPr>
-              <a:t>H</a:t>
-            </a:r>
-            <a:r>
-              <a:rPr b="1" lang="en-US" sz="3500" spc="-1" strike="noStrike">
-                <a:solidFill>
-                  <a:srgbClr val="002a5c"/>
-                </a:solidFill>
-                <a:latin typeface="Arial"/>
-                <a:ea typeface="Arial"/>
-              </a:rPr>
-              <a:t>O</a:t>
-            </a:r>
-            <a:r>
-              <a:rPr b="1" lang="en-US" sz="3500" spc="-1" strike="noStrike">
-                <a:solidFill>
-                  <a:srgbClr val="002a5c"/>
-                </a:solidFill>
-                <a:latin typeface="Arial"/>
-                <a:ea typeface="Arial"/>
-              </a:rPr>
-              <a:t>D</a:t>
-            </a:r>
-            <a:r>
-              <a:rPr b="1" lang="en-US" sz="3500" spc="-1" strike="noStrike">
-                <a:solidFill>
-                  <a:srgbClr val="002a5c"/>
-                </a:solidFill>
-                <a:latin typeface="Arial"/>
-                <a:ea typeface="Arial"/>
-              </a:rPr>
-              <a:t>O</a:t>
-            </a:r>
-            <a:r>
-              <a:rPr b="1" lang="en-US" sz="3500" spc="-1" strike="noStrike">
-                <a:solidFill>
-                  <a:srgbClr val="002a5c"/>
-                </a:solidFill>
-                <a:latin typeface="Arial"/>
-                <a:ea typeface="Arial"/>
-              </a:rPr>
-              <a:t>L</a:t>
-            </a:r>
-            <a:r>
-              <a:rPr b="1" lang="en-US" sz="3500" spc="-1" strike="noStrike">
-                <a:solidFill>
-                  <a:srgbClr val="002a5c"/>
-                </a:solidFill>
-                <a:latin typeface="Arial"/>
-                <a:ea typeface="Arial"/>
-              </a:rPr>
-              <a:t>O</a:t>
-            </a:r>
-            <a:r>
-              <a:rPr b="1" lang="en-US" sz="3500" spc="-1" strike="noStrike">
-                <a:solidFill>
-                  <a:srgbClr val="002a5c"/>
-                </a:solidFill>
-                <a:latin typeface="Arial"/>
-                <a:ea typeface="Arial"/>
-              </a:rPr>
-              <a:t>G</a:t>
-            </a:r>
-            <a:r>
-              <a:rPr b="1" lang="en-US" sz="3500" spc="-1" strike="noStrike">
-                <a:solidFill>
-                  <a:srgbClr val="002a5c"/>
-                </a:solidFill>
-                <a:latin typeface="Arial"/>
-                <a:ea typeface="Arial"/>
-              </a:rPr>
-              <a:t>Y</a:t>
+              <a:t>STUDY METHODOLOGY</a:t>
             </a:r>
             <a:endParaRPr b="0" lang="en-GB" sz="3500" spc="-1" strike="noStrike">
               <a:solidFill>
@@ -18491,7 +18033,7 @@
         <p:spPr>
           <a:xfrm>
             <a:off x="8670600" y="6388200"/>
-            <a:ext cx="326520" cy="281880"/>
+            <a:ext cx="326160" cy="281520"/>
           </a:xfrm>
           <a:prstGeom prst="rect">
             <a:avLst/>
@@ -18533,7 +18075,7 @@
                 <a:tab algn="l" pos="0"/>
               </a:tabLst>
             </a:pPr>
-            <a:fld id="{40AD4AE3-B6F7-41AE-A44D-8F36CE901FA2}" type="slidenum">
+            <a:fld id="{E09B2BA0-A1AC-4412-90B2-1F3B8CAA3C0E}" type="slidenum">
               <a:rPr b="0" lang="en-US" sz="800" spc="-1" strike="noStrike">
                 <a:solidFill>
                   <a:srgbClr val="595959"/>
@@ -18595,7 +18137,7 @@
         <p:spPr>
           <a:xfrm>
             <a:off x="538920" y="215280"/>
-            <a:ext cx="8228880" cy="1144440"/>
+            <a:ext cx="8228520" cy="1144080"/>
           </a:xfrm>
           <a:prstGeom prst="rect">
             <a:avLst/>
@@ -18627,117 +18169,7 @@
                 <a:latin typeface="Arial"/>
                 <a:ea typeface="Arial"/>
               </a:rPr>
-              <a:t>S</a:t>
-            </a:r>
-            <a:r>
-              <a:rPr b="1" lang="en-US" sz="3500" spc="-1" strike="noStrike">
-                <a:solidFill>
-                  <a:srgbClr val="002a5c"/>
-                </a:solidFill>
-                <a:latin typeface="Arial"/>
-                <a:ea typeface="Arial"/>
-              </a:rPr>
-              <a:t>L</a:t>
-            </a:r>
-            <a:r>
-              <a:rPr b="1" lang="en-US" sz="3500" spc="-1" strike="noStrike">
-                <a:solidFill>
-                  <a:srgbClr val="002a5c"/>
-                </a:solidFill>
-                <a:latin typeface="Arial"/>
-                <a:ea typeface="Arial"/>
-              </a:rPr>
-              <a:t>R </a:t>
-            </a:r>
-            <a:r>
-              <a:rPr b="1" lang="en-US" sz="3500" spc="-1" strike="noStrike">
-                <a:solidFill>
-                  <a:srgbClr val="002a5c"/>
-                </a:solidFill>
-                <a:latin typeface="Arial"/>
-                <a:ea typeface="Arial"/>
-              </a:rPr>
-              <a:t>P</a:t>
-            </a:r>
-            <a:r>
-              <a:rPr b="1" lang="en-US" sz="3500" spc="-1" strike="noStrike">
-                <a:solidFill>
-                  <a:srgbClr val="002a5c"/>
-                </a:solidFill>
-                <a:latin typeface="Arial"/>
-                <a:ea typeface="Arial"/>
-              </a:rPr>
-              <a:t>r</a:t>
-            </a:r>
-            <a:r>
-              <a:rPr b="1" lang="en-US" sz="3500" spc="-1" strike="noStrike">
-                <a:solidFill>
-                  <a:srgbClr val="002a5c"/>
-                </a:solidFill>
-                <a:latin typeface="Arial"/>
-                <a:ea typeface="Arial"/>
-              </a:rPr>
-              <a:t>o</a:t>
-            </a:r>
-            <a:r>
-              <a:rPr b="1" lang="en-US" sz="3500" spc="-1" strike="noStrike">
-                <a:solidFill>
-                  <a:srgbClr val="002a5c"/>
-                </a:solidFill>
-                <a:latin typeface="Arial"/>
-                <a:ea typeface="Arial"/>
-              </a:rPr>
-              <a:t>c</a:t>
-            </a:r>
-            <a:r>
-              <a:rPr b="1" lang="en-US" sz="3500" spc="-1" strike="noStrike">
-                <a:solidFill>
-                  <a:srgbClr val="002a5c"/>
-                </a:solidFill>
-                <a:latin typeface="Arial"/>
-                <a:ea typeface="Arial"/>
-              </a:rPr>
-              <a:t>e</a:t>
-            </a:r>
-            <a:r>
-              <a:rPr b="1" lang="en-US" sz="3500" spc="-1" strike="noStrike">
-                <a:solidFill>
-                  <a:srgbClr val="002a5c"/>
-                </a:solidFill>
-                <a:latin typeface="Arial"/>
-                <a:ea typeface="Arial"/>
-              </a:rPr>
-              <a:t>d</a:t>
-            </a:r>
-            <a:r>
-              <a:rPr b="1" lang="en-US" sz="3500" spc="-1" strike="noStrike">
-                <a:solidFill>
-                  <a:srgbClr val="002a5c"/>
-                </a:solidFill>
-                <a:latin typeface="Arial"/>
-                <a:ea typeface="Arial"/>
-              </a:rPr>
-              <a:t>u</a:t>
-            </a:r>
-            <a:r>
-              <a:rPr b="1" lang="en-US" sz="3500" spc="-1" strike="noStrike">
-                <a:solidFill>
-                  <a:srgbClr val="002a5c"/>
-                </a:solidFill>
-                <a:latin typeface="Arial"/>
-                <a:ea typeface="Arial"/>
-              </a:rPr>
-              <a:t>r</a:t>
-            </a:r>
-            <a:r>
-              <a:rPr b="1" lang="en-US" sz="3500" spc="-1" strike="noStrike">
-                <a:solidFill>
-                  <a:srgbClr val="002a5c"/>
-                </a:solidFill>
-                <a:latin typeface="Arial"/>
-                <a:ea typeface="Arial"/>
-              </a:rPr>
-              <a:t>e</a:t>
+              <a:t>SLR Procedure</a:t>
             </a:r>
             <a:endParaRPr b="0" lang="en-GB" sz="3500" spc="-1" strike="noStrike">
               <a:solidFill>
@@ -18761,7 +18193,7 @@
         <p:spPr>
           <a:xfrm>
             <a:off x="8670600" y="6388200"/>
-            <a:ext cx="326520" cy="281880"/>
+            <a:ext cx="326160" cy="281520"/>
           </a:xfrm>
           <a:prstGeom prst="rect">
             <a:avLst/>
@@ -18803,7 +18235,7 @@
                 <a:tab algn="l" pos="0"/>
               </a:tabLst>
             </a:pPr>
-            <a:fld id="{F642715A-392A-4B77-85A8-9C7B2371A271}" type="slidenum">
+            <a:fld id="{90B9AE43-76DD-4989-9101-C12714AE0576}" type="slidenum">
               <a:rPr b="0" lang="en-US" sz="800" spc="-1" strike="noStrike">
                 <a:solidFill>
                   <a:srgbClr val="595959"/>
@@ -18831,7 +18263,7 @@
         <p:spPr>
           <a:xfrm>
             <a:off x="779400" y="2148840"/>
-            <a:ext cx="1936800" cy="1046160"/>
+            <a:ext cx="1936440" cy="1045800"/>
           </a:xfrm>
           <a:prstGeom prst="roundRect">
             <a:avLst>
@@ -18855,7 +18287,7 @@
           <a:fontRef idx="minor"/>
         </p:style>
         <p:txBody>
-          <a:bodyPr tIns="91440" bIns="91440" anchor="ctr">
+          <a:bodyPr lIns="90000" rIns="90000" tIns="91440" bIns="91440" anchor="ctr">
             <a:noAutofit/>
           </a:bodyPr>
           <a:p>
@@ -18872,6 +18304,7 @@
                 <a:srgbClr val="000000"/>
               </a:solidFill>
               <a:latin typeface="Arial"/>
+              <a:ea typeface="DejaVu Sans"/>
             </a:endParaRPr>
           </a:p>
         </p:txBody>
@@ -18885,7 +18318,7 @@
         <p:spPr>
           <a:xfrm>
             <a:off x="862560" y="2210040"/>
-            <a:ext cx="1770120" cy="923760"/>
+            <a:ext cx="1769760" cy="923400"/>
           </a:xfrm>
           <a:prstGeom prst="roundRect">
             <a:avLst>
@@ -18909,7 +18342,7 @@
           <a:fontRef idx="minor"/>
         </p:style>
         <p:txBody>
-          <a:bodyPr tIns="91440" bIns="91440" anchor="ctr">
+          <a:bodyPr lIns="90000" rIns="90000" tIns="91440" bIns="91440" anchor="ctr">
             <a:noAutofit/>
           </a:bodyPr>
           <a:p>
@@ -18949,7 +18382,7 @@
         <p:spPr>
           <a:xfrm>
             <a:off x="3340080" y="2148840"/>
-            <a:ext cx="1936800" cy="1046160"/>
+            <a:ext cx="1936440" cy="1045800"/>
           </a:xfrm>
           <a:prstGeom prst="roundRect">
             <a:avLst>
@@ -18973,7 +18406,7 @@
           <a:fontRef idx="minor"/>
         </p:style>
         <p:txBody>
-          <a:bodyPr tIns="91440" bIns="91440" anchor="ctr">
+          <a:bodyPr lIns="90000" rIns="90000" tIns="91440" bIns="91440" anchor="ctr">
             <a:noAutofit/>
           </a:bodyPr>
           <a:p>
@@ -18990,6 +18423,7 @@
                 <a:srgbClr val="000000"/>
               </a:solidFill>
               <a:latin typeface="Arial"/>
+              <a:ea typeface="DejaVu Sans"/>
             </a:endParaRPr>
           </a:p>
         </p:txBody>
@@ -19003,7 +18437,7 @@
         <p:spPr>
           <a:xfrm>
             <a:off x="3423240" y="2210040"/>
-            <a:ext cx="1770120" cy="923760"/>
+            <a:ext cx="1769760" cy="923400"/>
           </a:xfrm>
           <a:prstGeom prst="roundRect">
             <a:avLst>
@@ -19027,7 +18461,7 @@
           <a:fontRef idx="minor"/>
         </p:style>
         <p:txBody>
-          <a:bodyPr tIns="91440" bIns="91440" anchor="ctr">
+          <a:bodyPr lIns="90000" rIns="90000" tIns="91440" bIns="91440" anchor="ctr">
             <a:noAutofit/>
           </a:bodyPr>
           <a:p>
@@ -19067,7 +18501,7 @@
         <p:spPr>
           <a:xfrm>
             <a:off x="5900400" y="2210040"/>
-            <a:ext cx="1936800" cy="1046160"/>
+            <a:ext cx="1936440" cy="1045800"/>
           </a:xfrm>
           <a:prstGeom prst="roundRect">
             <a:avLst>
@@ -19091,7 +18525,7 @@
           <a:fontRef idx="minor"/>
         </p:style>
         <p:txBody>
-          <a:bodyPr tIns="91440" bIns="91440" anchor="ctr">
+          <a:bodyPr lIns="90000" rIns="90000" tIns="91440" bIns="91440" anchor="ctr">
             <a:noAutofit/>
           </a:bodyPr>
           <a:p>
@@ -19108,6 +18542,7 @@
                 <a:srgbClr val="000000"/>
               </a:solidFill>
               <a:latin typeface="Arial"/>
+              <a:ea typeface="DejaVu Sans"/>
             </a:endParaRPr>
           </a:p>
         </p:txBody>
@@ -19121,7 +18556,7 @@
         <p:spPr>
           <a:xfrm>
             <a:off x="5983920" y="2271240"/>
-            <a:ext cx="1770120" cy="923760"/>
+            <a:ext cx="1769760" cy="923400"/>
           </a:xfrm>
           <a:prstGeom prst="roundRect">
             <a:avLst>
@@ -19145,7 +18580,7 @@
           <a:fontRef idx="minor"/>
         </p:style>
         <p:txBody>
-          <a:bodyPr tIns="91440" bIns="91440" anchor="ctr">
+          <a:bodyPr lIns="90000" rIns="90000" tIns="91440" bIns="91440" anchor="ctr">
             <a:noAutofit/>
           </a:bodyPr>
           <a:p>
@@ -19185,7 +18620,7 @@
         <p:spPr>
           <a:xfrm>
             <a:off x="779400" y="3942000"/>
-            <a:ext cx="1936800" cy="1046160"/>
+            <a:ext cx="1936440" cy="1045800"/>
           </a:xfrm>
           <a:prstGeom prst="roundRect">
             <a:avLst>
@@ -19209,7 +18644,7 @@
           <a:fontRef idx="minor"/>
         </p:style>
         <p:txBody>
-          <a:bodyPr tIns="91440" bIns="91440" anchor="ctr">
+          <a:bodyPr lIns="90000" rIns="90000" tIns="91440" bIns="91440" anchor="ctr">
             <a:noAutofit/>
           </a:bodyPr>
           <a:p>
@@ -19226,6 +18661,7 @@
                 <a:srgbClr val="000000"/>
               </a:solidFill>
               <a:latin typeface="Arial"/>
+              <a:ea typeface="DejaVu Sans"/>
             </a:endParaRPr>
           </a:p>
         </p:txBody>
@@ -19239,7 +18675,7 @@
         <p:spPr>
           <a:xfrm>
             <a:off x="862560" y="4003200"/>
-            <a:ext cx="1770120" cy="923760"/>
+            <a:ext cx="1769760" cy="923400"/>
           </a:xfrm>
           <a:prstGeom prst="roundRect">
             <a:avLst>
@@ -19263,7 +18699,7 @@
           <a:fontRef idx="minor"/>
         </p:style>
         <p:txBody>
-          <a:bodyPr tIns="91440" bIns="91440" anchor="ctr">
+          <a:bodyPr lIns="90000" rIns="90000" tIns="91440" bIns="91440" anchor="ctr">
             <a:noAutofit/>
           </a:bodyPr>
           <a:p>
@@ -19313,7 +18749,7 @@
         <p:spPr>
           <a:xfrm>
             <a:off x="3340080" y="3942000"/>
-            <a:ext cx="1936800" cy="1046160"/>
+            <a:ext cx="1936440" cy="1045800"/>
           </a:xfrm>
           <a:prstGeom prst="roundRect">
             <a:avLst>
@@ -19337,7 +18773,7 @@
           <a:fontRef idx="minor"/>
         </p:style>
         <p:txBody>
-          <a:bodyPr tIns="91440" bIns="91440" anchor="ctr">
+          <a:bodyPr lIns="90000" rIns="90000" tIns="91440" bIns="91440" anchor="ctr">
             <a:noAutofit/>
           </a:bodyPr>
           <a:p>
@@ -19354,6 +18790,7 @@
                 <a:srgbClr val="000000"/>
               </a:solidFill>
               <a:latin typeface="Arial"/>
+              <a:ea typeface="DejaVu Sans"/>
             </a:endParaRPr>
           </a:p>
         </p:txBody>
@@ -19367,7 +18804,7 @@
         <p:spPr>
           <a:xfrm>
             <a:off x="3423240" y="4003200"/>
-            <a:ext cx="1770120" cy="923760"/>
+            <a:ext cx="1769760" cy="923400"/>
           </a:xfrm>
           <a:prstGeom prst="roundRect">
             <a:avLst>
@@ -19391,7 +18828,7 @@
           <a:fontRef idx="minor"/>
         </p:style>
         <p:txBody>
-          <a:bodyPr tIns="91440" bIns="91440" anchor="ctr">
+          <a:bodyPr lIns="90000" rIns="90000" tIns="91440" bIns="91440" anchor="ctr">
             <a:noAutofit/>
           </a:bodyPr>
           <a:p>
@@ -19431,7 +18868,7 @@
         <p:spPr>
           <a:xfrm>
             <a:off x="5900400" y="3942000"/>
-            <a:ext cx="1936800" cy="1046160"/>
+            <a:ext cx="1936440" cy="1045800"/>
           </a:xfrm>
           <a:prstGeom prst="roundRect">
             <a:avLst>
@@ -19455,7 +18892,7 @@
           <a:fontRef idx="minor"/>
         </p:style>
         <p:txBody>
-          <a:bodyPr tIns="91440" bIns="91440" anchor="ctr">
+          <a:bodyPr lIns="90000" rIns="90000" tIns="91440" bIns="91440" anchor="ctr">
             <a:noAutofit/>
           </a:bodyPr>
           <a:p>
@@ -19472,6 +18909,7 @@
                 <a:srgbClr val="000000"/>
               </a:solidFill>
               <a:latin typeface="Arial"/>
+              <a:ea typeface="DejaVu Sans"/>
             </a:endParaRPr>
           </a:p>
         </p:txBody>
@@ -19485,7 +18923,7 @@
         <p:spPr>
           <a:xfrm>
             <a:off x="5983920" y="4003200"/>
-            <a:ext cx="1770120" cy="923760"/>
+            <a:ext cx="1769760" cy="923400"/>
           </a:xfrm>
           <a:prstGeom prst="roundRect">
             <a:avLst>
@@ -19509,7 +18947,7 @@
           <a:fontRef idx="minor"/>
         </p:style>
         <p:txBody>
-          <a:bodyPr tIns="91440" bIns="91440" anchor="ctr">
+          <a:bodyPr lIns="90000" rIns="90000" tIns="91440" bIns="91440" anchor="ctr">
             <a:noAutofit/>
           </a:bodyPr>
           <a:p>
@@ -19551,8 +18989,8 @@
         </p:nvCxnSpPr>
         <p:spPr>
           <a:xfrm>
-            <a:off x="1747440" y="3133800"/>
-            <a:ext cx="360" cy="869760"/>
+            <a:off x="1747440" y="3133440"/>
+            <a:ext cx="360" cy="870120"/>
           </a:xfrm>
           <a:prstGeom prst="straightConnector1">
             <a:avLst/>
@@ -19577,8 +19015,8 @@
         </p:nvCxnSpPr>
         <p:spPr>
           <a:xfrm flipV="1">
-            <a:off x="2632680" y="3133800"/>
-            <a:ext cx="1675800" cy="1331640"/>
+            <a:off x="2632320" y="3133440"/>
+            <a:ext cx="1676160" cy="1331640"/>
           </a:xfrm>
           <a:prstGeom prst="straightConnector1">
             <a:avLst/>
@@ -19603,8 +19041,8 @@
         </p:nvCxnSpPr>
         <p:spPr>
           <a:xfrm>
-            <a:off x="4308120" y="3133800"/>
-            <a:ext cx="360" cy="869760"/>
+            <a:off x="4308120" y="3133440"/>
+            <a:ext cx="360" cy="870120"/>
           </a:xfrm>
           <a:prstGeom prst="straightConnector1">
             <a:avLst/>
@@ -19629,8 +19067,8 @@
         </p:nvCxnSpPr>
         <p:spPr>
           <a:xfrm flipV="1">
-            <a:off x="5193360" y="3195000"/>
-            <a:ext cx="1675800" cy="1270440"/>
+            <a:off x="5193000" y="3194640"/>
+            <a:ext cx="1676160" cy="1270440"/>
           </a:xfrm>
           <a:prstGeom prst="straightConnector1">
             <a:avLst/>
@@ -19655,8 +19093,8 @@
         </p:nvCxnSpPr>
         <p:spPr>
           <a:xfrm>
-            <a:off x="6868800" y="3195000"/>
-            <a:ext cx="360" cy="808560"/>
+            <a:off x="6868800" y="3194640"/>
+            <a:ext cx="360" cy="808920"/>
           </a:xfrm>
           <a:prstGeom prst="straightConnector1">
             <a:avLst/>
@@ -19678,8 +19116,8 @@
         </p:nvSpPr>
         <p:spPr>
           <a:xfrm rot="16200000">
-            <a:off x="5360400" y="640080"/>
-            <a:ext cx="545400" cy="2471400"/>
+            <a:off x="5360400" y="640440"/>
+            <a:ext cx="545040" cy="2471040"/>
           </a:xfrm>
           <a:prstGeom prst="rightBrace">
             <a:avLst>
@@ -19702,7 +19140,7 @@
           <a:fontRef idx="minor"/>
         </p:style>
         <p:txBody>
-          <a:bodyPr tIns="91440" bIns="91440" anchor="ctr">
+          <a:bodyPr lIns="90000" rIns="90000" tIns="91440" bIns="91440" anchor="ctr">
             <a:noAutofit/>
           </a:bodyPr>
           <a:p>
@@ -19719,6 +19157,7 @@
                 <a:srgbClr val="000000"/>
               </a:solidFill>
               <a:latin typeface="Arial"/>
+              <a:ea typeface="DejaVu Sans"/>
             </a:endParaRPr>
           </a:p>
         </p:txBody>
@@ -19732,7 +19171,7 @@
         <p:spPr>
           <a:xfrm>
             <a:off x="4587120" y="1202760"/>
-            <a:ext cx="2999520" cy="395640"/>
+            <a:ext cx="2999160" cy="395640"/>
           </a:xfrm>
           <a:prstGeom prst="rect">
             <a:avLst/>
@@ -19749,7 +19188,7 @@
           <a:fontRef idx="minor"/>
         </p:style>
         <p:txBody>
-          <a:bodyPr tIns="91440" bIns="91440" anchor="t">
+          <a:bodyPr lIns="90000" rIns="90000" tIns="91440" bIns="91440" anchor="t">
             <a:spAutoFit/>
           </a:bodyPr>
           <a:p>

--- a/Presentation/presentation_v2.pptx
+++ b/Presentation/presentation_v2.pptx
@@ -388,7 +388,7 @@
             <a:pPr indent="0" algn="r">
               <a:buNone/>
             </a:pPr>
-            <a:fld id="{9D558090-D610-43C0-872F-5622AE0832DB}" type="slidenum">
+            <a:fld id="{9920C7A8-8AE8-4FAF-A7B8-9901F91C131F}" type="slidenum">
               <a:rPr b="0" lang="en-GB" sz="1400" spc="-1" strike="noStrike">
                 <a:solidFill>
                   <a:srgbClr val="000000"/>
@@ -442,7 +442,7 @@
         <p:spPr>
           <a:xfrm>
             <a:off x="1371600" y="1143000"/>
-            <a:ext cx="4113360" cy="3084840"/>
+            <a:ext cx="4113000" cy="3084480"/>
           </a:xfrm>
           <a:prstGeom prst="rect">
             <a:avLst/>
@@ -465,7 +465,7 @@
         <p:spPr>
           <a:xfrm>
             <a:off x="685800" y="4400640"/>
-            <a:ext cx="5484960" cy="3598920"/>
+            <a:ext cx="5484600" cy="3598560"/>
           </a:xfrm>
           <a:prstGeom prst="rect">
             <a:avLst/>
@@ -505,7 +505,7 @@
         <p:spPr>
           <a:xfrm>
             <a:off x="3884760" y="8685360"/>
-            <a:ext cx="2970360" cy="457200"/>
+            <a:ext cx="2970000" cy="456840"/>
           </a:xfrm>
           <a:prstGeom prst="rect">
             <a:avLst/>
@@ -547,7 +547,7 @@
                 <a:tab algn="l" pos="0"/>
               </a:tabLst>
             </a:pPr>
-            <a:fld id="{0AB0E62D-0D5E-4C7D-98A7-262CA8C65159}" type="slidenum">
+            <a:fld id="{DEF62D8E-E747-423B-ABD5-FD56504273D0}" type="slidenum">
               <a:rPr b="0" lang="en-US" sz="1200" spc="-1" strike="noStrike">
                 <a:solidFill>
                   <a:srgbClr val="000000"/>
@@ -601,7 +601,7 @@
         <p:spPr>
           <a:xfrm>
             <a:off x="777240" y="4777560"/>
-            <a:ext cx="6216840" cy="4525200"/>
+            <a:ext cx="6216480" cy="4524840"/>
           </a:xfrm>
           <a:prstGeom prst="rect">
             <a:avLst/>
@@ -717,7 +717,7 @@
         <p:spPr>
           <a:xfrm>
             <a:off x="1371600" y="764280"/>
-            <a:ext cx="5027760" cy="3770640"/>
+            <a:ext cx="5027400" cy="3770280"/>
           </a:xfrm>
           <a:prstGeom prst="rect">
             <a:avLst/>
@@ -783,7 +783,7 @@
         <p:txBody>
           <a:bodyPr/>
           <a:p>
-            <a:fld id="{788D10EC-0036-4F91-B629-9DC68729EDDD}" type="slidenum">
+            <a:fld id="{098EB26A-DB0D-4A82-A777-055CD0FCD90D}" type="slidenum">
               <a:t>&lt;#&gt;</a:t>
             </a:fld>
           </a:p>
@@ -992,7 +992,7 @@
         <p:txBody>
           <a:bodyPr/>
           <a:p>
-            <a:fld id="{A662EB83-03C1-4717-A506-13E703665B24}" type="slidenum">
+            <a:fld id="{8A1E5421-299E-4E24-9B52-37DEE1D2E995}" type="slidenum">
               <a:t>&lt;#&gt;</a:t>
             </a:fld>
           </a:p>
@@ -1287,7 +1287,7 @@
         <p:txBody>
           <a:bodyPr/>
           <a:p>
-            <a:fld id="{5C953C2D-7C5C-43DB-8228-8DBC1310001F}" type="slidenum">
+            <a:fld id="{87D9940C-05F2-48E2-B678-1A7B22681C6F}" type="slidenum">
               <a:t>&lt;#&gt;</a:t>
             </a:fld>
           </a:p>
@@ -1668,7 +1668,7 @@
         <p:txBody>
           <a:bodyPr/>
           <a:p>
-            <a:fld id="{38FD1D3E-1A63-420A-8802-8D620CB3E965}" type="slidenum">
+            <a:fld id="{5316C6C7-1050-45D7-BF2B-0BAF1D2D3C35}" type="slidenum">
               <a:t>&lt;#&gt;</a:t>
             </a:fld>
           </a:p>
@@ -1751,7 +1751,7 @@
         <p:txBody>
           <a:bodyPr/>
           <a:p>
-            <a:fld id="{7F2FB1CE-CE38-4C52-B564-4A1C547DC40B}" type="slidenum">
+            <a:fld id="{E69A15B2-C9AC-4911-9983-7733E21008C2}" type="slidenum">
               <a:t>&lt;#&gt;</a:t>
             </a:fld>
           </a:p>
@@ -1914,7 +1914,7 @@
         <p:txBody>
           <a:bodyPr/>
           <a:p>
-            <a:fld id="{3B8CDC32-A723-47D7-8F20-1338320055E1}" type="slidenum">
+            <a:fld id="{EF9AB137-218E-4F78-840B-A8F44530B6FF}" type="slidenum">
               <a:t>&lt;#&gt;</a:t>
             </a:fld>
           </a:p>
@@ -2080,7 +2080,7 @@
         <p:txBody>
           <a:bodyPr/>
           <a:p>
-            <a:fld id="{E6AA1310-62B9-4552-ADE6-DB3CF824BDA3}" type="slidenum">
+            <a:fld id="{2D30C294-D091-413E-909C-A98874AB0499}" type="slidenum">
               <a:t>&lt;#&gt;</a:t>
             </a:fld>
           </a:p>
@@ -2289,7 +2289,7 @@
         <p:txBody>
           <a:bodyPr/>
           <a:p>
-            <a:fld id="{52C945C3-F949-43F6-970D-771A68C6A9C1}" type="slidenum">
+            <a:fld id="{7CC2F77E-C013-4BB5-92CF-DB2580665D0B}" type="slidenum">
               <a:t>&lt;#&gt;</a:t>
             </a:fld>
           </a:p>
@@ -2412,7 +2412,7 @@
         <p:txBody>
           <a:bodyPr/>
           <a:p>
-            <a:fld id="{0707DB6A-524C-4BA4-B5A6-CC81B5587155}" type="slidenum">
+            <a:fld id="{B2401BB3-3AFC-4CDF-9FDE-675491FF2C99}" type="slidenum">
               <a:t>&lt;#&gt;</a:t>
             </a:fld>
           </a:p>
@@ -2533,7 +2533,7 @@
         <p:txBody>
           <a:bodyPr/>
           <a:p>
-            <a:fld id="{B2340D27-4D09-4055-94B9-0B6380F93DCD}" type="slidenum">
+            <a:fld id="{275618E6-DE2E-4942-83CB-ED87FBF2076E}" type="slidenum">
               <a:t>&lt;#&gt;</a:t>
             </a:fld>
           </a:p>
@@ -2785,7 +2785,7 @@
         <p:txBody>
           <a:bodyPr/>
           <a:p>
-            <a:fld id="{6DF794B5-D710-4A1A-8DE4-480BB89E3919}" type="slidenum">
+            <a:fld id="{25F21F57-86AC-4268-BEF6-FD222F5FC9BA}" type="slidenum">
               <a:t>&lt;#&gt;</a:t>
             </a:fld>
           </a:p>
@@ -2948,7 +2948,7 @@
         <p:txBody>
           <a:bodyPr/>
           <a:p>
-            <a:fld id="{62315AAF-E7CB-4B0D-846D-055EEB3199AB}" type="slidenum">
+            <a:fld id="{CA9EE77C-4401-41E0-A521-DAE4C784D2C4}" type="slidenum">
               <a:t>&lt;#&gt;</a:t>
             </a:fld>
           </a:p>
@@ -3200,7 +3200,7 @@
         <p:txBody>
           <a:bodyPr/>
           <a:p>
-            <a:fld id="{57F1B761-900D-41F3-A804-4230C8F659D8}" type="slidenum">
+            <a:fld id="{7B26D28A-306E-480A-9159-E63ED0EE4F27}" type="slidenum">
               <a:t>&lt;#&gt;</a:t>
             </a:fld>
           </a:p>
@@ -3452,7 +3452,7 @@
         <p:txBody>
           <a:bodyPr/>
           <a:p>
-            <a:fld id="{AE362ADF-314D-437B-B576-FAAE1226F007}" type="slidenum">
+            <a:fld id="{F8683716-27BD-4562-9AC2-977743704004}" type="slidenum">
               <a:t>&lt;#&gt;</a:t>
             </a:fld>
           </a:p>
@@ -3661,7 +3661,7 @@
         <p:txBody>
           <a:bodyPr/>
           <a:p>
-            <a:fld id="{E636DE8C-6DE8-4CF3-86DC-D992A2E1A198}" type="slidenum">
+            <a:fld id="{D6579562-16BF-40C9-970E-6037ADB5A6E2}" type="slidenum">
               <a:t>&lt;#&gt;</a:t>
             </a:fld>
           </a:p>
@@ -3956,7 +3956,7 @@
         <p:txBody>
           <a:bodyPr/>
           <a:p>
-            <a:fld id="{422CDDDB-9604-4FDC-9012-4B8C7BA6BA19}" type="slidenum">
+            <a:fld id="{9217EA1C-5099-4CD6-B226-BF46EED9D151}" type="slidenum">
               <a:t>&lt;#&gt;</a:t>
             </a:fld>
           </a:p>
@@ -4337,7 +4337,7 @@
         <p:txBody>
           <a:bodyPr/>
           <a:p>
-            <a:fld id="{52922166-3796-4462-8AAB-709705422D6D}" type="slidenum">
+            <a:fld id="{856C52C9-8323-4DF3-8111-9125646BD3AB}" type="slidenum">
               <a:t>&lt;#&gt;</a:t>
             </a:fld>
           </a:p>
@@ -4420,7 +4420,7 @@
         <p:txBody>
           <a:bodyPr/>
           <a:p>
-            <a:fld id="{1D2E7658-25FF-4294-80C4-98287917377E}" type="slidenum">
+            <a:fld id="{F91AECDB-1730-48F0-AEB7-173BB223FB95}" type="slidenum">
               <a:t>&lt;#&gt;</a:t>
             </a:fld>
           </a:p>
@@ -4583,7 +4583,7 @@
         <p:txBody>
           <a:bodyPr/>
           <a:p>
-            <a:fld id="{96C3253A-BA68-4E98-9533-2D4C11EA9B2E}" type="slidenum">
+            <a:fld id="{1EE81917-51B7-4274-854B-805EA567838E}" type="slidenum">
               <a:t>&lt;#&gt;</a:t>
             </a:fld>
           </a:p>
@@ -4749,7 +4749,7 @@
         <p:txBody>
           <a:bodyPr/>
           <a:p>
-            <a:fld id="{ED70B1CF-D2AD-42E7-8FE0-BB56A066BC06}" type="slidenum">
+            <a:fld id="{E35C352A-A6AB-4B0C-980A-CBD245852C50}" type="slidenum">
               <a:t>&lt;#&gt;</a:t>
             </a:fld>
           </a:p>
@@ -4958,7 +4958,7 @@
         <p:txBody>
           <a:bodyPr/>
           <a:p>
-            <a:fld id="{D4ECBDD1-E16F-4B98-94BF-781DE6E85738}" type="slidenum">
+            <a:fld id="{4485AEA3-916E-4F49-B1A5-34A2FC2BFC1F}" type="slidenum">
               <a:t>&lt;#&gt;</a:t>
             </a:fld>
           </a:p>
@@ -5081,7 +5081,7 @@
         <p:txBody>
           <a:bodyPr/>
           <a:p>
-            <a:fld id="{8E9E1FB9-694C-4208-B79A-44C2D8CD9EF4}" type="slidenum">
+            <a:fld id="{417BABF5-F373-43B1-B963-04B6172975EF}" type="slidenum">
               <a:t>&lt;#&gt;</a:t>
             </a:fld>
           </a:p>
@@ -5247,7 +5247,7 @@
         <p:txBody>
           <a:bodyPr/>
           <a:p>
-            <a:fld id="{C9E8AA51-F666-4F08-97BE-0551B6CE8E31}" type="slidenum">
+            <a:fld id="{5270242F-011E-4E79-8A66-EB623643CD11}" type="slidenum">
               <a:t>&lt;#&gt;</a:t>
             </a:fld>
           </a:p>
@@ -5368,7 +5368,7 @@
         <p:txBody>
           <a:bodyPr/>
           <a:p>
-            <a:fld id="{1C7E4AC1-9CBB-49B1-ADC3-37F3A52F1299}" type="slidenum">
+            <a:fld id="{961D09C8-8B5D-418C-8CB0-46FA3B5375F6}" type="slidenum">
               <a:t>&lt;#&gt;</a:t>
             </a:fld>
           </a:p>
@@ -5620,7 +5620,7 @@
         <p:txBody>
           <a:bodyPr/>
           <a:p>
-            <a:fld id="{2A8E6F3A-D49D-42C9-B657-6F4EE2C581F7}" type="slidenum">
+            <a:fld id="{6457D53D-ADDB-4132-AAE5-04449FC2D6A0}" type="slidenum">
               <a:t>&lt;#&gt;</a:t>
             </a:fld>
           </a:p>
@@ -5872,7 +5872,7 @@
         <p:txBody>
           <a:bodyPr/>
           <a:p>
-            <a:fld id="{5E201C50-7ABE-41D7-A741-86BF82DE5B43}" type="slidenum">
+            <a:fld id="{65DE8A3A-E86F-475F-912A-35FA4C5F6ACB}" type="slidenum">
               <a:t>&lt;#&gt;</a:t>
             </a:fld>
           </a:p>
@@ -6124,7 +6124,7 @@
         <p:txBody>
           <a:bodyPr/>
           <a:p>
-            <a:fld id="{620110F3-3FD3-4DA5-A04F-154FE103F92A}" type="slidenum">
+            <a:fld id="{BB567310-7F88-4D33-9F59-007974F7A50D}" type="slidenum">
               <a:t>&lt;#&gt;</a:t>
             </a:fld>
           </a:p>
@@ -6333,7 +6333,7 @@
         <p:txBody>
           <a:bodyPr/>
           <a:p>
-            <a:fld id="{0FEC886E-C8A2-45AF-8902-2EF550D0785A}" type="slidenum">
+            <a:fld id="{65A4A6EB-8BA2-44AC-AE72-EA3385E9F3E8}" type="slidenum">
               <a:t>&lt;#&gt;</a:t>
             </a:fld>
           </a:p>
@@ -6628,7 +6628,7 @@
         <p:txBody>
           <a:bodyPr/>
           <a:p>
-            <a:fld id="{54E3BCA3-3A4A-4D87-8AC4-5A167159ADC7}" type="slidenum">
+            <a:fld id="{A9DBAB00-D3DA-4257-9D9D-519D194A461C}" type="slidenum">
               <a:t>&lt;#&gt;</a:t>
             </a:fld>
           </a:p>
@@ -7009,7 +7009,7 @@
         <p:txBody>
           <a:bodyPr/>
           <a:p>
-            <a:fld id="{FC9671AC-EE24-4786-9FCC-4CC5478F8983}" type="slidenum">
+            <a:fld id="{D7DFB67D-3D88-4111-8AE7-974FBEAE1EE6}" type="slidenum">
               <a:t>&lt;#&gt;</a:t>
             </a:fld>
           </a:p>
@@ -7447,7 +7447,7 @@
         <p:txBody>
           <a:bodyPr/>
           <a:p>
-            <a:fld id="{B3E7F3D1-11C7-4005-AC4F-25AE9CA3E059}" type="slidenum">
+            <a:fld id="{D584B679-ADBF-4FB1-96C3-A21672CAA96B}" type="slidenum">
               <a:t>&lt;#&gt;</a:t>
             </a:fld>
           </a:p>
@@ -9115,7 +9115,7 @@
         <p:txBody>
           <a:bodyPr/>
           <a:p>
-            <a:fld id="{30364F51-5F49-4E08-86C0-25B15C416B2F}" type="slidenum">
+            <a:fld id="{42B37493-8EC2-4AEB-992E-61158455253C}" type="slidenum">
               <a:t>&lt;#&gt;</a:t>
             </a:fld>
           </a:p>
@@ -9236,7 +9236,7 @@
         <p:txBody>
           <a:bodyPr/>
           <a:p>
-            <a:fld id="{C8193FC4-7958-43B2-A332-5C89F58F06C5}" type="slidenum">
+            <a:fld id="{DEFFBEFD-4845-4812-999D-276E09D6D8FC}" type="slidenum">
               <a:t>&lt;#&gt;</a:t>
             </a:fld>
           </a:p>
@@ -9488,7 +9488,7 @@
         <p:txBody>
           <a:bodyPr/>
           <a:p>
-            <a:fld id="{A024AF16-418B-4F57-A5D5-A035E62060B1}" type="slidenum">
+            <a:fld id="{F77F8E69-A5DB-4F0E-A18D-D841FA1C20CD}" type="slidenum">
               <a:t>&lt;#&gt;</a:t>
             </a:fld>
           </a:p>
@@ -9740,7 +9740,7 @@
         <p:txBody>
           <a:bodyPr/>
           <a:p>
-            <a:fld id="{58F9DC0E-67CB-4605-823C-DBD8321D7392}" type="slidenum">
+            <a:fld id="{DE952AC5-64C3-4B3D-BEAE-9369D6E64E38}" type="slidenum">
               <a:t>&lt;#&gt;</a:t>
             </a:fld>
           </a:p>
@@ -9992,7 +9992,7 @@
         <p:txBody>
           <a:bodyPr/>
           <a:p>
-            <a:fld id="{C28435E0-4EB8-409B-A344-5A6A2226D2E0}" type="slidenum">
+            <a:fld id="{8ACB9E6E-549B-4FF1-9D99-836F745CA5DD}" type="slidenum">
               <a:t>&lt;#&gt;</a:t>
             </a:fld>
           </a:p>
@@ -10057,7 +10057,7 @@
         <p:spPr>
           <a:xfrm>
             <a:off x="8574480" y="6409800"/>
-            <a:ext cx="1440" cy="168120"/>
+            <a:ext cx="1800" cy="168480"/>
           </a:xfrm>
           <a:prstGeom prst="straightConnector1">
             <a:avLst/>
@@ -10083,7 +10083,7 @@
         <p:spPr>
           <a:xfrm>
             <a:off x="316800" y="6202440"/>
-            <a:ext cx="1211400" cy="433440"/>
+            <a:ext cx="1211040" cy="433080"/>
           </a:xfrm>
           <a:prstGeom prst="rect">
             <a:avLst/>
@@ -10131,7 +10131,16 @@
                 </a:solidFill>
                 <a:latin typeface="Arial"/>
               </a:rPr>
-              <a:t>Click to edit the title text format</a:t>
+              <a:t>Click to edit the </a:t>
+            </a:r>
+            <a:r>
+              <a:rPr b="0" lang="en-GB" sz="1800" spc="-1" strike="noStrike">
+                <a:solidFill>
+                  <a:srgbClr val="000000"/>
+                </a:solidFill>
+                <a:latin typeface="Arial"/>
+              </a:rPr>
+              <a:t>title text format</a:t>
             </a:r>
             <a:endParaRPr b="0" lang="en-GB" sz="1800" spc="-1" strike="noStrike">
               <a:solidFill>
@@ -10155,7 +10164,7 @@
         <p:spPr>
           <a:xfrm>
             <a:off x="2845800" y="6388200"/>
-            <a:ext cx="3450960" cy="281520"/>
+            <a:ext cx="3450600" cy="281160"/>
           </a:xfrm>
           <a:prstGeom prst="rect">
             <a:avLst/>
@@ -10203,7 +10212,7 @@
                 </a:solidFill>
                 <a:latin typeface="Times New Roman"/>
               </a:rPr>
-              <a:t> </a:t>
+              <a:t>&lt;footer&gt;</a:t>
             </a:r>
             <a:endParaRPr b="0" lang="en-GB" sz="1400" spc="-1" strike="noStrike">
               <a:solidFill>
@@ -10227,7 +10236,7 @@
         <p:spPr>
           <a:xfrm>
             <a:off x="8670600" y="6388200"/>
-            <a:ext cx="326160" cy="281520"/>
+            <a:ext cx="325800" cy="281160"/>
           </a:xfrm>
           <a:prstGeom prst="rect">
             <a:avLst/>
@@ -10269,7 +10278,7 @@
                 <a:tab algn="l" pos="0"/>
               </a:tabLst>
             </a:pPr>
-            <a:fld id="{FA23171D-7F62-4E54-806B-69EF61B5268D}" type="slidenum">
+            <a:fld id="{84776A0E-B0F7-4054-AF23-1D1360DAAC4E}" type="slidenum">
               <a:rPr b="0" lang="en-US" sz="800" spc="-1" strike="noStrike">
                 <a:solidFill>
                   <a:srgbClr val="595959"/>
@@ -10277,7 +10286,7 @@
                 <a:latin typeface="Arial"/>
                 <a:ea typeface="Arial"/>
               </a:rPr>
-              <a:t>8</a:t>
+              <a:t>&lt;number&gt;</a:t>
             </a:fld>
             <a:endParaRPr b="0" lang="en-GB" sz="800" spc="-1" strike="noStrike">
               <a:solidFill>
@@ -10301,7 +10310,7 @@
         <p:spPr>
           <a:xfrm>
             <a:off x="1891080" y="6388200"/>
-            <a:ext cx="793440" cy="281520"/>
+            <a:ext cx="793080" cy="281160"/>
           </a:xfrm>
           <a:prstGeom prst="rect">
             <a:avLst/>
@@ -10337,7 +10346,7 @@
                 </a:solidFill>
                 <a:latin typeface="Times New Roman"/>
               </a:rPr>
-              <a:t> </a:t>
+              <a:t>&lt;date/time&gt;</a:t>
             </a:r>
             <a:endParaRPr b="0" lang="en-GB" sz="1400" spc="-1" strike="noStrike">
               <a:solidFill>
@@ -10626,7 +10635,7 @@
         <p:spPr>
           <a:xfrm>
             <a:off x="8574480" y="6409800"/>
-            <a:ext cx="1440" cy="168120"/>
+            <a:ext cx="1800" cy="168480"/>
           </a:xfrm>
           <a:prstGeom prst="straightConnector1">
             <a:avLst/>
@@ -10652,7 +10661,7 @@
         <p:spPr>
           <a:xfrm>
             <a:off x="316800" y="6202440"/>
-            <a:ext cx="1211400" cy="433440"/>
+            <a:ext cx="1211040" cy="433080"/>
           </a:xfrm>
           <a:prstGeom prst="rect">
             <a:avLst/>
@@ -10675,7 +10684,7 @@
         <p:spPr>
           <a:xfrm>
             <a:off x="2845800" y="6388200"/>
-            <a:ext cx="3450960" cy="281520"/>
+            <a:ext cx="3450600" cy="281160"/>
           </a:xfrm>
           <a:prstGeom prst="rect">
             <a:avLst/>
@@ -10747,7 +10756,7 @@
         <p:spPr>
           <a:xfrm>
             <a:off x="8670600" y="6388200"/>
-            <a:ext cx="326160" cy="281520"/>
+            <a:ext cx="325800" cy="281160"/>
           </a:xfrm>
           <a:prstGeom prst="rect">
             <a:avLst/>
@@ -10789,7 +10798,7 @@
                 <a:tab algn="l" pos="0"/>
               </a:tabLst>
             </a:pPr>
-            <a:fld id="{C977F663-2DC8-4362-8C28-58D0168EFFB6}" type="slidenum">
+            <a:fld id="{EA034C83-5201-44B9-A222-9115D8BD8F35}" type="slidenum">
               <a:rPr b="0" lang="en-US" sz="800" spc="-1" strike="noStrike">
                 <a:solidFill>
                   <a:srgbClr val="595959"/>
@@ -10821,7 +10830,7 @@
         <p:spPr>
           <a:xfrm>
             <a:off x="1891080" y="6388200"/>
-            <a:ext cx="793440" cy="281520"/>
+            <a:ext cx="793080" cy="281160"/>
           </a:xfrm>
           <a:prstGeom prst="rect">
             <a:avLst/>
@@ -11195,7 +11204,7 @@
         <p:spPr>
           <a:xfrm>
             <a:off x="8574480" y="6409800"/>
-            <a:ext cx="1440" cy="168120"/>
+            <a:ext cx="1800" cy="168480"/>
           </a:xfrm>
           <a:prstGeom prst="straightConnector1">
             <a:avLst/>
@@ -11221,7 +11230,7 @@
         <p:spPr>
           <a:xfrm>
             <a:off x="316800" y="6202440"/>
-            <a:ext cx="1211400" cy="433440"/>
+            <a:ext cx="1211040" cy="433080"/>
           </a:xfrm>
           <a:prstGeom prst="rect">
             <a:avLst/>
@@ -11244,7 +11253,7 @@
         <p:spPr>
           <a:xfrm>
             <a:off x="2845800" y="6388200"/>
-            <a:ext cx="3450960" cy="281520"/>
+            <a:ext cx="3450600" cy="281160"/>
           </a:xfrm>
           <a:prstGeom prst="rect">
             <a:avLst/>
@@ -11316,7 +11325,7 @@
         <p:spPr>
           <a:xfrm>
             <a:off x="8670600" y="6388200"/>
-            <a:ext cx="326160" cy="281520"/>
+            <a:ext cx="325800" cy="281160"/>
           </a:xfrm>
           <a:prstGeom prst="rect">
             <a:avLst/>
@@ -11358,7 +11367,7 @@
                 <a:tab algn="l" pos="0"/>
               </a:tabLst>
             </a:pPr>
-            <a:fld id="{B25D773A-7977-43DA-BE09-CF46F7A21F68}" type="slidenum">
+            <a:fld id="{E73C2024-F029-4D7B-96DD-37F6C2B68C98}" type="slidenum">
               <a:rPr b="0" lang="en-US" sz="800" spc="-1" strike="noStrike">
                 <a:solidFill>
                   <a:srgbClr val="595959"/>
@@ -11390,7 +11399,7 @@
         <p:spPr>
           <a:xfrm>
             <a:off x="1891080" y="6388200"/>
-            <a:ext cx="793440" cy="281520"/>
+            <a:ext cx="793080" cy="281160"/>
           </a:xfrm>
           <a:prstGeom prst="rect">
             <a:avLst/>
@@ -11764,7 +11773,7 @@
         <p:spPr>
           <a:xfrm>
             <a:off x="8574480" y="6409800"/>
-            <a:ext cx="1080" cy="167760"/>
+            <a:ext cx="1440" cy="168120"/>
           </a:xfrm>
           <a:prstGeom prst="straightConnector1">
             <a:avLst/>
@@ -11790,7 +11799,7 @@
         <p:spPr>
           <a:xfrm>
             <a:off x="316800" y="6202440"/>
-            <a:ext cx="1211760" cy="433800"/>
+            <a:ext cx="1211400" cy="433440"/>
           </a:xfrm>
           <a:prstGeom prst="rect">
             <a:avLst/>
@@ -11813,7 +11822,7 @@
         <p:spPr>
           <a:xfrm>
             <a:off x="0" y="0"/>
-            <a:ext cx="9142920" cy="6856920"/>
+            <a:ext cx="9142560" cy="6856560"/>
           </a:xfrm>
           <a:prstGeom prst="rect">
             <a:avLst/>
@@ -11836,7 +11845,7 @@
         <p:spPr>
           <a:xfrm>
             <a:off x="408240" y="5543640"/>
-            <a:ext cx="2123280" cy="761040"/>
+            <a:ext cx="2122920" cy="760680"/>
           </a:xfrm>
           <a:prstGeom prst="rect">
             <a:avLst/>
@@ -12170,7 +12179,7 @@
         <p:spPr>
           <a:xfrm>
             <a:off x="540000" y="360000"/>
-            <a:ext cx="8228520" cy="1530000"/>
+            <a:ext cx="8228160" cy="1529640"/>
           </a:xfrm>
           <a:prstGeom prst="rect">
             <a:avLst/>
@@ -12222,7 +12231,7 @@
         <p:spPr>
           <a:xfrm>
             <a:off x="540000" y="1999440"/>
-            <a:ext cx="7266600" cy="2810880"/>
+            <a:ext cx="7266240" cy="2810520"/>
           </a:xfrm>
           <a:prstGeom prst="rect">
             <a:avLst/>
@@ -12440,7 +12449,7 @@
         <p:spPr>
           <a:xfrm>
             <a:off x="4699080" y="3312000"/>
-            <a:ext cx="4096800" cy="3558960"/>
+            <a:ext cx="4096440" cy="3558600"/>
           </a:xfrm>
           <a:prstGeom prst="rect">
             <a:avLst/>
@@ -12463,7 +12472,7 @@
         <p:spPr>
           <a:xfrm>
             <a:off x="8670600" y="6388200"/>
-            <a:ext cx="326160" cy="281520"/>
+            <a:ext cx="325800" cy="281160"/>
           </a:xfrm>
           <a:prstGeom prst="rect">
             <a:avLst/>
@@ -12505,7 +12514,7 @@
                 <a:tab algn="l" pos="0"/>
               </a:tabLst>
             </a:pPr>
-            <a:fld id="{51B25CC2-AFAA-40C4-8CC9-5FB8F563414C}" type="slidenum">
+            <a:fld id="{747FDE37-98E8-4CB5-83E8-1CE2ACB175F9}" type="slidenum">
               <a:rPr b="0" lang="en-US" sz="800" spc="-1" strike="noStrike">
                 <a:solidFill>
                   <a:srgbClr val="595959"/>
@@ -12538,7 +12547,7 @@
 </file>
 
 <file path=ppt/slides/slide10.xml><?xml version="1.0" encoding="utf-8"?>
-<p:sld xmlns:a="http://schemas.openxmlformats.org/drawingml/2006/main" xmlns:p="http://schemas.openxmlformats.org/presentationml/2006/main" xmlns:r="http://schemas.openxmlformats.org/officeDocument/2006/relationships" xmlns:p14="http://schemas.microsoft.com/office/powerpoint/2010/main" xmlns:p15="http://schemas.microsoft.com/office/powerpoint/2012/main" xmlns:mc="http://schemas.openxmlformats.org/markup-compatibility/2006">
+<p:sld xmlns:a="http://schemas.openxmlformats.org/drawingml/2006/main" xmlns:p="http://schemas.openxmlformats.org/presentationml/2006/main" xmlns:r="http://schemas.openxmlformats.org/officeDocument/2006/relationships" xmlns:p14="http://schemas.microsoft.com/office/powerpoint/2010/main" xmlns:p15="http://schemas.microsoft.com/office/powerpoint/2012/main" xmlns:mc="http://schemas.openxmlformats.org/markup-compatibility/2006" show="0">
   <p:cSld>
     <p:spTree>
       <p:nvGrpSpPr>
@@ -12567,7 +12576,7 @@
         <p:spPr>
           <a:xfrm>
             <a:off x="630000" y="215280"/>
-            <a:ext cx="8228520" cy="1144080"/>
+            <a:ext cx="8228160" cy="1143720"/>
           </a:xfrm>
           <a:prstGeom prst="rect">
             <a:avLst/>
@@ -12623,7 +12632,7 @@
         <p:spPr>
           <a:xfrm>
             <a:off x="8670600" y="6388200"/>
-            <a:ext cx="326160" cy="281520"/>
+            <a:ext cx="325800" cy="281160"/>
           </a:xfrm>
           <a:prstGeom prst="rect">
             <a:avLst/>
@@ -12665,7 +12674,7 @@
                 <a:tab algn="l" pos="0"/>
               </a:tabLst>
             </a:pPr>
-            <a:fld id="{A9B4C4D0-9553-4D89-96B8-D90ED37E9BDD}" type="slidenum">
+            <a:fld id="{20A063DD-BCC0-4962-B4D1-BFB34C05EF02}" type="slidenum">
               <a:rPr b="0" lang="en-US" sz="800" spc="-1" strike="noStrike">
                 <a:solidFill>
                   <a:srgbClr val="595959"/>
@@ -12673,7 +12682,7 @@
                 <a:latin typeface="Arial"/>
                 <a:ea typeface="Arial"/>
               </a:rPr>
-              <a:t>5</a:t>
+              <a:t>&lt;number&gt;</a:t>
             </a:fld>
             <a:endParaRPr b="0" lang="en-GB" sz="800" spc="-1" strike="noStrike">
               <a:solidFill>
@@ -12693,7 +12702,7 @@
         <p:spPr>
           <a:xfrm>
             <a:off x="630000" y="2052360"/>
-            <a:ext cx="8039880" cy="399600"/>
+            <a:ext cx="8039520" cy="399240"/>
           </a:xfrm>
           <a:prstGeom prst="rect">
             <a:avLst/>
@@ -13006,8 +13015,8 @@
         </p:nvSpPr>
         <p:spPr>
           <a:xfrm>
-            <a:off x="847080" y="4463280"/>
-            <a:ext cx="7178400" cy="410760"/>
+            <a:off x="847080" y="4462920"/>
+            <a:ext cx="7178040" cy="410760"/>
           </a:xfrm>
           <a:prstGeom prst="rect">
             <a:avLst/>
@@ -13098,7 +13107,7 @@
         <p:spPr>
           <a:xfrm>
             <a:off x="8670600" y="6388200"/>
-            <a:ext cx="326160" cy="281520"/>
+            <a:ext cx="325800" cy="281160"/>
           </a:xfrm>
           <a:prstGeom prst="rect">
             <a:avLst/>
@@ -13140,7 +13149,7 @@
                 <a:tab algn="l" pos="0"/>
               </a:tabLst>
             </a:pPr>
-            <a:fld id="{F1182967-4CC4-4C20-9325-00845D0806B3}" type="slidenum">
+            <a:fld id="{6F97F469-9DD5-48AB-9758-F4838A135DEF}" type="slidenum">
               <a:rPr b="0" lang="en-US" sz="800" spc="-1" strike="noStrike">
                 <a:solidFill>
                   <a:srgbClr val="595959"/>
@@ -13148,7 +13157,7 @@
                 <a:latin typeface="Arial"/>
                 <a:ea typeface="Arial"/>
               </a:rPr>
-              <a:t>5</a:t>
+              <a:t>&lt;number&gt;</a:t>
             </a:fld>
             <a:endParaRPr b="0" lang="en-GB" sz="800" spc="-1" strike="noStrike">
               <a:solidFill>
@@ -13168,7 +13177,7 @@
         <p:spPr>
           <a:xfrm>
             <a:off x="630000" y="2052360"/>
-            <a:ext cx="8039880" cy="399600"/>
+            <a:ext cx="8039520" cy="399240"/>
           </a:xfrm>
           <a:prstGeom prst="rect">
             <a:avLst/>
@@ -14512,8 +14521,8 @@
         </p:nvSpPr>
         <p:spPr>
           <a:xfrm>
-            <a:off x="829440" y="5673960"/>
-            <a:ext cx="7178400" cy="410760"/>
+            <a:off x="829440" y="5673600"/>
+            <a:ext cx="7178040" cy="410760"/>
           </a:xfrm>
           <a:prstGeom prst="rect">
             <a:avLst/>
@@ -14604,7 +14613,7 @@
         <p:spPr>
           <a:xfrm>
             <a:off x="457200" y="1604520"/>
-            <a:ext cx="8228520" cy="3976560"/>
+            <a:ext cx="8228160" cy="3976200"/>
           </a:xfrm>
           <a:prstGeom prst="rect">
             <a:avLst/>
@@ -14879,7 +14888,7 @@
         <p:spPr>
           <a:xfrm>
             <a:off x="457200" y="273600"/>
-            <a:ext cx="8228520" cy="1144080"/>
+            <a:ext cx="8228160" cy="1143720"/>
           </a:xfrm>
           <a:prstGeom prst="rect">
             <a:avLst/>
@@ -14935,7 +14944,7 @@
         <p:spPr>
           <a:xfrm>
             <a:off x="8670600" y="6388200"/>
-            <a:ext cx="326160" cy="281520"/>
+            <a:ext cx="325800" cy="281160"/>
           </a:xfrm>
           <a:prstGeom prst="rect">
             <a:avLst/>
@@ -14977,7 +14986,7 @@
                 <a:tab algn="l" pos="0"/>
               </a:tabLst>
             </a:pPr>
-            <a:fld id="{872AD532-5AE2-4F0E-816B-ACC008587436}" type="slidenum">
+            <a:fld id="{B7C6E2D0-59BF-40C4-B7B1-4FBF4037E8BD}" type="slidenum">
               <a:rPr b="0" lang="en-US" sz="800" spc="-1" strike="noStrike">
                 <a:solidFill>
                   <a:srgbClr val="595959"/>
@@ -14985,7 +14994,7 @@
                 <a:latin typeface="Arial"/>
                 <a:ea typeface="Arial"/>
               </a:rPr>
-              <a:t>5</a:t>
+              <a:t>&lt;number&gt;</a:t>
             </a:fld>
             <a:endParaRPr b="0" lang="en-GB" sz="800" spc="-1" strike="noStrike">
               <a:solidFill>
@@ -15039,7 +15048,7 @@
         <p:spPr>
           <a:xfrm>
             <a:off x="314640" y="1171080"/>
-            <a:ext cx="3600360" cy="2400480"/>
+            <a:ext cx="3600000" cy="2400120"/>
           </a:xfrm>
           <a:prstGeom prst="rect">
             <a:avLst/>
@@ -15114,7 +15123,7 @@
         <p:spPr>
           <a:xfrm>
             <a:off x="8670600" y="6388200"/>
-            <a:ext cx="326520" cy="281880"/>
+            <a:ext cx="326160" cy="281520"/>
           </a:xfrm>
           <a:prstGeom prst="rect">
             <a:avLst/>
@@ -15156,7 +15165,7 @@
                 <a:tab algn="l" pos="0"/>
               </a:tabLst>
             </a:pPr>
-            <a:fld id="{87A13C76-4AD8-4A05-B9FC-F6E731AECE6B}" type="slidenum">
+            <a:fld id="{EE44D644-D968-4CFE-9D66-485576D2CB99}" type="slidenum">
               <a:rPr b="0" lang="en-US" sz="800" spc="-1" strike="noStrike">
                 <a:solidFill>
                   <a:srgbClr val="595959"/>
@@ -15218,7 +15227,7 @@
         <p:spPr>
           <a:xfrm>
             <a:off x="316800" y="1452240"/>
-            <a:ext cx="3806640" cy="4552200"/>
+            <a:ext cx="3806280" cy="4551840"/>
           </a:xfrm>
           <a:prstGeom prst="rect">
             <a:avLst/>
@@ -15368,7 +15377,7 @@
         <p:spPr>
           <a:xfrm>
             <a:off x="316800" y="305280"/>
-            <a:ext cx="7131240" cy="878400"/>
+            <a:ext cx="7130880" cy="878040"/>
           </a:xfrm>
           <a:prstGeom prst="rect">
             <a:avLst/>
@@ -15424,7 +15433,7 @@
         <p:spPr>
           <a:xfrm>
             <a:off x="8670600" y="6388200"/>
-            <a:ext cx="326160" cy="281520"/>
+            <a:ext cx="325800" cy="281160"/>
           </a:xfrm>
           <a:prstGeom prst="rect">
             <a:avLst/>
@@ -15466,7 +15475,7 @@
                 <a:tab algn="l" pos="0"/>
               </a:tabLst>
             </a:pPr>
-            <a:fld id="{84900971-8A76-4E67-9A4D-12FD04FEF970}" type="slidenum">
+            <a:fld id="{E6BFAB4C-D9F9-48FD-A995-96539FE1C10A}" type="slidenum">
               <a:rPr b="0" lang="en-US" sz="800" spc="-1" strike="noStrike">
                 <a:solidFill>
                   <a:srgbClr val="595959"/>
@@ -15528,7 +15537,7 @@
         <p:spPr>
           <a:xfrm>
             <a:off x="316800" y="305280"/>
-            <a:ext cx="8508240" cy="969480"/>
+            <a:ext cx="8507880" cy="969120"/>
           </a:xfrm>
           <a:prstGeom prst="rect">
             <a:avLst/>
@@ -15603,7 +15612,7 @@
         <p:spPr>
           <a:xfrm>
             <a:off x="316800" y="1452240"/>
-            <a:ext cx="8353080" cy="5304600"/>
+            <a:ext cx="8352720" cy="5304240"/>
           </a:xfrm>
           <a:prstGeom prst="rect">
             <a:avLst/>
@@ -15691,7 +15700,7 @@
                 <a:latin typeface="Arial"/>
                 <a:ea typeface="Arial"/>
               </a:rPr>
-              <a:t>run the program</a:t>
+              <a:t>Run the program</a:t>
             </a:r>
             <a:endParaRPr b="0" lang="en-GB" sz="2800" spc="-1" strike="noStrike">
               <a:solidFill>
@@ -15723,7 +15732,7 @@
                 <a:latin typeface="Arial"/>
                 <a:ea typeface="Arial"/>
               </a:rPr>
-              <a:t>study and change program</a:t>
+              <a:t>Study and change program</a:t>
             </a:r>
             <a:endParaRPr b="0" lang="en-GB" sz="2800" spc="-1" strike="noStrike">
               <a:solidFill>
@@ -15755,7 +15764,7 @@
                 <a:latin typeface="Arial"/>
                 <a:ea typeface="Arial"/>
               </a:rPr>
-              <a:t>redistribute program</a:t>
+              <a:t>Redistribute program</a:t>
             </a:r>
             <a:endParaRPr b="0" lang="en-GB" sz="2800" spc="-1" strike="noStrike">
               <a:solidFill>
@@ -15787,7 +15796,7 @@
                 <a:latin typeface="Arial"/>
                 <a:ea typeface="Arial"/>
               </a:rPr>
-              <a:t>distribute modified program</a:t>
+              <a:t>Distribute modified program</a:t>
             </a:r>
             <a:endParaRPr b="0" lang="en-GB" sz="2800" spc="-1" strike="noStrike">
               <a:solidFill>
@@ -15902,7 +15911,7 @@
         <p:spPr>
           <a:xfrm>
             <a:off x="2018880" y="6316200"/>
-            <a:ext cx="6421680" cy="540720"/>
+            <a:ext cx="6421320" cy="540360"/>
           </a:xfrm>
           <a:prstGeom prst="rect">
             <a:avLst/>
@@ -15983,7 +15992,7 @@
         <p:spPr>
           <a:xfrm>
             <a:off x="8670600" y="6388200"/>
-            <a:ext cx="326160" cy="281520"/>
+            <a:ext cx="325800" cy="281160"/>
           </a:xfrm>
           <a:prstGeom prst="rect">
             <a:avLst/>
@@ -16025,7 +16034,7 @@
                 <a:tab algn="l" pos="0"/>
               </a:tabLst>
             </a:pPr>
-            <a:fld id="{68655636-3450-4485-AC8E-2175464FCC3A}" type="slidenum">
+            <a:fld id="{CB64CF5F-82E9-440B-9E2A-2B434FD4F2AF}" type="slidenum">
               <a:rPr b="0" lang="en-US" sz="800" spc="-1" strike="noStrike">
                 <a:solidFill>
                   <a:srgbClr val="595959"/>
@@ -16057,7 +16066,7 @@
         <p:spPr>
           <a:xfrm>
             <a:off x="7634160" y="4963680"/>
-            <a:ext cx="841320" cy="996840"/>
+            <a:ext cx="840960" cy="996480"/>
           </a:xfrm>
           <a:prstGeom prst="rect">
             <a:avLst/>
@@ -16110,7 +16119,7 @@
         <p:spPr>
           <a:xfrm>
             <a:off x="316800" y="305280"/>
-            <a:ext cx="8508240" cy="969480"/>
+            <a:ext cx="8507880" cy="969120"/>
           </a:xfrm>
           <a:prstGeom prst="rect">
             <a:avLst/>
@@ -16186,7 +16195,7 @@
         <p:spPr>
           <a:xfrm>
             <a:off x="316800" y="1452240"/>
-            <a:ext cx="8353080" cy="4603320"/>
+            <a:ext cx="8352720" cy="4602960"/>
           </a:xfrm>
           <a:prstGeom prst="rect">
             <a:avLst/>
@@ -16357,7 +16366,7 @@
         <p:spPr>
           <a:xfrm>
             <a:off x="2018880" y="6055920"/>
-            <a:ext cx="6421680" cy="540720"/>
+            <a:ext cx="6421320" cy="540360"/>
           </a:xfrm>
           <a:prstGeom prst="rect">
             <a:avLst/>
@@ -16418,7 +16427,7 @@
         <p:spPr>
           <a:xfrm>
             <a:off x="8670600" y="6388200"/>
-            <a:ext cx="326160" cy="281520"/>
+            <a:ext cx="325800" cy="281160"/>
           </a:xfrm>
           <a:prstGeom prst="rect">
             <a:avLst/>
@@ -16460,7 +16469,7 @@
                 <a:tab algn="l" pos="0"/>
               </a:tabLst>
             </a:pPr>
-            <a:fld id="{5EEF19AC-AA94-45DD-BB93-AAFFF9FABF7F}" type="slidenum">
+            <a:fld id="{CD57C34E-546E-4B95-B087-873008E6CE74}" type="slidenum">
               <a:rPr b="0" lang="en-US" sz="800" spc="-1" strike="noStrike">
                 <a:solidFill>
                   <a:srgbClr val="595959"/>
@@ -16492,7 +16501,7 @@
         <p:spPr>
           <a:xfrm>
             <a:off x="5596200" y="3219480"/>
-            <a:ext cx="2666160" cy="2666160"/>
+            <a:ext cx="2665800" cy="2665800"/>
           </a:xfrm>
           <a:prstGeom prst="rect">
             <a:avLst/>
@@ -16545,7 +16554,7 @@
         <p:spPr>
           <a:xfrm>
             <a:off x="457200" y="879480"/>
-            <a:ext cx="8228520" cy="614880"/>
+            <a:ext cx="8228160" cy="614520"/>
           </a:xfrm>
           <a:prstGeom prst="rect">
             <a:avLst/>
@@ -16601,7 +16610,7 @@
         <p:spPr>
           <a:xfrm>
             <a:off x="457200" y="1679400"/>
-            <a:ext cx="8228520" cy="3901680"/>
+            <a:ext cx="8228160" cy="3901320"/>
           </a:xfrm>
           <a:prstGeom prst="rect">
             <a:avLst/>
@@ -16654,7 +16663,7 @@
                 <a:latin typeface="Arial"/>
                 <a:ea typeface="Arial"/>
               </a:rPr>
-              <a:t>Learn principles and success stories about the open source movement outside of open source software. </a:t>
+              <a:t>Learn principles and success stories about the open source movement outside of open source software </a:t>
             </a:r>
             <a:endParaRPr b="0" lang="en-GB" sz="2800" spc="-1" strike="noStrike">
               <a:solidFill>
@@ -16685,7 +16694,7 @@
                 <a:latin typeface="Arial"/>
                 <a:ea typeface="Arial"/>
               </a:rPr>
-              <a:t>Results can be significant, as they can improve the collaboration of the open source movement and specifically the software movement both technically and socially. </a:t>
+              <a:t>Results can be significant, as they can improve the collaboration of the open source movement and specifically the software movement both technically and socially </a:t>
             </a:r>
             <a:endParaRPr b="0" lang="en-GB" sz="2800" spc="-1" strike="noStrike">
               <a:solidFill>
@@ -16709,7 +16718,7 @@
         <p:spPr>
           <a:xfrm>
             <a:off x="8670600" y="6388200"/>
-            <a:ext cx="326160" cy="281520"/>
+            <a:ext cx="325800" cy="281160"/>
           </a:xfrm>
           <a:prstGeom prst="rect">
             <a:avLst/>
@@ -16751,7 +16760,7 @@
                 <a:tab algn="l" pos="0"/>
               </a:tabLst>
             </a:pPr>
-            <a:fld id="{B46FAE5B-12DE-4D63-A2C2-5270C427722B}" type="slidenum">
+            <a:fld id="{32DE6690-419C-4F2E-A4FB-BD22072F3F0A}" type="slidenum">
               <a:rPr b="0" lang="en-US" sz="800" spc="-1" strike="noStrike">
                 <a:solidFill>
                   <a:srgbClr val="595959"/>
@@ -16759,7 +16768,7 @@
                 <a:latin typeface="Arial"/>
                 <a:ea typeface="Arial"/>
               </a:rPr>
-              <a:t>5</a:t>
+              <a:t>&lt;number&gt;</a:t>
             </a:fld>
             <a:endParaRPr b="0" lang="en-GB" sz="800" spc="-1" strike="noStrike">
               <a:solidFill>
@@ -16813,7 +16822,7 @@
         <p:spPr>
           <a:xfrm>
             <a:off x="457200" y="1604520"/>
-            <a:ext cx="8228520" cy="3976560"/>
+            <a:ext cx="8228160" cy="3976200"/>
           </a:xfrm>
           <a:prstGeom prst="rect">
             <a:avLst/>
@@ -17092,7 +17101,7 @@
         <p:spPr>
           <a:xfrm>
             <a:off x="457200" y="273600"/>
-            <a:ext cx="8228520" cy="1144080"/>
+            <a:ext cx="8228160" cy="1143720"/>
           </a:xfrm>
           <a:prstGeom prst="rect">
             <a:avLst/>
@@ -17148,7 +17157,7 @@
         <p:spPr>
           <a:xfrm>
             <a:off x="8670600" y="6388200"/>
-            <a:ext cx="326160" cy="281520"/>
+            <a:ext cx="325800" cy="281160"/>
           </a:xfrm>
           <a:prstGeom prst="rect">
             <a:avLst/>
@@ -17190,7 +17199,7 @@
                 <a:tab algn="l" pos="0"/>
               </a:tabLst>
             </a:pPr>
-            <a:fld id="{5822FE5B-4EA5-4949-BD6C-AE25E9C35655}" type="slidenum">
+            <a:fld id="{D51F6535-7CD5-47C5-9D15-9876D217D955}" type="slidenum">
               <a:rPr b="0" lang="en-US" sz="800" spc="-1" strike="noStrike">
                 <a:solidFill>
                   <a:srgbClr val="595959"/>
@@ -17198,7 +17207,7 @@
                 <a:latin typeface="Arial"/>
                 <a:ea typeface="Arial"/>
               </a:rPr>
-              <a:t>5</a:t>
+              <a:t>&lt;number&gt;</a:t>
             </a:fld>
             <a:endParaRPr b="0" lang="en-GB" sz="800" spc="-1" strike="noStrike">
               <a:solidFill>
@@ -17252,7 +17261,7 @@
         <p:spPr>
           <a:xfrm>
             <a:off x="457200" y="1604520"/>
-            <a:ext cx="8228520" cy="3976560"/>
+            <a:ext cx="8228160" cy="3976200"/>
           </a:xfrm>
           <a:prstGeom prst="rect">
             <a:avLst/>
@@ -17497,7 +17506,7 @@
         <p:spPr>
           <a:xfrm>
             <a:off x="457200" y="273600"/>
-            <a:ext cx="8228520" cy="1144080"/>
+            <a:ext cx="8228160" cy="1143720"/>
           </a:xfrm>
           <a:prstGeom prst="rect">
             <a:avLst/>
@@ -17553,7 +17562,7 @@
         <p:spPr>
           <a:xfrm>
             <a:off x="8670600" y="6388200"/>
-            <a:ext cx="326160" cy="281520"/>
+            <a:ext cx="325800" cy="281160"/>
           </a:xfrm>
           <a:prstGeom prst="rect">
             <a:avLst/>
@@ -17595,7 +17604,7 @@
                 <a:tab algn="l" pos="0"/>
               </a:tabLst>
             </a:pPr>
-            <a:fld id="{F4842BB1-5381-40D5-8F60-A98B8F5A3E62}" type="slidenum">
+            <a:fld id="{B8F505CA-8312-4F42-8D20-134B507E781F}" type="slidenum">
               <a:rPr b="0" lang="en-US" sz="800" spc="-1" strike="noStrike">
                 <a:solidFill>
                   <a:srgbClr val="595959"/>
@@ -17603,7 +17612,7 @@
                 <a:latin typeface="Arial"/>
                 <a:ea typeface="Arial"/>
               </a:rPr>
-              <a:t>5</a:t>
+              <a:t>&lt;number&gt;</a:t>
             </a:fld>
             <a:endParaRPr b="0" lang="en-GB" sz="800" spc="-1" strike="noStrike">
               <a:solidFill>
@@ -17657,7 +17666,7 @@
         <p:spPr>
           <a:xfrm>
             <a:off x="457200" y="1604520"/>
-            <a:ext cx="8569440" cy="4605120"/>
+            <a:ext cx="8569080" cy="4604760"/>
           </a:xfrm>
           <a:prstGeom prst="rect">
             <a:avLst/>
@@ -17977,7 +17986,7 @@
         <p:spPr>
           <a:xfrm>
             <a:off x="457200" y="203760"/>
-            <a:ext cx="8228520" cy="1144080"/>
+            <a:ext cx="8228160" cy="1143720"/>
           </a:xfrm>
           <a:prstGeom prst="rect">
             <a:avLst/>
@@ -18033,7 +18042,7 @@
         <p:spPr>
           <a:xfrm>
             <a:off x="8670600" y="6388200"/>
-            <a:ext cx="326160" cy="281520"/>
+            <a:ext cx="325800" cy="281160"/>
           </a:xfrm>
           <a:prstGeom prst="rect">
             <a:avLst/>
@@ -18075,7 +18084,7 @@
                 <a:tab algn="l" pos="0"/>
               </a:tabLst>
             </a:pPr>
-            <a:fld id="{E09B2BA0-A1AC-4412-90B2-1F3B8CAA3C0E}" type="slidenum">
+            <a:fld id="{1C563575-3782-4A28-9563-8F1E3646EBD0}" type="slidenum">
               <a:rPr b="0" lang="en-US" sz="800" spc="-1" strike="noStrike">
                 <a:solidFill>
                   <a:srgbClr val="595959"/>
@@ -18083,7 +18092,7 @@
                 <a:latin typeface="Arial"/>
                 <a:ea typeface="Arial"/>
               </a:rPr>
-              <a:t>5</a:t>
+              <a:t>&lt;number&gt;</a:t>
             </a:fld>
             <a:endParaRPr b="0" lang="en-GB" sz="800" spc="-1" strike="noStrike">
               <a:solidFill>
@@ -18137,7 +18146,7 @@
         <p:spPr>
           <a:xfrm>
             <a:off x="538920" y="215280"/>
-            <a:ext cx="8228520" cy="1144080"/>
+            <a:ext cx="8228160" cy="1143720"/>
           </a:xfrm>
           <a:prstGeom prst="rect">
             <a:avLst/>
@@ -18193,7 +18202,7 @@
         <p:spPr>
           <a:xfrm>
             <a:off x="8670600" y="6388200"/>
-            <a:ext cx="326160" cy="281520"/>
+            <a:ext cx="325800" cy="281160"/>
           </a:xfrm>
           <a:prstGeom prst="rect">
             <a:avLst/>
@@ -18235,7 +18244,7 @@
                 <a:tab algn="l" pos="0"/>
               </a:tabLst>
             </a:pPr>
-            <a:fld id="{90B9AE43-76DD-4989-9101-C12714AE0576}" type="slidenum">
+            <a:fld id="{46E08B8E-82B9-4863-9943-C664B0E9F9A3}" type="slidenum">
               <a:rPr b="0" lang="en-US" sz="800" spc="-1" strike="noStrike">
                 <a:solidFill>
                   <a:srgbClr val="595959"/>
@@ -18243,7 +18252,7 @@
                 <a:latin typeface="Arial"/>
                 <a:ea typeface="Arial"/>
               </a:rPr>
-              <a:t>5</a:t>
+              <a:t>&lt;number&gt;</a:t>
             </a:fld>
             <a:endParaRPr b="0" lang="en-GB" sz="800" spc="-1" strike="noStrike">
               <a:solidFill>
@@ -18263,7 +18272,7 @@
         <p:spPr>
           <a:xfrm>
             <a:off x="779400" y="2148840"/>
-            <a:ext cx="1936440" cy="1045800"/>
+            <a:ext cx="1936080" cy="1045440"/>
           </a:xfrm>
           <a:prstGeom prst="roundRect">
             <a:avLst>
@@ -18318,7 +18327,7 @@
         <p:spPr>
           <a:xfrm>
             <a:off x="862560" y="2210040"/>
-            <a:ext cx="1769760" cy="923400"/>
+            <a:ext cx="1769400" cy="923040"/>
           </a:xfrm>
           <a:prstGeom prst="roundRect">
             <a:avLst>
@@ -18382,7 +18391,7 @@
         <p:spPr>
           <a:xfrm>
             <a:off x="3340080" y="2148840"/>
-            <a:ext cx="1936440" cy="1045800"/>
+            <a:ext cx="1936080" cy="1045440"/>
           </a:xfrm>
           <a:prstGeom prst="roundRect">
             <a:avLst>
@@ -18437,7 +18446,7 @@
         <p:spPr>
           <a:xfrm>
             <a:off x="3423240" y="2210040"/>
-            <a:ext cx="1769760" cy="923400"/>
+            <a:ext cx="1769400" cy="923040"/>
           </a:xfrm>
           <a:prstGeom prst="roundRect">
             <a:avLst>
@@ -18501,7 +18510,7 @@
         <p:spPr>
           <a:xfrm>
             <a:off x="5900400" y="2210040"/>
-            <a:ext cx="1936440" cy="1045800"/>
+            <a:ext cx="1936080" cy="1045440"/>
           </a:xfrm>
           <a:prstGeom prst="roundRect">
             <a:avLst>
@@ -18556,7 +18565,7 @@
         <p:spPr>
           <a:xfrm>
             <a:off x="5983920" y="2271240"/>
-            <a:ext cx="1769760" cy="923400"/>
+            <a:ext cx="1769400" cy="923040"/>
           </a:xfrm>
           <a:prstGeom prst="roundRect">
             <a:avLst>
@@ -18620,7 +18629,7 @@
         <p:spPr>
           <a:xfrm>
             <a:off x="779400" y="3942000"/>
-            <a:ext cx="1936440" cy="1045800"/>
+            <a:ext cx="1936080" cy="1045440"/>
           </a:xfrm>
           <a:prstGeom prst="roundRect">
             <a:avLst>
@@ -18675,7 +18684,7 @@
         <p:spPr>
           <a:xfrm>
             <a:off x="862560" y="4003200"/>
-            <a:ext cx="1769760" cy="923400"/>
+            <a:ext cx="1769400" cy="923040"/>
           </a:xfrm>
           <a:prstGeom prst="roundRect">
             <a:avLst>
@@ -18749,7 +18758,7 @@
         <p:spPr>
           <a:xfrm>
             <a:off x="3340080" y="3942000"/>
-            <a:ext cx="1936440" cy="1045800"/>
+            <a:ext cx="1936080" cy="1045440"/>
           </a:xfrm>
           <a:prstGeom prst="roundRect">
             <a:avLst>
@@ -18804,7 +18813,7 @@
         <p:spPr>
           <a:xfrm>
             <a:off x="3423240" y="4003200"/>
-            <a:ext cx="1769760" cy="923400"/>
+            <a:ext cx="1769400" cy="923040"/>
           </a:xfrm>
           <a:prstGeom prst="roundRect">
             <a:avLst>
@@ -18868,7 +18877,7 @@
         <p:spPr>
           <a:xfrm>
             <a:off x="5900400" y="3942000"/>
-            <a:ext cx="1936440" cy="1045800"/>
+            <a:ext cx="1936080" cy="1045440"/>
           </a:xfrm>
           <a:prstGeom prst="roundRect">
             <a:avLst>
@@ -18923,7 +18932,7 @@
         <p:spPr>
           <a:xfrm>
             <a:off x="5983920" y="4003200"/>
-            <a:ext cx="1769760" cy="923400"/>
+            <a:ext cx="1769400" cy="923040"/>
           </a:xfrm>
           <a:prstGeom prst="roundRect">
             <a:avLst>
@@ -18989,8 +18998,8 @@
         </p:nvCxnSpPr>
         <p:spPr>
           <a:xfrm>
-            <a:off x="1747440" y="3133440"/>
-            <a:ext cx="360" cy="870120"/>
+            <a:off x="1747080" y="3133080"/>
+            <a:ext cx="360" cy="870480"/>
           </a:xfrm>
           <a:prstGeom prst="straightConnector1">
             <a:avLst/>
@@ -19015,8 +19024,8 @@
         </p:nvCxnSpPr>
         <p:spPr>
           <a:xfrm flipV="1">
-            <a:off x="2632320" y="3133440"/>
-            <a:ext cx="1676160" cy="1331640"/>
+            <a:off x="2631960" y="3133080"/>
+            <a:ext cx="1676160" cy="1332000"/>
           </a:xfrm>
           <a:prstGeom prst="straightConnector1">
             <a:avLst/>
@@ -19041,8 +19050,8 @@
         </p:nvCxnSpPr>
         <p:spPr>
           <a:xfrm>
-            <a:off x="4308120" y="3133440"/>
-            <a:ext cx="360" cy="870120"/>
+            <a:off x="4307760" y="3133080"/>
+            <a:ext cx="360" cy="870480"/>
           </a:xfrm>
           <a:prstGeom prst="straightConnector1">
             <a:avLst/>
@@ -19067,8 +19076,8 @@
         </p:nvCxnSpPr>
         <p:spPr>
           <a:xfrm flipV="1">
-            <a:off x="5193000" y="3194640"/>
-            <a:ext cx="1676160" cy="1270440"/>
+            <a:off x="5192640" y="3194280"/>
+            <a:ext cx="1676160" cy="1270800"/>
           </a:xfrm>
           <a:prstGeom prst="straightConnector1">
             <a:avLst/>
@@ -19093,8 +19102,8 @@
         </p:nvCxnSpPr>
         <p:spPr>
           <a:xfrm>
-            <a:off x="6868800" y="3194640"/>
-            <a:ext cx="360" cy="808920"/>
+            <a:off x="6868440" y="3194280"/>
+            <a:ext cx="360" cy="809280"/>
           </a:xfrm>
           <a:prstGeom prst="straightConnector1">
             <a:avLst/>
@@ -19116,8 +19125,8 @@
         </p:nvSpPr>
         <p:spPr>
           <a:xfrm rot="16200000">
-            <a:off x="5360400" y="640440"/>
-            <a:ext cx="545040" cy="2471040"/>
+            <a:off x="5360400" y="640800"/>
+            <a:ext cx="544680" cy="2470680"/>
           </a:xfrm>
           <a:prstGeom prst="rightBrace">
             <a:avLst>
@@ -19171,7 +19180,7 @@
         <p:spPr>
           <a:xfrm>
             <a:off x="4587120" y="1202760"/>
-            <a:ext cx="2999160" cy="395640"/>
+            <a:ext cx="2998800" cy="395640"/>
           </a:xfrm>
           <a:prstGeom prst="rect">
             <a:avLst/>
